--- a/manual.pptx
+++ b/manual.pptx
@@ -2,7 +2,7 @@
 <file path=ppt/presentation.xml><?xml version="1.0" encoding="utf-8"?>
 <p:presentation xmlns:a="http://schemas.openxmlformats.org/drawingml/2006/main" xmlns:r="http://schemas.openxmlformats.org/officeDocument/2006/relationships" xmlns:p="http://schemas.openxmlformats.org/presentationml/2006/main" saveSubsetFonts="1">
   <p:sldMasterIdLst>
-    <p:sldMasterId id="2147483648" r:id="rId1"/>
+    <p:sldMasterId id="2147483678" r:id="rId1"/>
   </p:sldMasterIdLst>
   <p:sldIdLst>
     <p:sldId id="256" r:id="rId2"/>
@@ -110,6 +110,11 @@
       </a:defRPr>
     </a:lvl9pPr>
   </p:defaultTextStyle>
+  <p:extLst>
+    <p:ext uri="{EFAFB233-063F-42B5-8137-9DF3F51BA10A}">
+      <p15:sldGuideLst xmlns:p15="http://schemas.microsoft.com/office/powerpoint/2012/main"/>
+    </p:ext>
+  </p:extLst>
 </p:presentation>
 </file>
 
@@ -132,7 +137,7 @@
       </p:grpSpPr>
       <p:sp>
         <p:nvSpPr>
-          <p:cNvPr id="2" name="Título 1"/>
+          <p:cNvPr id="2" name="Title 1"/>
           <p:cNvSpPr>
             <a:spLocks noGrp="1"/>
           </p:cNvSpPr>
@@ -142,29 +147,58 @@
         </p:nvSpPr>
         <p:spPr>
           <a:xfrm>
-            <a:off x="1524000" y="1122363"/>
-            <a:ext cx="9144000" cy="2387600"/>
-          </a:xfrm>
-        </p:spPr>
-        <p:txBody>
-          <a:bodyPr anchor="b"/>
+            <a:off x="2209800" y="4464028"/>
+            <a:ext cx="9144000" cy="1641490"/>
+          </a:xfrm>
+        </p:spPr>
+        <p:txBody>
+          <a:bodyPr wrap="none" anchor="t">
+            <a:normAutofit/>
+          </a:bodyPr>
           <a:lstStyle>
-            <a:lvl1pPr algn="ctr">
-              <a:defRPr sz="6000"/>
+            <a:lvl1pPr algn="r">
+              <a:defRPr sz="9600" b="0" spc="-300">
+                <a:gradFill flip="none" rotWithShape="1">
+                  <a:gsLst>
+                    <a:gs pos="0">
+                      <a:schemeClr val="tx1"/>
+                    </a:gs>
+                    <a:gs pos="68000">
+                      <a:srgbClr val="F1F1F1"/>
+                    </a:gs>
+                    <a:gs pos="100000">
+                      <a:schemeClr val="bg1">
+                        <a:lumMod val="11000"/>
+                        <a:lumOff val="89000"/>
+                      </a:schemeClr>
+                    </a:gs>
+                  </a:gsLst>
+                  <a:lin ang="5400000" scaled="1"/>
+                  <a:tileRect/>
+                </a:gradFill>
+                <a:effectLst>
+                  <a:outerShdw blurRad="469900" dist="342900" dir="5400000" sy="-20000" rotWithShape="0">
+                    <a:prstClr val="black">
+                      <a:alpha val="66000"/>
+                    </a:prstClr>
+                  </a:outerShdw>
+                </a:effectLst>
+              </a:defRPr>
             </a:lvl1pPr>
           </a:lstStyle>
           <a:p>
+            <a:pPr lvl="0" algn="r"/>
             <a:r>
               <a:rPr lang="es-ES" smtClean="0"/>
               <a:t>Haga clic para modificar el estilo de título del patrón</a:t>
             </a:r>
-            <a:endParaRPr lang="es-MX"/>
-          </a:p>
-        </p:txBody>
-      </p:sp>
-      <p:sp>
-        <p:nvSpPr>
-          <p:cNvPr id="3" name="Subtítulo 2"/>
+            <a:endParaRPr lang="en-US" dirty="0"/>
+          </a:p>
+        </p:txBody>
+      </p:sp>
+      <p:sp>
+        <p:nvSpPr>
+          <p:cNvPr id="3" name="Subtitle 2"/>
           <p:cNvSpPr>
             <a:spLocks noGrp="1"/>
           </p:cNvSpPr>
@@ -174,62 +208,64 @@
         </p:nvSpPr>
         <p:spPr>
           <a:xfrm>
-            <a:off x="1524000" y="3602038"/>
-            <a:ext cx="9144000" cy="1655762"/>
-          </a:xfrm>
-        </p:spPr>
-        <p:txBody>
-          <a:bodyPr/>
+            <a:off x="2209799" y="3694375"/>
+            <a:ext cx="9144000" cy="754025"/>
+          </a:xfrm>
+        </p:spPr>
+        <p:txBody>
+          <a:bodyPr vert="horz" lIns="91440" tIns="45720" rIns="91440" bIns="45720" rtlCol="0" anchor="b">
+            <a:normAutofit/>
+          </a:bodyPr>
           <a:lstStyle>
-            <a:lvl1pPr marL="0" indent="0" algn="ctr">
-              <a:buNone/>
-              <a:defRPr sz="2400"/>
+            <a:lvl1pPr marL="0" indent="0" algn="r">
+              <a:buNone/>
+              <a:defRPr sz="3200" b="0">
+                <a:gradFill flip="none" rotWithShape="1">
+                  <a:gsLst>
+                    <a:gs pos="15000">
+                      <a:schemeClr val="tx2"/>
+                    </a:gs>
+                    <a:gs pos="73000">
+                      <a:schemeClr val="tx2">
+                        <a:lumMod val="60000"/>
+                        <a:lumOff val="40000"/>
+                      </a:schemeClr>
+                    </a:gs>
+                    <a:gs pos="0">
+                      <a:schemeClr val="tx2">
+                        <a:lumMod val="90000"/>
+                        <a:lumOff val="10000"/>
+                      </a:schemeClr>
+                    </a:gs>
+                    <a:gs pos="100000">
+                      <a:schemeClr val="tx2">
+                        <a:lumMod val="0"/>
+                        <a:lumOff val="100000"/>
+                      </a:schemeClr>
+                    </a:gs>
+                  </a:gsLst>
+                  <a:lin ang="16200000" scaled="1"/>
+                  <a:tileRect/>
+                </a:gradFill>
+                <a:latin typeface="+mj-lt"/>
+              </a:defRPr>
             </a:lvl1pPr>
-            <a:lvl2pPr marL="457200" indent="0" algn="ctr">
-              <a:buNone/>
-              <a:defRPr sz="2000"/>
-            </a:lvl2pPr>
-            <a:lvl3pPr marL="914400" indent="0" algn="ctr">
-              <a:buNone/>
-              <a:defRPr sz="1800"/>
-            </a:lvl3pPr>
-            <a:lvl4pPr marL="1371600" indent="0" algn="ctr">
-              <a:buNone/>
-              <a:defRPr sz="1600"/>
-            </a:lvl4pPr>
-            <a:lvl5pPr marL="1828800" indent="0" algn="ctr">
-              <a:buNone/>
-              <a:defRPr sz="1600"/>
-            </a:lvl5pPr>
-            <a:lvl6pPr marL="2286000" indent="0" algn="ctr">
-              <a:buNone/>
-              <a:defRPr sz="1600"/>
-            </a:lvl6pPr>
-            <a:lvl7pPr marL="2743200" indent="0" algn="ctr">
-              <a:buNone/>
-              <a:defRPr sz="1600"/>
-            </a:lvl7pPr>
-            <a:lvl8pPr marL="3200400" indent="0" algn="ctr">
-              <a:buNone/>
-              <a:defRPr sz="1600"/>
-            </a:lvl8pPr>
-            <a:lvl9pPr marL="3657600" indent="0" algn="ctr">
-              <a:buNone/>
-              <a:defRPr sz="1600"/>
-            </a:lvl9pPr>
           </a:lstStyle>
           <a:p>
+            <a:pPr marL="0" lvl="0" indent="0" algn="r">
+              <a:buNone/>
+            </a:pPr>
             <a:r>
               <a:rPr lang="es-ES" smtClean="0"/>
               <a:t>Haga clic para modificar el estilo de subtítulo del patrón</a:t>
             </a:r>
-            <a:endParaRPr lang="es-MX"/>
-          </a:p>
-        </p:txBody>
-      </p:sp>
-      <p:sp>
-        <p:nvSpPr>
-          <p:cNvPr id="4" name="Marcador de fecha 3"/>
+            <a:endParaRPr lang="en-US" dirty="0"/>
+          </a:p>
+        </p:txBody>
+      </p:sp>
+      <p:sp>
+        <p:nvSpPr>
+          <p:cNvPr id="7" name="Date Placeholder 6"/>
           <p:cNvSpPr>
             <a:spLocks noGrp="1"/>
           </p:cNvSpPr>
@@ -252,7 +288,7 @@
       </p:sp>
       <p:sp>
         <p:nvSpPr>
-          <p:cNvPr id="5" name="Marcador de pie de página 4"/>
+          <p:cNvPr id="8" name="Footer Placeholder 7"/>
           <p:cNvSpPr>
             <a:spLocks noGrp="1"/>
           </p:cNvSpPr>
@@ -271,7 +307,7 @@
       </p:sp>
       <p:sp>
         <p:nvSpPr>
-          <p:cNvPr id="6" name="Marcador de número de diapositiva 5"/>
+          <p:cNvPr id="9" name="Slide Number Placeholder 8"/>
           <p:cNvSpPr>
             <a:spLocks noGrp="1"/>
           </p:cNvSpPr>
@@ -295,7 +331,7 @@
     </p:spTree>
     <p:extLst>
       <p:ext uri="{BB962C8B-B14F-4D97-AF65-F5344CB8AC3E}">
-        <p14:creationId xmlns:p14="http://schemas.microsoft.com/office/powerpoint/2010/main" val="2520320541"/>
+        <p14:creationId xmlns:p14="http://schemas.microsoft.com/office/powerpoint/2010/main" val="3475249537"/>
       </p:ext>
     </p:extLst>
   </p:cSld>
@@ -306,6 +342,2543 @@
 </file>
 
 <file path=ppt/slideLayouts/slideLayout10.xml><?xml version="1.0" encoding="utf-8"?>
+<p:sldLayout xmlns:a="http://schemas.openxmlformats.org/drawingml/2006/main" xmlns:r="http://schemas.openxmlformats.org/officeDocument/2006/relationships" xmlns:p="http://schemas.openxmlformats.org/presentationml/2006/main" preserve="1">
+  <p:cSld name="Imagen panorámica con descripción">
+    <p:spTree>
+      <p:nvGrpSpPr>
+        <p:cNvPr id="1" name=""/>
+        <p:cNvGrpSpPr/>
+        <p:nvPr/>
+      </p:nvGrpSpPr>
+      <p:grpSpPr>
+        <a:xfrm>
+          <a:off x="0" y="0"/>
+          <a:ext cx="0" cy="0"/>
+          <a:chOff x="0" y="0"/>
+          <a:chExt cx="0" cy="0"/>
+        </a:xfrm>
+      </p:grpSpPr>
+      <p:sp>
+        <p:nvSpPr>
+          <p:cNvPr id="2" name="Title 1"/>
+          <p:cNvSpPr>
+            <a:spLocks noGrp="1"/>
+          </p:cNvSpPr>
+          <p:nvPr>
+            <p:ph type="title"/>
+          </p:nvPr>
+        </p:nvSpPr>
+        <p:spPr>
+          <a:xfrm>
+            <a:off x="839788" y="4367160"/>
+            <a:ext cx="10515600" cy="819355"/>
+          </a:xfrm>
+        </p:spPr>
+        <p:txBody>
+          <a:bodyPr anchor="b"/>
+          <a:lstStyle>
+            <a:lvl1pPr>
+              <a:defRPr sz="3200"/>
+            </a:lvl1pPr>
+          </a:lstStyle>
+          <a:p>
+            <a:r>
+              <a:rPr lang="es-ES" smtClean="0"/>
+              <a:t>Haga clic para modificar el estilo de título del patrón</a:t>
+            </a:r>
+            <a:endParaRPr lang="en-US" dirty="0"/>
+          </a:p>
+        </p:txBody>
+      </p:sp>
+      <p:sp>
+        <p:nvSpPr>
+          <p:cNvPr id="3" name="Picture Placeholder 2"/>
+          <p:cNvSpPr>
+            <a:spLocks noGrp="1" noChangeAspect="1"/>
+          </p:cNvSpPr>
+          <p:nvPr>
+            <p:ph type="pic" idx="1"/>
+          </p:nvPr>
+        </p:nvSpPr>
+        <p:spPr>
+          <a:xfrm>
+            <a:off x="839788" y="987425"/>
+            <a:ext cx="10515600" cy="3379735"/>
+          </a:xfrm>
+        </p:spPr>
+        <p:txBody>
+          <a:bodyPr anchor="t"/>
+          <a:lstStyle>
+            <a:lvl1pPr marL="0" indent="0">
+              <a:buNone/>
+              <a:defRPr sz="3200"/>
+            </a:lvl1pPr>
+            <a:lvl2pPr marL="457200" indent="0">
+              <a:buNone/>
+              <a:defRPr sz="2800"/>
+            </a:lvl2pPr>
+            <a:lvl3pPr marL="914400" indent="0">
+              <a:buNone/>
+              <a:defRPr sz="2400"/>
+            </a:lvl3pPr>
+            <a:lvl4pPr marL="1371600" indent="0">
+              <a:buNone/>
+              <a:defRPr sz="2000"/>
+            </a:lvl4pPr>
+            <a:lvl5pPr marL="1828800" indent="0">
+              <a:buNone/>
+              <a:defRPr sz="2000"/>
+            </a:lvl5pPr>
+            <a:lvl6pPr marL="2286000" indent="0">
+              <a:buNone/>
+              <a:defRPr sz="2000"/>
+            </a:lvl6pPr>
+            <a:lvl7pPr marL="2743200" indent="0">
+              <a:buNone/>
+              <a:defRPr sz="2000"/>
+            </a:lvl7pPr>
+            <a:lvl8pPr marL="3200400" indent="0">
+              <a:buNone/>
+              <a:defRPr sz="2000"/>
+            </a:lvl8pPr>
+            <a:lvl9pPr marL="3657600" indent="0">
+              <a:buNone/>
+              <a:defRPr sz="2000"/>
+            </a:lvl9pPr>
+          </a:lstStyle>
+          <a:p>
+            <a:r>
+              <a:rPr lang="es-ES" smtClean="0"/>
+              <a:t>Haga clic en el icono para agregar una imagen</a:t>
+            </a:r>
+            <a:endParaRPr lang="en-US" dirty="0"/>
+          </a:p>
+        </p:txBody>
+      </p:sp>
+      <p:sp>
+        <p:nvSpPr>
+          <p:cNvPr id="4" name="Text Placeholder 3"/>
+          <p:cNvSpPr>
+            <a:spLocks noGrp="1"/>
+          </p:cNvSpPr>
+          <p:nvPr>
+            <p:ph type="body" sz="half" idx="2"/>
+          </p:nvPr>
+        </p:nvSpPr>
+        <p:spPr>
+          <a:xfrm>
+            <a:off x="839788" y="5186516"/>
+            <a:ext cx="10514012" cy="682472"/>
+          </a:xfrm>
+        </p:spPr>
+        <p:txBody>
+          <a:bodyPr/>
+          <a:lstStyle>
+            <a:lvl1pPr marL="0" indent="0">
+              <a:buNone/>
+              <a:defRPr sz="1600">
+                <a:gradFill>
+                  <a:gsLst>
+                    <a:gs pos="15000">
+                      <a:schemeClr val="tx2"/>
+                    </a:gs>
+                    <a:gs pos="73000">
+                      <a:schemeClr val="tx2">
+                        <a:lumMod val="60000"/>
+                        <a:lumOff val="40000"/>
+                      </a:schemeClr>
+                    </a:gs>
+                    <a:gs pos="0">
+                      <a:schemeClr val="tx1"/>
+                    </a:gs>
+                    <a:gs pos="100000">
+                      <a:schemeClr val="tx2">
+                        <a:lumMod val="0"/>
+                        <a:lumOff val="100000"/>
+                      </a:schemeClr>
+                    </a:gs>
+                  </a:gsLst>
+                  <a:lin ang="16200000" scaled="1"/>
+                </a:gradFill>
+              </a:defRPr>
+            </a:lvl1pPr>
+            <a:lvl2pPr marL="457200" indent="0">
+              <a:buNone/>
+              <a:defRPr sz="1400"/>
+            </a:lvl2pPr>
+            <a:lvl3pPr marL="914400" indent="0">
+              <a:buNone/>
+              <a:defRPr sz="1200"/>
+            </a:lvl3pPr>
+            <a:lvl4pPr marL="1371600" indent="0">
+              <a:buNone/>
+              <a:defRPr sz="1000"/>
+            </a:lvl4pPr>
+            <a:lvl5pPr marL="1828800" indent="0">
+              <a:buNone/>
+              <a:defRPr sz="1000"/>
+            </a:lvl5pPr>
+            <a:lvl6pPr marL="2286000" indent="0">
+              <a:buNone/>
+              <a:defRPr sz="1000"/>
+            </a:lvl6pPr>
+            <a:lvl7pPr marL="2743200" indent="0">
+              <a:buNone/>
+              <a:defRPr sz="1000"/>
+            </a:lvl7pPr>
+            <a:lvl8pPr marL="3200400" indent="0">
+              <a:buNone/>
+              <a:defRPr sz="1000"/>
+            </a:lvl8pPr>
+            <a:lvl9pPr marL="3657600" indent="0">
+              <a:buNone/>
+              <a:defRPr sz="1000"/>
+            </a:lvl9pPr>
+          </a:lstStyle>
+          <a:p>
+            <a:pPr lvl="0"/>
+            <a:r>
+              <a:rPr lang="es-ES" smtClean="0"/>
+              <a:t>Haga clic para modificar el estilo de texto del patrón</a:t>
+            </a:r>
+          </a:p>
+        </p:txBody>
+      </p:sp>
+      <p:sp>
+        <p:nvSpPr>
+          <p:cNvPr id="5" name="Date Placeholder 4"/>
+          <p:cNvSpPr>
+            <a:spLocks noGrp="1"/>
+          </p:cNvSpPr>
+          <p:nvPr>
+            <p:ph type="dt" sz="half" idx="10"/>
+          </p:nvPr>
+        </p:nvSpPr>
+        <p:spPr/>
+        <p:txBody>
+          <a:bodyPr/>
+          <a:lstStyle/>
+          <a:p>
+            <a:fld id="{DD3BBD1A-2608-4050-9F86-05CACE093AF7}" type="datetimeFigureOut">
+              <a:rPr lang="es-MX" smtClean="0"/>
+              <a:t>07/03/2025</a:t>
+            </a:fld>
+            <a:endParaRPr lang="es-MX"/>
+          </a:p>
+        </p:txBody>
+      </p:sp>
+      <p:sp>
+        <p:nvSpPr>
+          <p:cNvPr id="6" name="Footer Placeholder 5"/>
+          <p:cNvSpPr>
+            <a:spLocks noGrp="1"/>
+          </p:cNvSpPr>
+          <p:nvPr>
+            <p:ph type="ftr" sz="quarter" idx="11"/>
+          </p:nvPr>
+        </p:nvSpPr>
+        <p:spPr/>
+        <p:txBody>
+          <a:bodyPr/>
+          <a:lstStyle/>
+          <a:p>
+            <a:endParaRPr lang="es-MX"/>
+          </a:p>
+        </p:txBody>
+      </p:sp>
+      <p:sp>
+        <p:nvSpPr>
+          <p:cNvPr id="7" name="Slide Number Placeholder 6"/>
+          <p:cNvSpPr>
+            <a:spLocks noGrp="1"/>
+          </p:cNvSpPr>
+          <p:nvPr>
+            <p:ph type="sldNum" sz="quarter" idx="12"/>
+          </p:nvPr>
+        </p:nvSpPr>
+        <p:spPr/>
+        <p:txBody>
+          <a:bodyPr/>
+          <a:lstStyle/>
+          <a:p>
+            <a:fld id="{DC8B33A8-56E1-4B9E-AC3F-504A110C90F7}" type="slidenum">
+              <a:rPr lang="es-MX" smtClean="0"/>
+              <a:t>‹Nº›</a:t>
+            </a:fld>
+            <a:endParaRPr lang="es-MX"/>
+          </a:p>
+        </p:txBody>
+      </p:sp>
+    </p:spTree>
+    <p:extLst>
+      <p:ext uri="{BB962C8B-B14F-4D97-AF65-F5344CB8AC3E}">
+        <p14:creationId xmlns:p14="http://schemas.microsoft.com/office/powerpoint/2010/main" val="2055271426"/>
+      </p:ext>
+    </p:extLst>
+  </p:cSld>
+  <p:clrMapOvr>
+    <a:masterClrMapping/>
+  </p:clrMapOvr>
+</p:sldLayout>
+</file>
+
+<file path=ppt/slideLayouts/slideLayout11.xml><?xml version="1.0" encoding="utf-8"?>
+<p:sldLayout xmlns:a="http://schemas.openxmlformats.org/drawingml/2006/main" xmlns:r="http://schemas.openxmlformats.org/officeDocument/2006/relationships" xmlns:p="http://schemas.openxmlformats.org/presentationml/2006/main" preserve="1">
+  <p:cSld name="Título y descripción">
+    <p:spTree>
+      <p:nvGrpSpPr>
+        <p:cNvPr id="1" name=""/>
+        <p:cNvGrpSpPr/>
+        <p:nvPr/>
+      </p:nvGrpSpPr>
+      <p:grpSpPr>
+        <a:xfrm>
+          <a:off x="0" y="0"/>
+          <a:ext cx="0" cy="0"/>
+          <a:chOff x="0" y="0"/>
+          <a:chExt cx="0" cy="0"/>
+        </a:xfrm>
+      </p:grpSpPr>
+      <p:sp>
+        <p:nvSpPr>
+          <p:cNvPr id="2" name="Title 1"/>
+          <p:cNvSpPr>
+            <a:spLocks noGrp="1"/>
+          </p:cNvSpPr>
+          <p:nvPr>
+            <p:ph type="title"/>
+          </p:nvPr>
+        </p:nvSpPr>
+        <p:spPr>
+          <a:xfrm>
+            <a:off x="839788" y="365125"/>
+            <a:ext cx="10515600" cy="3534344"/>
+          </a:xfrm>
+        </p:spPr>
+        <p:txBody>
+          <a:bodyPr anchor="ctr"/>
+          <a:lstStyle>
+            <a:lvl1pPr>
+              <a:defRPr sz="3200"/>
+            </a:lvl1pPr>
+          </a:lstStyle>
+          <a:p>
+            <a:r>
+              <a:rPr lang="es-ES" smtClean="0"/>
+              <a:t>Haga clic para modificar el estilo de título del patrón</a:t>
+            </a:r>
+            <a:endParaRPr lang="en-US" dirty="0"/>
+          </a:p>
+        </p:txBody>
+      </p:sp>
+      <p:sp>
+        <p:nvSpPr>
+          <p:cNvPr id="4" name="Text Placeholder 3"/>
+          <p:cNvSpPr>
+            <a:spLocks noGrp="1"/>
+          </p:cNvSpPr>
+          <p:nvPr>
+            <p:ph type="body" sz="half" idx="2"/>
+          </p:nvPr>
+        </p:nvSpPr>
+        <p:spPr>
+          <a:xfrm>
+            <a:off x="839788" y="4489399"/>
+            <a:ext cx="10514012" cy="1501826"/>
+          </a:xfrm>
+        </p:spPr>
+        <p:txBody>
+          <a:bodyPr anchor="ctr"/>
+          <a:lstStyle>
+            <a:lvl1pPr marL="0" indent="0">
+              <a:buNone/>
+              <a:defRPr sz="1600"/>
+            </a:lvl1pPr>
+            <a:lvl2pPr marL="457200" indent="0">
+              <a:buNone/>
+              <a:defRPr sz="1400"/>
+            </a:lvl2pPr>
+            <a:lvl3pPr marL="914400" indent="0">
+              <a:buNone/>
+              <a:defRPr sz="1200"/>
+            </a:lvl3pPr>
+            <a:lvl4pPr marL="1371600" indent="0">
+              <a:buNone/>
+              <a:defRPr sz="1000"/>
+            </a:lvl4pPr>
+            <a:lvl5pPr marL="1828800" indent="0">
+              <a:buNone/>
+              <a:defRPr sz="1000"/>
+            </a:lvl5pPr>
+            <a:lvl6pPr marL="2286000" indent="0">
+              <a:buNone/>
+              <a:defRPr sz="1000"/>
+            </a:lvl6pPr>
+            <a:lvl7pPr marL="2743200" indent="0">
+              <a:buNone/>
+              <a:defRPr sz="1000"/>
+            </a:lvl7pPr>
+            <a:lvl8pPr marL="3200400" indent="0">
+              <a:buNone/>
+              <a:defRPr sz="1000"/>
+            </a:lvl8pPr>
+            <a:lvl9pPr marL="3657600" indent="0">
+              <a:buNone/>
+              <a:defRPr sz="1000"/>
+            </a:lvl9pPr>
+          </a:lstStyle>
+          <a:p>
+            <a:pPr lvl="0"/>
+            <a:r>
+              <a:rPr lang="es-ES" smtClean="0"/>
+              <a:t>Haga clic para modificar el estilo de texto del patrón</a:t>
+            </a:r>
+          </a:p>
+        </p:txBody>
+      </p:sp>
+      <p:sp>
+        <p:nvSpPr>
+          <p:cNvPr id="5" name="Date Placeholder 4"/>
+          <p:cNvSpPr>
+            <a:spLocks noGrp="1"/>
+          </p:cNvSpPr>
+          <p:nvPr>
+            <p:ph type="dt" sz="half" idx="10"/>
+          </p:nvPr>
+        </p:nvSpPr>
+        <p:spPr/>
+        <p:txBody>
+          <a:bodyPr/>
+          <a:lstStyle/>
+          <a:p>
+            <a:fld id="{DD3BBD1A-2608-4050-9F86-05CACE093AF7}" type="datetimeFigureOut">
+              <a:rPr lang="es-MX" smtClean="0"/>
+              <a:t>07/03/2025</a:t>
+            </a:fld>
+            <a:endParaRPr lang="es-MX"/>
+          </a:p>
+        </p:txBody>
+      </p:sp>
+      <p:sp>
+        <p:nvSpPr>
+          <p:cNvPr id="6" name="Footer Placeholder 5"/>
+          <p:cNvSpPr>
+            <a:spLocks noGrp="1"/>
+          </p:cNvSpPr>
+          <p:nvPr>
+            <p:ph type="ftr" sz="quarter" idx="11"/>
+          </p:nvPr>
+        </p:nvSpPr>
+        <p:spPr/>
+        <p:txBody>
+          <a:bodyPr/>
+          <a:lstStyle/>
+          <a:p>
+            <a:endParaRPr lang="es-MX"/>
+          </a:p>
+        </p:txBody>
+      </p:sp>
+      <p:sp>
+        <p:nvSpPr>
+          <p:cNvPr id="7" name="Slide Number Placeholder 6"/>
+          <p:cNvSpPr>
+            <a:spLocks noGrp="1"/>
+          </p:cNvSpPr>
+          <p:nvPr>
+            <p:ph type="sldNum" sz="quarter" idx="12"/>
+          </p:nvPr>
+        </p:nvSpPr>
+        <p:spPr/>
+        <p:txBody>
+          <a:bodyPr/>
+          <a:lstStyle/>
+          <a:p>
+            <a:fld id="{DC8B33A8-56E1-4B9E-AC3F-504A110C90F7}" type="slidenum">
+              <a:rPr lang="es-MX" smtClean="0"/>
+              <a:t>‹Nº›</a:t>
+            </a:fld>
+            <a:endParaRPr lang="es-MX"/>
+          </a:p>
+        </p:txBody>
+      </p:sp>
+    </p:spTree>
+    <p:extLst>
+      <p:ext uri="{BB962C8B-B14F-4D97-AF65-F5344CB8AC3E}">
+        <p14:creationId xmlns:p14="http://schemas.microsoft.com/office/powerpoint/2010/main" val="4126574018"/>
+      </p:ext>
+    </p:extLst>
+  </p:cSld>
+  <p:clrMapOvr>
+    <a:masterClrMapping/>
+  </p:clrMapOvr>
+</p:sldLayout>
+</file>
+
+<file path=ppt/slideLayouts/slideLayout12.xml><?xml version="1.0" encoding="utf-8"?>
+<p:sldLayout xmlns:a="http://schemas.openxmlformats.org/drawingml/2006/main" xmlns:r="http://schemas.openxmlformats.org/officeDocument/2006/relationships" xmlns:p="http://schemas.openxmlformats.org/presentationml/2006/main" preserve="1">
+  <p:cSld name="Cita con descripción">
+    <p:spTree>
+      <p:nvGrpSpPr>
+        <p:cNvPr id="1" name=""/>
+        <p:cNvGrpSpPr/>
+        <p:nvPr/>
+      </p:nvGrpSpPr>
+      <p:grpSpPr>
+        <a:xfrm>
+          <a:off x="0" y="0"/>
+          <a:ext cx="0" cy="0"/>
+          <a:chOff x="0" y="0"/>
+          <a:chExt cx="0" cy="0"/>
+        </a:xfrm>
+      </p:grpSpPr>
+      <p:sp>
+        <p:nvSpPr>
+          <p:cNvPr id="2" name="Title 1"/>
+          <p:cNvSpPr>
+            <a:spLocks noGrp="1"/>
+          </p:cNvSpPr>
+          <p:nvPr>
+            <p:ph type="title"/>
+          </p:nvPr>
+        </p:nvSpPr>
+        <p:spPr>
+          <a:xfrm>
+            <a:off x="1446212" y="365125"/>
+            <a:ext cx="9302752" cy="2992904"/>
+          </a:xfrm>
+        </p:spPr>
+        <p:txBody>
+          <a:bodyPr anchor="ctr"/>
+          <a:lstStyle>
+            <a:lvl1pPr>
+              <a:defRPr sz="4400"/>
+            </a:lvl1pPr>
+          </a:lstStyle>
+          <a:p>
+            <a:r>
+              <a:rPr lang="es-ES" smtClean="0"/>
+              <a:t>Haga clic para modificar el estilo de título del patrón</a:t>
+            </a:r>
+            <a:endParaRPr lang="en-US" dirty="0"/>
+          </a:p>
+        </p:txBody>
+      </p:sp>
+      <p:sp>
+        <p:nvSpPr>
+          <p:cNvPr id="12" name="Text Placeholder 3"/>
+          <p:cNvSpPr>
+            <a:spLocks noGrp="1"/>
+          </p:cNvSpPr>
+          <p:nvPr>
+            <p:ph type="body" sz="half" idx="13"/>
+          </p:nvPr>
+        </p:nvSpPr>
+        <p:spPr>
+          <a:xfrm>
+            <a:off x="1720644" y="3365557"/>
+            <a:ext cx="8752299" cy="548968"/>
+          </a:xfrm>
+        </p:spPr>
+        <p:txBody>
+          <a:bodyPr anchor="t">
+            <a:normAutofit/>
+          </a:bodyPr>
+          <a:lstStyle>
+            <a:lvl1pPr marL="0" indent="0">
+              <a:buNone/>
+              <a:defRPr sz="1400"/>
+            </a:lvl1pPr>
+            <a:lvl2pPr marL="457200" indent="0">
+              <a:buNone/>
+              <a:defRPr sz="1400"/>
+            </a:lvl2pPr>
+            <a:lvl3pPr marL="914400" indent="0">
+              <a:buNone/>
+              <a:defRPr sz="1200"/>
+            </a:lvl3pPr>
+            <a:lvl4pPr marL="1371600" indent="0">
+              <a:buNone/>
+              <a:defRPr sz="1000"/>
+            </a:lvl4pPr>
+            <a:lvl5pPr marL="1828800" indent="0">
+              <a:buNone/>
+              <a:defRPr sz="1000"/>
+            </a:lvl5pPr>
+            <a:lvl6pPr marL="2286000" indent="0">
+              <a:buNone/>
+              <a:defRPr sz="1000"/>
+            </a:lvl6pPr>
+            <a:lvl7pPr marL="2743200" indent="0">
+              <a:buNone/>
+              <a:defRPr sz="1000"/>
+            </a:lvl7pPr>
+            <a:lvl8pPr marL="3200400" indent="0">
+              <a:buNone/>
+              <a:defRPr sz="1000"/>
+            </a:lvl8pPr>
+            <a:lvl9pPr marL="3657600" indent="0">
+              <a:buNone/>
+              <a:defRPr sz="1000"/>
+            </a:lvl9pPr>
+          </a:lstStyle>
+          <a:p>
+            <a:pPr lvl="0"/>
+            <a:r>
+              <a:rPr lang="es-ES" smtClean="0"/>
+              <a:t>Haga clic para modificar el estilo de texto del patrón</a:t>
+            </a:r>
+          </a:p>
+        </p:txBody>
+      </p:sp>
+      <p:sp>
+        <p:nvSpPr>
+          <p:cNvPr id="4" name="Text Placeholder 3"/>
+          <p:cNvSpPr>
+            <a:spLocks noGrp="1"/>
+          </p:cNvSpPr>
+          <p:nvPr>
+            <p:ph type="body" sz="half" idx="2"/>
+          </p:nvPr>
+        </p:nvSpPr>
+        <p:spPr>
+          <a:xfrm>
+            <a:off x="838200" y="4501729"/>
+            <a:ext cx="10512424" cy="1489496"/>
+          </a:xfrm>
+        </p:spPr>
+        <p:txBody>
+          <a:bodyPr anchor="ctr">
+            <a:normAutofit/>
+          </a:bodyPr>
+          <a:lstStyle>
+            <a:lvl1pPr marL="0" indent="0">
+              <a:buNone/>
+              <a:defRPr sz="1600"/>
+            </a:lvl1pPr>
+            <a:lvl2pPr marL="457200" indent="0">
+              <a:buNone/>
+              <a:defRPr sz="1400"/>
+            </a:lvl2pPr>
+            <a:lvl3pPr marL="914400" indent="0">
+              <a:buNone/>
+              <a:defRPr sz="1200"/>
+            </a:lvl3pPr>
+            <a:lvl4pPr marL="1371600" indent="0">
+              <a:buNone/>
+              <a:defRPr sz="1000"/>
+            </a:lvl4pPr>
+            <a:lvl5pPr marL="1828800" indent="0">
+              <a:buNone/>
+              <a:defRPr sz="1000"/>
+            </a:lvl5pPr>
+            <a:lvl6pPr marL="2286000" indent="0">
+              <a:buNone/>
+              <a:defRPr sz="1000"/>
+            </a:lvl6pPr>
+            <a:lvl7pPr marL="2743200" indent="0">
+              <a:buNone/>
+              <a:defRPr sz="1000"/>
+            </a:lvl7pPr>
+            <a:lvl8pPr marL="3200400" indent="0">
+              <a:buNone/>
+              <a:defRPr sz="1000"/>
+            </a:lvl8pPr>
+            <a:lvl9pPr marL="3657600" indent="0">
+              <a:buNone/>
+              <a:defRPr sz="1000"/>
+            </a:lvl9pPr>
+          </a:lstStyle>
+          <a:p>
+            <a:pPr lvl="0"/>
+            <a:r>
+              <a:rPr lang="es-ES" smtClean="0"/>
+              <a:t>Haga clic para modificar el estilo de texto del patrón</a:t>
+            </a:r>
+          </a:p>
+        </p:txBody>
+      </p:sp>
+      <p:sp>
+        <p:nvSpPr>
+          <p:cNvPr id="5" name="Date Placeholder 4"/>
+          <p:cNvSpPr>
+            <a:spLocks noGrp="1"/>
+          </p:cNvSpPr>
+          <p:nvPr>
+            <p:ph type="dt" sz="half" idx="10"/>
+          </p:nvPr>
+        </p:nvSpPr>
+        <p:spPr/>
+        <p:txBody>
+          <a:bodyPr/>
+          <a:lstStyle/>
+          <a:p>
+            <a:fld id="{DD3BBD1A-2608-4050-9F86-05CACE093AF7}" type="datetimeFigureOut">
+              <a:rPr lang="es-MX" smtClean="0"/>
+              <a:t>07/03/2025</a:t>
+            </a:fld>
+            <a:endParaRPr lang="es-MX"/>
+          </a:p>
+        </p:txBody>
+      </p:sp>
+      <p:sp>
+        <p:nvSpPr>
+          <p:cNvPr id="6" name="Footer Placeholder 5"/>
+          <p:cNvSpPr>
+            <a:spLocks noGrp="1"/>
+          </p:cNvSpPr>
+          <p:nvPr>
+            <p:ph type="ftr" sz="quarter" idx="11"/>
+          </p:nvPr>
+        </p:nvSpPr>
+        <p:spPr/>
+        <p:txBody>
+          <a:bodyPr/>
+          <a:lstStyle/>
+          <a:p>
+            <a:endParaRPr lang="es-MX"/>
+          </a:p>
+        </p:txBody>
+      </p:sp>
+      <p:sp>
+        <p:nvSpPr>
+          <p:cNvPr id="7" name="Slide Number Placeholder 6"/>
+          <p:cNvSpPr>
+            <a:spLocks noGrp="1"/>
+          </p:cNvSpPr>
+          <p:nvPr>
+            <p:ph type="sldNum" sz="quarter" idx="12"/>
+          </p:nvPr>
+        </p:nvSpPr>
+        <p:spPr/>
+        <p:txBody>
+          <a:bodyPr/>
+          <a:lstStyle/>
+          <a:p>
+            <a:fld id="{DC8B33A8-56E1-4B9E-AC3F-504A110C90F7}" type="slidenum">
+              <a:rPr lang="es-MX" smtClean="0"/>
+              <a:t>‹Nº›</a:t>
+            </a:fld>
+            <a:endParaRPr lang="es-MX"/>
+          </a:p>
+        </p:txBody>
+      </p:sp>
+      <p:sp>
+        <p:nvSpPr>
+          <p:cNvPr id="9" name="TextBox 8"/>
+          <p:cNvSpPr txBox="1"/>
+          <p:nvPr/>
+        </p:nvSpPr>
+        <p:spPr>
+          <a:xfrm>
+            <a:off x="1111044" y="786824"/>
+            <a:ext cx="609600" cy="584776"/>
+          </a:xfrm>
+          <a:prstGeom prst="rect">
+            <a:avLst/>
+          </a:prstGeom>
+        </p:spPr>
+        <p:txBody>
+          <a:bodyPr vert="horz" lIns="91440" tIns="45720" rIns="91440" bIns="45720" rtlCol="0" anchor="ctr">
+            <a:noAutofit/>
+          </a:bodyPr>
+          <a:lstStyle>
+            <a:lvl1pPr>
+              <a:spcBef>
+                <a:spcPct val="0"/>
+              </a:spcBef>
+              <a:buNone/>
+              <a:defRPr sz="3200" b="0" cap="all">
+                <a:ln w="3175" cmpd="sng">
+                  <a:noFill/>
+                </a:ln>
+                <a:effectLst>
+                  <a:glow rad="38100">
+                    <a:schemeClr val="bg1">
+                      <a:lumMod val="65000"/>
+                      <a:lumOff val="35000"/>
+                      <a:alpha val="40000"/>
+                    </a:schemeClr>
+                  </a:glow>
+                  <a:outerShdw blurRad="28575" dist="38100" dir="14040000" algn="tl" rotWithShape="0">
+                    <a:srgbClr val="000000">
+                      <a:alpha val="25000"/>
+                    </a:srgbClr>
+                  </a:outerShdw>
+                </a:effectLst>
+              </a:defRPr>
+            </a:lvl1pPr>
+            <a:lvl2pPr>
+              <a:defRPr>
+                <a:solidFill>
+                  <a:schemeClr val="tx2"/>
+                </a:solidFill>
+              </a:defRPr>
+            </a:lvl2pPr>
+            <a:lvl3pPr>
+              <a:defRPr>
+                <a:solidFill>
+                  <a:schemeClr val="tx2"/>
+                </a:solidFill>
+              </a:defRPr>
+            </a:lvl3pPr>
+            <a:lvl4pPr>
+              <a:defRPr>
+                <a:solidFill>
+                  <a:schemeClr val="tx2"/>
+                </a:solidFill>
+              </a:defRPr>
+            </a:lvl4pPr>
+            <a:lvl5pPr>
+              <a:defRPr>
+                <a:solidFill>
+                  <a:schemeClr val="tx2"/>
+                </a:solidFill>
+              </a:defRPr>
+            </a:lvl5pPr>
+            <a:lvl6pPr>
+              <a:defRPr>
+                <a:solidFill>
+                  <a:schemeClr val="tx2"/>
+                </a:solidFill>
+              </a:defRPr>
+            </a:lvl6pPr>
+            <a:lvl7pPr>
+              <a:defRPr>
+                <a:solidFill>
+                  <a:schemeClr val="tx2"/>
+                </a:solidFill>
+              </a:defRPr>
+            </a:lvl7pPr>
+            <a:lvl8pPr>
+              <a:defRPr>
+                <a:solidFill>
+                  <a:schemeClr val="tx2"/>
+                </a:solidFill>
+              </a:defRPr>
+            </a:lvl8pPr>
+            <a:lvl9pPr>
+              <a:defRPr>
+                <a:solidFill>
+                  <a:schemeClr val="tx2"/>
+                </a:solidFill>
+              </a:defRPr>
+            </a:lvl9pPr>
+          </a:lstStyle>
+          <a:p>
+            <a:pPr lvl="0"/>
+            <a:r>
+              <a:rPr lang="en-US" sz="8000" dirty="0">
+                <a:solidFill>
+                  <a:schemeClr val="tx1"/>
+                </a:solidFill>
+                <a:effectLst/>
+              </a:rPr>
+              <a:t>“</a:t>
+            </a:r>
+          </a:p>
+        </p:txBody>
+      </p:sp>
+      <p:sp>
+        <p:nvSpPr>
+          <p:cNvPr id="10" name="TextBox 9"/>
+          <p:cNvSpPr txBox="1"/>
+          <p:nvPr/>
+        </p:nvSpPr>
+        <p:spPr>
+          <a:xfrm>
+            <a:off x="10437812" y="2743200"/>
+            <a:ext cx="609600" cy="584776"/>
+          </a:xfrm>
+          <a:prstGeom prst="rect">
+            <a:avLst/>
+          </a:prstGeom>
+        </p:spPr>
+        <p:txBody>
+          <a:bodyPr vert="horz" lIns="91440" tIns="45720" rIns="91440" bIns="45720" rtlCol="0" anchor="ctr">
+            <a:noAutofit/>
+          </a:bodyPr>
+          <a:lstStyle>
+            <a:lvl1pPr>
+              <a:spcBef>
+                <a:spcPct val="0"/>
+              </a:spcBef>
+              <a:buNone/>
+              <a:defRPr sz="3200" b="0" cap="all">
+                <a:ln w="3175" cmpd="sng">
+                  <a:noFill/>
+                </a:ln>
+                <a:effectLst>
+                  <a:glow rad="38100">
+                    <a:schemeClr val="bg1">
+                      <a:lumMod val="65000"/>
+                      <a:lumOff val="35000"/>
+                      <a:alpha val="40000"/>
+                    </a:schemeClr>
+                  </a:glow>
+                  <a:outerShdw blurRad="28575" dist="38100" dir="14040000" algn="tl" rotWithShape="0">
+                    <a:srgbClr val="000000">
+                      <a:alpha val="25000"/>
+                    </a:srgbClr>
+                  </a:outerShdw>
+                </a:effectLst>
+              </a:defRPr>
+            </a:lvl1pPr>
+            <a:lvl2pPr>
+              <a:defRPr>
+                <a:solidFill>
+                  <a:schemeClr val="tx2"/>
+                </a:solidFill>
+              </a:defRPr>
+            </a:lvl2pPr>
+            <a:lvl3pPr>
+              <a:defRPr>
+                <a:solidFill>
+                  <a:schemeClr val="tx2"/>
+                </a:solidFill>
+              </a:defRPr>
+            </a:lvl3pPr>
+            <a:lvl4pPr>
+              <a:defRPr>
+                <a:solidFill>
+                  <a:schemeClr val="tx2"/>
+                </a:solidFill>
+              </a:defRPr>
+            </a:lvl4pPr>
+            <a:lvl5pPr>
+              <a:defRPr>
+                <a:solidFill>
+                  <a:schemeClr val="tx2"/>
+                </a:solidFill>
+              </a:defRPr>
+            </a:lvl5pPr>
+            <a:lvl6pPr>
+              <a:defRPr>
+                <a:solidFill>
+                  <a:schemeClr val="tx2"/>
+                </a:solidFill>
+              </a:defRPr>
+            </a:lvl6pPr>
+            <a:lvl7pPr>
+              <a:defRPr>
+                <a:solidFill>
+                  <a:schemeClr val="tx2"/>
+                </a:solidFill>
+              </a:defRPr>
+            </a:lvl7pPr>
+            <a:lvl8pPr>
+              <a:defRPr>
+                <a:solidFill>
+                  <a:schemeClr val="tx2"/>
+                </a:solidFill>
+              </a:defRPr>
+            </a:lvl8pPr>
+            <a:lvl9pPr>
+              <a:defRPr>
+                <a:solidFill>
+                  <a:schemeClr val="tx2"/>
+                </a:solidFill>
+              </a:defRPr>
+            </a:lvl9pPr>
+          </a:lstStyle>
+          <a:p>
+            <a:pPr lvl="0" algn="r"/>
+            <a:r>
+              <a:rPr lang="en-US" sz="8000" dirty="0">
+                <a:solidFill>
+                  <a:schemeClr val="tx1"/>
+                </a:solidFill>
+                <a:effectLst/>
+              </a:rPr>
+              <a:t>”</a:t>
+            </a:r>
+          </a:p>
+        </p:txBody>
+      </p:sp>
+    </p:spTree>
+    <p:extLst>
+      <p:ext uri="{BB962C8B-B14F-4D97-AF65-F5344CB8AC3E}">
+        <p14:creationId xmlns:p14="http://schemas.microsoft.com/office/powerpoint/2010/main" val="2842789654"/>
+      </p:ext>
+    </p:extLst>
+  </p:cSld>
+  <p:clrMapOvr>
+    <a:masterClrMapping/>
+  </p:clrMapOvr>
+</p:sldLayout>
+</file>
+
+<file path=ppt/slideLayouts/slideLayout13.xml><?xml version="1.0" encoding="utf-8"?>
+<p:sldLayout xmlns:a="http://schemas.openxmlformats.org/drawingml/2006/main" xmlns:r="http://schemas.openxmlformats.org/officeDocument/2006/relationships" xmlns:p="http://schemas.openxmlformats.org/presentationml/2006/main" preserve="1">
+  <p:cSld name="Tarjeta de nombre">
+    <p:spTree>
+      <p:nvGrpSpPr>
+        <p:cNvPr id="1" name=""/>
+        <p:cNvGrpSpPr/>
+        <p:nvPr/>
+      </p:nvGrpSpPr>
+      <p:grpSpPr>
+        <a:xfrm>
+          <a:off x="0" y="0"/>
+          <a:ext cx="0" cy="0"/>
+          <a:chOff x="0" y="0"/>
+          <a:chExt cx="0" cy="0"/>
+        </a:xfrm>
+      </p:grpSpPr>
+      <p:sp>
+        <p:nvSpPr>
+          <p:cNvPr id="2" name="Title 1"/>
+          <p:cNvSpPr>
+            <a:spLocks noGrp="1"/>
+          </p:cNvSpPr>
+          <p:nvPr>
+            <p:ph type="title"/>
+          </p:nvPr>
+        </p:nvSpPr>
+        <p:spPr>
+          <a:xfrm>
+            <a:off x="839788" y="2326967"/>
+            <a:ext cx="10515600" cy="2511835"/>
+          </a:xfrm>
+        </p:spPr>
+        <p:txBody>
+          <a:bodyPr anchor="b">
+            <a:normAutofit/>
+          </a:bodyPr>
+          <a:lstStyle>
+            <a:lvl1pPr>
+              <a:defRPr sz="5400"/>
+            </a:lvl1pPr>
+          </a:lstStyle>
+          <a:p>
+            <a:r>
+              <a:rPr lang="es-ES" smtClean="0"/>
+              <a:t>Haga clic para modificar el estilo de título del patrón</a:t>
+            </a:r>
+            <a:endParaRPr lang="en-US" dirty="0"/>
+          </a:p>
+        </p:txBody>
+      </p:sp>
+      <p:sp>
+        <p:nvSpPr>
+          <p:cNvPr id="4" name="Text Placeholder 3"/>
+          <p:cNvSpPr>
+            <a:spLocks noGrp="1"/>
+          </p:cNvSpPr>
+          <p:nvPr>
+            <p:ph type="body" sz="half" idx="2"/>
+          </p:nvPr>
+        </p:nvSpPr>
+        <p:spPr>
+          <a:xfrm>
+            <a:off x="839788" y="4850581"/>
+            <a:ext cx="10514012" cy="1140644"/>
+          </a:xfrm>
+        </p:spPr>
+        <p:txBody>
+          <a:bodyPr anchor="t"/>
+          <a:lstStyle>
+            <a:lvl1pPr marL="0" indent="0">
+              <a:buNone/>
+              <a:defRPr sz="1600"/>
+            </a:lvl1pPr>
+            <a:lvl2pPr marL="457200" indent="0">
+              <a:buNone/>
+              <a:defRPr sz="1400"/>
+            </a:lvl2pPr>
+            <a:lvl3pPr marL="914400" indent="0">
+              <a:buNone/>
+              <a:defRPr sz="1200"/>
+            </a:lvl3pPr>
+            <a:lvl4pPr marL="1371600" indent="0">
+              <a:buNone/>
+              <a:defRPr sz="1000"/>
+            </a:lvl4pPr>
+            <a:lvl5pPr marL="1828800" indent="0">
+              <a:buNone/>
+              <a:defRPr sz="1000"/>
+            </a:lvl5pPr>
+            <a:lvl6pPr marL="2286000" indent="0">
+              <a:buNone/>
+              <a:defRPr sz="1000"/>
+            </a:lvl6pPr>
+            <a:lvl7pPr marL="2743200" indent="0">
+              <a:buNone/>
+              <a:defRPr sz="1000"/>
+            </a:lvl7pPr>
+            <a:lvl8pPr marL="3200400" indent="0">
+              <a:buNone/>
+              <a:defRPr sz="1000"/>
+            </a:lvl8pPr>
+            <a:lvl9pPr marL="3657600" indent="0">
+              <a:buNone/>
+              <a:defRPr sz="1000"/>
+            </a:lvl9pPr>
+          </a:lstStyle>
+          <a:p>
+            <a:pPr lvl="0"/>
+            <a:r>
+              <a:rPr lang="es-ES" smtClean="0"/>
+              <a:t>Haga clic para modificar el estilo de texto del patrón</a:t>
+            </a:r>
+          </a:p>
+        </p:txBody>
+      </p:sp>
+      <p:sp>
+        <p:nvSpPr>
+          <p:cNvPr id="5" name="Date Placeholder 4"/>
+          <p:cNvSpPr>
+            <a:spLocks noGrp="1"/>
+          </p:cNvSpPr>
+          <p:nvPr>
+            <p:ph type="dt" sz="half" idx="10"/>
+          </p:nvPr>
+        </p:nvSpPr>
+        <p:spPr/>
+        <p:txBody>
+          <a:bodyPr/>
+          <a:lstStyle/>
+          <a:p>
+            <a:fld id="{DD3BBD1A-2608-4050-9F86-05CACE093AF7}" type="datetimeFigureOut">
+              <a:rPr lang="es-MX" smtClean="0"/>
+              <a:t>07/03/2025</a:t>
+            </a:fld>
+            <a:endParaRPr lang="es-MX"/>
+          </a:p>
+        </p:txBody>
+      </p:sp>
+      <p:sp>
+        <p:nvSpPr>
+          <p:cNvPr id="6" name="Footer Placeholder 5"/>
+          <p:cNvSpPr>
+            <a:spLocks noGrp="1"/>
+          </p:cNvSpPr>
+          <p:nvPr>
+            <p:ph type="ftr" sz="quarter" idx="11"/>
+          </p:nvPr>
+        </p:nvSpPr>
+        <p:spPr/>
+        <p:txBody>
+          <a:bodyPr/>
+          <a:lstStyle/>
+          <a:p>
+            <a:endParaRPr lang="es-MX"/>
+          </a:p>
+        </p:txBody>
+      </p:sp>
+      <p:sp>
+        <p:nvSpPr>
+          <p:cNvPr id="7" name="Slide Number Placeholder 6"/>
+          <p:cNvSpPr>
+            <a:spLocks noGrp="1"/>
+          </p:cNvSpPr>
+          <p:nvPr>
+            <p:ph type="sldNum" sz="quarter" idx="12"/>
+          </p:nvPr>
+        </p:nvSpPr>
+        <p:spPr/>
+        <p:txBody>
+          <a:bodyPr/>
+          <a:lstStyle/>
+          <a:p>
+            <a:fld id="{DC8B33A8-56E1-4B9E-AC3F-504A110C90F7}" type="slidenum">
+              <a:rPr lang="es-MX" smtClean="0"/>
+              <a:t>‹Nº›</a:t>
+            </a:fld>
+            <a:endParaRPr lang="es-MX"/>
+          </a:p>
+        </p:txBody>
+      </p:sp>
+    </p:spTree>
+    <p:extLst>
+      <p:ext uri="{BB962C8B-B14F-4D97-AF65-F5344CB8AC3E}">
+        <p14:creationId xmlns:p14="http://schemas.microsoft.com/office/powerpoint/2010/main" val="1618217803"/>
+      </p:ext>
+    </p:extLst>
+  </p:cSld>
+  <p:clrMapOvr>
+    <a:masterClrMapping/>
+  </p:clrMapOvr>
+</p:sldLayout>
+</file>
+
+<file path=ppt/slideLayouts/slideLayout14.xml><?xml version="1.0" encoding="utf-8"?>
+<p:sldLayout xmlns:a="http://schemas.openxmlformats.org/drawingml/2006/main" xmlns:r="http://schemas.openxmlformats.org/officeDocument/2006/relationships" xmlns:p="http://schemas.openxmlformats.org/presentationml/2006/main" preserve="1">
+  <p:cSld name="Columna 3">
+    <p:spTree>
+      <p:nvGrpSpPr>
+        <p:cNvPr id="1" name=""/>
+        <p:cNvGrpSpPr/>
+        <p:nvPr/>
+      </p:nvGrpSpPr>
+      <p:grpSpPr>
+        <a:xfrm>
+          <a:off x="0" y="0"/>
+          <a:ext cx="0" cy="0"/>
+          <a:chOff x="0" y="0"/>
+          <a:chExt cx="0" cy="0"/>
+        </a:xfrm>
+      </p:grpSpPr>
+      <p:sp>
+        <p:nvSpPr>
+          <p:cNvPr id="15" name="Title 1"/>
+          <p:cNvSpPr>
+            <a:spLocks noGrp="1"/>
+          </p:cNvSpPr>
+          <p:nvPr>
+            <p:ph type="title"/>
+          </p:nvPr>
+        </p:nvSpPr>
+        <p:spPr>
+          <a:xfrm>
+            <a:off x="838200" y="365125"/>
+            <a:ext cx="10515600" cy="1325563"/>
+          </a:xfrm>
+        </p:spPr>
+        <p:txBody>
+          <a:bodyPr/>
+          <a:lstStyle/>
+          <a:p>
+            <a:r>
+              <a:rPr lang="es-ES" smtClean="0"/>
+              <a:t>Haga clic para modificar el estilo de título del patrón</a:t>
+            </a:r>
+            <a:endParaRPr lang="en-US" dirty="0"/>
+          </a:p>
+        </p:txBody>
+      </p:sp>
+      <p:sp>
+        <p:nvSpPr>
+          <p:cNvPr id="7" name="Text Placeholder 2"/>
+          <p:cNvSpPr>
+            <a:spLocks noGrp="1"/>
+          </p:cNvSpPr>
+          <p:nvPr>
+            <p:ph type="body" idx="1"/>
+          </p:nvPr>
+        </p:nvSpPr>
+        <p:spPr>
+          <a:xfrm>
+            <a:off x="1337282" y="1885950"/>
+            <a:ext cx="2946866" cy="576262"/>
+          </a:xfrm>
+        </p:spPr>
+        <p:txBody>
+          <a:bodyPr anchor="b">
+            <a:noAutofit/>
+          </a:bodyPr>
+          <a:lstStyle>
+            <a:lvl1pPr marL="0" indent="0">
+              <a:buNone/>
+              <a:defRPr sz="2400" b="0">
+                <a:gradFill>
+                  <a:gsLst>
+                    <a:gs pos="15000">
+                      <a:schemeClr val="tx2"/>
+                    </a:gs>
+                    <a:gs pos="73000">
+                      <a:schemeClr val="tx2">
+                        <a:lumMod val="60000"/>
+                        <a:lumOff val="40000"/>
+                      </a:schemeClr>
+                    </a:gs>
+                    <a:gs pos="0">
+                      <a:schemeClr val="tx2">
+                        <a:lumMod val="90000"/>
+                        <a:lumOff val="10000"/>
+                      </a:schemeClr>
+                    </a:gs>
+                    <a:gs pos="100000">
+                      <a:schemeClr val="tx2">
+                        <a:lumMod val="0"/>
+                        <a:lumOff val="100000"/>
+                      </a:schemeClr>
+                    </a:gs>
+                  </a:gsLst>
+                  <a:lin ang="16200000" scaled="1"/>
+                </a:gradFill>
+              </a:defRPr>
+            </a:lvl1pPr>
+            <a:lvl2pPr marL="457200" indent="0">
+              <a:buNone/>
+              <a:defRPr sz="2000" b="1"/>
+            </a:lvl2pPr>
+            <a:lvl3pPr marL="914400" indent="0">
+              <a:buNone/>
+              <a:defRPr sz="1800" b="1"/>
+            </a:lvl3pPr>
+            <a:lvl4pPr marL="1371600" indent="0">
+              <a:buNone/>
+              <a:defRPr sz="1600" b="1"/>
+            </a:lvl4pPr>
+            <a:lvl5pPr marL="1828800" indent="0">
+              <a:buNone/>
+              <a:defRPr sz="1600" b="1"/>
+            </a:lvl5pPr>
+            <a:lvl6pPr marL="2286000" indent="0">
+              <a:buNone/>
+              <a:defRPr sz="1600" b="1"/>
+            </a:lvl6pPr>
+            <a:lvl7pPr marL="2743200" indent="0">
+              <a:buNone/>
+              <a:defRPr sz="1600" b="1"/>
+            </a:lvl7pPr>
+            <a:lvl8pPr marL="3200400" indent="0">
+              <a:buNone/>
+              <a:defRPr sz="1600" b="1"/>
+            </a:lvl8pPr>
+            <a:lvl9pPr marL="3657600" indent="0">
+              <a:buNone/>
+              <a:defRPr sz="1600" b="1"/>
+            </a:lvl9pPr>
+          </a:lstStyle>
+          <a:p>
+            <a:pPr lvl="0"/>
+            <a:r>
+              <a:rPr lang="es-ES" smtClean="0"/>
+              <a:t>Haga clic para modificar el estilo de texto del patrón</a:t>
+            </a:r>
+          </a:p>
+        </p:txBody>
+      </p:sp>
+      <p:sp>
+        <p:nvSpPr>
+          <p:cNvPr id="8" name="Text Placeholder 3"/>
+          <p:cNvSpPr>
+            <a:spLocks noGrp="1"/>
+          </p:cNvSpPr>
+          <p:nvPr>
+            <p:ph type="body" sz="half" idx="15"/>
+          </p:nvPr>
+        </p:nvSpPr>
+        <p:spPr>
+          <a:xfrm>
+            <a:off x="1356798" y="2571750"/>
+            <a:ext cx="2927350" cy="3589338"/>
+          </a:xfrm>
+        </p:spPr>
+        <p:txBody>
+          <a:bodyPr anchor="t">
+            <a:normAutofit/>
+          </a:bodyPr>
+          <a:lstStyle>
+            <a:lvl1pPr marL="0" indent="0">
+              <a:buNone/>
+              <a:defRPr sz="1400"/>
+            </a:lvl1pPr>
+            <a:lvl2pPr marL="457200" indent="0">
+              <a:buNone/>
+              <a:defRPr sz="1200"/>
+            </a:lvl2pPr>
+            <a:lvl3pPr marL="914400" indent="0">
+              <a:buNone/>
+              <a:defRPr sz="1000"/>
+            </a:lvl3pPr>
+            <a:lvl4pPr marL="1371600" indent="0">
+              <a:buNone/>
+              <a:defRPr sz="900"/>
+            </a:lvl4pPr>
+            <a:lvl5pPr marL="1828800" indent="0">
+              <a:buNone/>
+              <a:defRPr sz="900"/>
+            </a:lvl5pPr>
+            <a:lvl6pPr marL="2286000" indent="0">
+              <a:buNone/>
+              <a:defRPr sz="900"/>
+            </a:lvl6pPr>
+            <a:lvl7pPr marL="2743200" indent="0">
+              <a:buNone/>
+              <a:defRPr sz="900"/>
+            </a:lvl7pPr>
+            <a:lvl8pPr marL="3200400" indent="0">
+              <a:buNone/>
+              <a:defRPr sz="900"/>
+            </a:lvl8pPr>
+            <a:lvl9pPr marL="3657600" indent="0">
+              <a:buNone/>
+              <a:defRPr sz="900"/>
+            </a:lvl9pPr>
+          </a:lstStyle>
+          <a:p>
+            <a:pPr lvl="0"/>
+            <a:r>
+              <a:rPr lang="es-ES" smtClean="0"/>
+              <a:t>Haga clic para modificar el estilo de texto del patrón</a:t>
+            </a:r>
+          </a:p>
+        </p:txBody>
+      </p:sp>
+      <p:sp>
+        <p:nvSpPr>
+          <p:cNvPr id="9" name="Text Placeholder 4"/>
+          <p:cNvSpPr>
+            <a:spLocks noGrp="1"/>
+          </p:cNvSpPr>
+          <p:nvPr>
+            <p:ph type="body" sz="quarter" idx="3"/>
+          </p:nvPr>
+        </p:nvSpPr>
+        <p:spPr>
+          <a:xfrm>
+            <a:off x="4587994" y="1885950"/>
+            <a:ext cx="2936241" cy="576262"/>
+          </a:xfrm>
+        </p:spPr>
+        <p:txBody>
+          <a:bodyPr vert="horz" lIns="91440" tIns="45720" rIns="91440" bIns="45720" rtlCol="0" anchor="b">
+            <a:noAutofit/>
+          </a:bodyPr>
+          <a:lstStyle>
+            <a:lvl1pPr>
+              <a:buNone/>
+              <a:defRPr lang="en-US" sz="2400" b="0">
+                <a:gradFill>
+                  <a:gsLst>
+                    <a:gs pos="15000">
+                      <a:schemeClr val="tx2"/>
+                    </a:gs>
+                    <a:gs pos="73000">
+                      <a:schemeClr val="tx2">
+                        <a:lumMod val="60000"/>
+                        <a:lumOff val="40000"/>
+                      </a:schemeClr>
+                    </a:gs>
+                    <a:gs pos="0">
+                      <a:schemeClr val="tx2">
+                        <a:lumMod val="90000"/>
+                        <a:lumOff val="10000"/>
+                      </a:schemeClr>
+                    </a:gs>
+                    <a:gs pos="100000">
+                      <a:schemeClr val="tx2">
+                        <a:lumMod val="0"/>
+                        <a:lumOff val="100000"/>
+                      </a:schemeClr>
+                    </a:gs>
+                  </a:gsLst>
+                  <a:lin ang="16200000" scaled="1"/>
+                </a:gradFill>
+              </a:defRPr>
+            </a:lvl1pPr>
+          </a:lstStyle>
+          <a:p>
+            <a:pPr marL="0" lvl="0" indent="0">
+              <a:buNone/>
+            </a:pPr>
+            <a:r>
+              <a:rPr lang="es-ES" smtClean="0"/>
+              <a:t>Haga clic para modificar el estilo de texto del patrón</a:t>
+            </a:r>
+          </a:p>
+        </p:txBody>
+      </p:sp>
+      <p:sp>
+        <p:nvSpPr>
+          <p:cNvPr id="10" name="Text Placeholder 3"/>
+          <p:cNvSpPr>
+            <a:spLocks noGrp="1"/>
+          </p:cNvSpPr>
+          <p:nvPr>
+            <p:ph type="body" sz="half" idx="16"/>
+          </p:nvPr>
+        </p:nvSpPr>
+        <p:spPr>
+          <a:xfrm>
+            <a:off x="4577441" y="2571750"/>
+            <a:ext cx="2946794" cy="3589338"/>
+          </a:xfrm>
+        </p:spPr>
+        <p:txBody>
+          <a:bodyPr anchor="t">
+            <a:normAutofit/>
+          </a:bodyPr>
+          <a:lstStyle>
+            <a:lvl1pPr marL="0" indent="0">
+              <a:buNone/>
+              <a:defRPr sz="1400"/>
+            </a:lvl1pPr>
+            <a:lvl2pPr marL="457200" indent="0">
+              <a:buNone/>
+              <a:defRPr sz="1200"/>
+            </a:lvl2pPr>
+            <a:lvl3pPr marL="914400" indent="0">
+              <a:buNone/>
+              <a:defRPr sz="1000"/>
+            </a:lvl3pPr>
+            <a:lvl4pPr marL="1371600" indent="0">
+              <a:buNone/>
+              <a:defRPr sz="900"/>
+            </a:lvl4pPr>
+            <a:lvl5pPr marL="1828800" indent="0">
+              <a:buNone/>
+              <a:defRPr sz="900"/>
+            </a:lvl5pPr>
+            <a:lvl6pPr marL="2286000" indent="0">
+              <a:buNone/>
+              <a:defRPr sz="900"/>
+            </a:lvl6pPr>
+            <a:lvl7pPr marL="2743200" indent="0">
+              <a:buNone/>
+              <a:defRPr sz="900"/>
+            </a:lvl7pPr>
+            <a:lvl8pPr marL="3200400" indent="0">
+              <a:buNone/>
+              <a:defRPr sz="900"/>
+            </a:lvl8pPr>
+            <a:lvl9pPr marL="3657600" indent="0">
+              <a:buNone/>
+              <a:defRPr sz="900"/>
+            </a:lvl9pPr>
+          </a:lstStyle>
+          <a:p>
+            <a:pPr lvl="0"/>
+            <a:r>
+              <a:rPr lang="es-ES" smtClean="0"/>
+              <a:t>Haga clic para modificar el estilo de texto del patrón</a:t>
+            </a:r>
+          </a:p>
+        </p:txBody>
+      </p:sp>
+      <p:sp>
+        <p:nvSpPr>
+          <p:cNvPr id="11" name="Text Placeholder 4"/>
+          <p:cNvSpPr>
+            <a:spLocks noGrp="1"/>
+          </p:cNvSpPr>
+          <p:nvPr>
+            <p:ph type="body" sz="quarter" idx="13"/>
+          </p:nvPr>
+        </p:nvSpPr>
+        <p:spPr>
+          <a:xfrm>
+            <a:off x="7829035" y="1885950"/>
+            <a:ext cx="2932113" cy="576262"/>
+          </a:xfrm>
+        </p:spPr>
+        <p:txBody>
+          <a:bodyPr vert="horz" lIns="91440" tIns="45720" rIns="91440" bIns="45720" rtlCol="0" anchor="b">
+            <a:noAutofit/>
+          </a:bodyPr>
+          <a:lstStyle>
+            <a:lvl1pPr>
+              <a:buNone/>
+              <a:defRPr lang="en-US" sz="2400" b="0" dirty="0">
+                <a:gradFill>
+                  <a:gsLst>
+                    <a:gs pos="15000">
+                      <a:schemeClr val="tx2"/>
+                    </a:gs>
+                    <a:gs pos="73000">
+                      <a:schemeClr val="tx2">
+                        <a:lumMod val="60000"/>
+                        <a:lumOff val="40000"/>
+                      </a:schemeClr>
+                    </a:gs>
+                    <a:gs pos="0">
+                      <a:schemeClr val="tx2">
+                        <a:lumMod val="90000"/>
+                        <a:lumOff val="10000"/>
+                      </a:schemeClr>
+                    </a:gs>
+                    <a:gs pos="100000">
+                      <a:schemeClr val="tx2">
+                        <a:lumMod val="0"/>
+                        <a:lumOff val="100000"/>
+                      </a:schemeClr>
+                    </a:gs>
+                  </a:gsLst>
+                  <a:lin ang="16200000" scaled="1"/>
+                </a:gradFill>
+              </a:defRPr>
+            </a:lvl1pPr>
+          </a:lstStyle>
+          <a:p>
+            <a:pPr marL="0" lvl="0" indent="0">
+              <a:buNone/>
+            </a:pPr>
+            <a:r>
+              <a:rPr lang="es-ES" smtClean="0"/>
+              <a:t>Haga clic para modificar el estilo de texto del patrón</a:t>
+            </a:r>
+          </a:p>
+        </p:txBody>
+      </p:sp>
+      <p:sp>
+        <p:nvSpPr>
+          <p:cNvPr id="12" name="Text Placeholder 3"/>
+          <p:cNvSpPr>
+            <a:spLocks noGrp="1"/>
+          </p:cNvSpPr>
+          <p:nvPr>
+            <p:ph type="body" sz="half" idx="17"/>
+          </p:nvPr>
+        </p:nvSpPr>
+        <p:spPr>
+          <a:xfrm>
+            <a:off x="7829035" y="2571750"/>
+            <a:ext cx="2932113" cy="3589338"/>
+          </a:xfrm>
+        </p:spPr>
+        <p:txBody>
+          <a:bodyPr anchor="t">
+            <a:normAutofit/>
+          </a:bodyPr>
+          <a:lstStyle>
+            <a:lvl1pPr marL="0" indent="0">
+              <a:buNone/>
+              <a:defRPr sz="1400"/>
+            </a:lvl1pPr>
+            <a:lvl2pPr marL="457200" indent="0">
+              <a:buNone/>
+              <a:defRPr sz="1200"/>
+            </a:lvl2pPr>
+            <a:lvl3pPr marL="914400" indent="0">
+              <a:buNone/>
+              <a:defRPr sz="1000"/>
+            </a:lvl3pPr>
+            <a:lvl4pPr marL="1371600" indent="0">
+              <a:buNone/>
+              <a:defRPr sz="900"/>
+            </a:lvl4pPr>
+            <a:lvl5pPr marL="1828800" indent="0">
+              <a:buNone/>
+              <a:defRPr sz="900"/>
+            </a:lvl5pPr>
+            <a:lvl6pPr marL="2286000" indent="0">
+              <a:buNone/>
+              <a:defRPr sz="900"/>
+            </a:lvl6pPr>
+            <a:lvl7pPr marL="2743200" indent="0">
+              <a:buNone/>
+              <a:defRPr sz="900"/>
+            </a:lvl7pPr>
+            <a:lvl8pPr marL="3200400" indent="0">
+              <a:buNone/>
+              <a:defRPr sz="900"/>
+            </a:lvl8pPr>
+            <a:lvl9pPr marL="3657600" indent="0">
+              <a:buNone/>
+              <a:defRPr sz="900"/>
+            </a:lvl9pPr>
+          </a:lstStyle>
+          <a:p>
+            <a:pPr lvl="0"/>
+            <a:r>
+              <a:rPr lang="es-ES" smtClean="0"/>
+              <a:t>Haga clic para modificar el estilo de texto del patrón</a:t>
+            </a:r>
+          </a:p>
+        </p:txBody>
+      </p:sp>
+      <p:sp>
+        <p:nvSpPr>
+          <p:cNvPr id="3" name="Date Placeholder 2"/>
+          <p:cNvSpPr>
+            <a:spLocks noGrp="1"/>
+          </p:cNvSpPr>
+          <p:nvPr>
+            <p:ph type="dt" sz="half" idx="10"/>
+          </p:nvPr>
+        </p:nvSpPr>
+        <p:spPr/>
+        <p:txBody>
+          <a:bodyPr/>
+          <a:lstStyle/>
+          <a:p>
+            <a:fld id="{DD3BBD1A-2608-4050-9F86-05CACE093AF7}" type="datetimeFigureOut">
+              <a:rPr lang="es-MX" smtClean="0"/>
+              <a:t>07/03/2025</a:t>
+            </a:fld>
+            <a:endParaRPr lang="es-MX"/>
+          </a:p>
+        </p:txBody>
+      </p:sp>
+      <p:sp>
+        <p:nvSpPr>
+          <p:cNvPr id="4" name="Footer Placeholder 3"/>
+          <p:cNvSpPr>
+            <a:spLocks noGrp="1"/>
+          </p:cNvSpPr>
+          <p:nvPr>
+            <p:ph type="ftr" sz="quarter" idx="11"/>
+          </p:nvPr>
+        </p:nvSpPr>
+        <p:spPr/>
+        <p:txBody>
+          <a:bodyPr/>
+          <a:lstStyle/>
+          <a:p>
+            <a:endParaRPr lang="es-MX"/>
+          </a:p>
+        </p:txBody>
+      </p:sp>
+      <p:sp>
+        <p:nvSpPr>
+          <p:cNvPr id="5" name="Slide Number Placeholder 4"/>
+          <p:cNvSpPr>
+            <a:spLocks noGrp="1"/>
+          </p:cNvSpPr>
+          <p:nvPr>
+            <p:ph type="sldNum" sz="quarter" idx="12"/>
+          </p:nvPr>
+        </p:nvSpPr>
+        <p:spPr/>
+        <p:txBody>
+          <a:bodyPr/>
+          <a:lstStyle/>
+          <a:p>
+            <a:fld id="{DC8B33A8-56E1-4B9E-AC3F-504A110C90F7}" type="slidenum">
+              <a:rPr lang="es-MX" smtClean="0"/>
+              <a:t>‹Nº›</a:t>
+            </a:fld>
+            <a:endParaRPr lang="es-MX"/>
+          </a:p>
+        </p:txBody>
+      </p:sp>
+    </p:spTree>
+    <p:extLst>
+      <p:ext uri="{BB962C8B-B14F-4D97-AF65-F5344CB8AC3E}">
+        <p14:creationId xmlns:p14="http://schemas.microsoft.com/office/powerpoint/2010/main" val="1781770873"/>
+      </p:ext>
+    </p:extLst>
+  </p:cSld>
+  <p:clrMapOvr>
+    <a:masterClrMapping/>
+  </p:clrMapOvr>
+</p:sldLayout>
+</file>
+
+<file path=ppt/slideLayouts/slideLayout15.xml><?xml version="1.0" encoding="utf-8"?>
+<p:sldLayout xmlns:a="http://schemas.openxmlformats.org/drawingml/2006/main" xmlns:r="http://schemas.openxmlformats.org/officeDocument/2006/relationships" xmlns:p="http://schemas.openxmlformats.org/presentationml/2006/main" preserve="1">
+  <p:cSld name="Columna de imagen 3">
+    <p:spTree>
+      <p:nvGrpSpPr>
+        <p:cNvPr id="1" name=""/>
+        <p:cNvGrpSpPr/>
+        <p:nvPr/>
+      </p:nvGrpSpPr>
+      <p:grpSpPr>
+        <a:xfrm>
+          <a:off x="0" y="0"/>
+          <a:ext cx="0" cy="0"/>
+          <a:chOff x="0" y="0"/>
+          <a:chExt cx="0" cy="0"/>
+        </a:xfrm>
+      </p:grpSpPr>
+      <p:sp>
+        <p:nvSpPr>
+          <p:cNvPr id="30" name="Title 1"/>
+          <p:cNvSpPr>
+            <a:spLocks noGrp="1"/>
+          </p:cNvSpPr>
+          <p:nvPr>
+            <p:ph type="title"/>
+          </p:nvPr>
+        </p:nvSpPr>
+        <p:spPr>
+          <a:xfrm>
+            <a:off x="838200" y="365125"/>
+            <a:ext cx="10515600" cy="1325563"/>
+          </a:xfrm>
+        </p:spPr>
+        <p:txBody>
+          <a:bodyPr/>
+          <a:lstStyle/>
+          <a:p>
+            <a:r>
+              <a:rPr lang="es-ES" smtClean="0"/>
+              <a:t>Haga clic para modificar el estilo de título del patrón</a:t>
+            </a:r>
+            <a:endParaRPr lang="en-US" dirty="0"/>
+          </a:p>
+        </p:txBody>
+      </p:sp>
+      <p:sp>
+        <p:nvSpPr>
+          <p:cNvPr id="19" name="Text Placeholder 2"/>
+          <p:cNvSpPr>
+            <a:spLocks noGrp="1"/>
+          </p:cNvSpPr>
+          <p:nvPr>
+            <p:ph type="body" idx="1"/>
+          </p:nvPr>
+        </p:nvSpPr>
+        <p:spPr>
+          <a:xfrm>
+            <a:off x="1332085" y="4297503"/>
+            <a:ext cx="2940050" cy="576262"/>
+          </a:xfrm>
+        </p:spPr>
+        <p:txBody>
+          <a:bodyPr anchor="b">
+            <a:noAutofit/>
+          </a:bodyPr>
+          <a:lstStyle>
+            <a:lvl1pPr marL="0" indent="0">
+              <a:buNone/>
+              <a:defRPr sz="2400" b="0">
+                <a:gradFill>
+                  <a:gsLst>
+                    <a:gs pos="34000">
+                      <a:schemeClr val="tx1">
+                        <a:lumMod val="93000"/>
+                      </a:schemeClr>
+                    </a:gs>
+                    <a:gs pos="0">
+                      <a:schemeClr val="bg1">
+                        <a:lumMod val="41000"/>
+                        <a:lumOff val="59000"/>
+                      </a:schemeClr>
+                    </a:gs>
+                    <a:gs pos="100000">
+                      <a:schemeClr val="tx2">
+                        <a:lumMod val="0"/>
+                        <a:lumOff val="100000"/>
+                      </a:schemeClr>
+                    </a:gs>
+                  </a:gsLst>
+                  <a:lin ang="4800000" scaled="0"/>
+                </a:gradFill>
+              </a:defRPr>
+            </a:lvl1pPr>
+            <a:lvl2pPr marL="457200" indent="0">
+              <a:buNone/>
+              <a:defRPr sz="2000" b="1"/>
+            </a:lvl2pPr>
+            <a:lvl3pPr marL="914400" indent="0">
+              <a:buNone/>
+              <a:defRPr sz="1800" b="1"/>
+            </a:lvl3pPr>
+            <a:lvl4pPr marL="1371600" indent="0">
+              <a:buNone/>
+              <a:defRPr sz="1600" b="1"/>
+            </a:lvl4pPr>
+            <a:lvl5pPr marL="1828800" indent="0">
+              <a:buNone/>
+              <a:defRPr sz="1600" b="1"/>
+            </a:lvl5pPr>
+            <a:lvl6pPr marL="2286000" indent="0">
+              <a:buNone/>
+              <a:defRPr sz="1600" b="1"/>
+            </a:lvl6pPr>
+            <a:lvl7pPr marL="2743200" indent="0">
+              <a:buNone/>
+              <a:defRPr sz="1600" b="1"/>
+            </a:lvl7pPr>
+            <a:lvl8pPr marL="3200400" indent="0">
+              <a:buNone/>
+              <a:defRPr sz="1600" b="1"/>
+            </a:lvl8pPr>
+            <a:lvl9pPr marL="3657600" indent="0">
+              <a:buNone/>
+              <a:defRPr sz="1600" b="1"/>
+            </a:lvl9pPr>
+          </a:lstStyle>
+          <a:p>
+            <a:pPr lvl="0"/>
+            <a:r>
+              <a:rPr lang="es-ES" smtClean="0"/>
+              <a:t>Haga clic para modificar el estilo de texto del patrón</a:t>
+            </a:r>
+          </a:p>
+        </p:txBody>
+      </p:sp>
+      <p:sp>
+        <p:nvSpPr>
+          <p:cNvPr id="20" name="Picture Placeholder 2"/>
+          <p:cNvSpPr>
+            <a:spLocks noGrp="1" noChangeAspect="1"/>
+          </p:cNvSpPr>
+          <p:nvPr>
+            <p:ph type="pic" idx="15"/>
+          </p:nvPr>
+        </p:nvSpPr>
+        <p:spPr>
+          <a:xfrm>
+            <a:off x="1332085" y="2256354"/>
+            <a:ext cx="2940050" cy="1524000"/>
+          </a:xfrm>
+          <a:prstGeom prst="roundRect">
+            <a:avLst>
+              <a:gd name="adj" fmla="val 1858"/>
+            </a:avLst>
+          </a:prstGeom>
+          <a:effectLst>
+            <a:outerShdw blurRad="50800" dist="50800" dir="5400000" algn="tl" rotWithShape="0">
+              <a:srgbClr val="000000">
+                <a:alpha val="43000"/>
+              </a:srgbClr>
+            </a:outerShdw>
+          </a:effectLst>
+        </p:spPr>
+        <p:txBody>
+          <a:bodyPr anchor="t">
+            <a:normAutofit/>
+          </a:bodyPr>
+          <a:lstStyle>
+            <a:lvl1pPr marL="0" indent="0" algn="ctr">
+              <a:buNone/>
+              <a:defRPr sz="1600"/>
+            </a:lvl1pPr>
+            <a:lvl2pPr marL="457200" indent="0">
+              <a:buNone/>
+              <a:defRPr sz="1600"/>
+            </a:lvl2pPr>
+            <a:lvl3pPr marL="914400" indent="0">
+              <a:buNone/>
+              <a:defRPr sz="1600"/>
+            </a:lvl3pPr>
+            <a:lvl4pPr marL="1371600" indent="0">
+              <a:buNone/>
+              <a:defRPr sz="1600"/>
+            </a:lvl4pPr>
+            <a:lvl5pPr marL="1828800" indent="0">
+              <a:buNone/>
+              <a:defRPr sz="1600"/>
+            </a:lvl5pPr>
+            <a:lvl6pPr marL="2286000" indent="0">
+              <a:buNone/>
+              <a:defRPr sz="1600"/>
+            </a:lvl6pPr>
+            <a:lvl7pPr marL="2743200" indent="0">
+              <a:buNone/>
+              <a:defRPr sz="1600"/>
+            </a:lvl7pPr>
+            <a:lvl8pPr marL="3200400" indent="0">
+              <a:buNone/>
+              <a:defRPr sz="1600"/>
+            </a:lvl8pPr>
+            <a:lvl9pPr marL="3657600" indent="0">
+              <a:buNone/>
+              <a:defRPr sz="1600"/>
+            </a:lvl9pPr>
+          </a:lstStyle>
+          <a:p>
+            <a:r>
+              <a:rPr lang="es-ES" smtClean="0"/>
+              <a:t>Haga clic en el icono para agregar una imagen</a:t>
+            </a:r>
+            <a:endParaRPr lang="en-US" dirty="0"/>
+          </a:p>
+        </p:txBody>
+      </p:sp>
+      <p:sp>
+        <p:nvSpPr>
+          <p:cNvPr id="21" name="Text Placeholder 3"/>
+          <p:cNvSpPr>
+            <a:spLocks noGrp="1"/>
+          </p:cNvSpPr>
+          <p:nvPr>
+            <p:ph type="body" sz="half" idx="18"/>
+          </p:nvPr>
+        </p:nvSpPr>
+        <p:spPr>
+          <a:xfrm>
+            <a:off x="1332085" y="4873765"/>
+            <a:ext cx="2940050" cy="659189"/>
+          </a:xfrm>
+        </p:spPr>
+        <p:txBody>
+          <a:bodyPr anchor="t">
+            <a:normAutofit/>
+          </a:bodyPr>
+          <a:lstStyle>
+            <a:lvl1pPr marL="0" indent="0">
+              <a:buNone/>
+              <a:defRPr sz="1400"/>
+            </a:lvl1pPr>
+            <a:lvl2pPr marL="457200" indent="0">
+              <a:buNone/>
+              <a:defRPr sz="1200"/>
+            </a:lvl2pPr>
+            <a:lvl3pPr marL="914400" indent="0">
+              <a:buNone/>
+              <a:defRPr sz="1000"/>
+            </a:lvl3pPr>
+            <a:lvl4pPr marL="1371600" indent="0">
+              <a:buNone/>
+              <a:defRPr sz="900"/>
+            </a:lvl4pPr>
+            <a:lvl5pPr marL="1828800" indent="0">
+              <a:buNone/>
+              <a:defRPr sz="900"/>
+            </a:lvl5pPr>
+            <a:lvl6pPr marL="2286000" indent="0">
+              <a:buNone/>
+              <a:defRPr sz="900"/>
+            </a:lvl6pPr>
+            <a:lvl7pPr marL="2743200" indent="0">
+              <a:buNone/>
+              <a:defRPr sz="900"/>
+            </a:lvl7pPr>
+            <a:lvl8pPr marL="3200400" indent="0">
+              <a:buNone/>
+              <a:defRPr sz="900"/>
+            </a:lvl8pPr>
+            <a:lvl9pPr marL="3657600" indent="0">
+              <a:buNone/>
+              <a:defRPr sz="900"/>
+            </a:lvl9pPr>
+          </a:lstStyle>
+          <a:p>
+            <a:pPr lvl="0"/>
+            <a:r>
+              <a:rPr lang="es-ES" smtClean="0"/>
+              <a:t>Haga clic para modificar el estilo de texto del patrón</a:t>
+            </a:r>
+          </a:p>
+        </p:txBody>
+      </p:sp>
+      <p:sp>
+        <p:nvSpPr>
+          <p:cNvPr id="22" name="Text Placeholder 4"/>
+          <p:cNvSpPr>
+            <a:spLocks noGrp="1"/>
+          </p:cNvSpPr>
+          <p:nvPr>
+            <p:ph type="body" sz="quarter" idx="3"/>
+          </p:nvPr>
+        </p:nvSpPr>
+        <p:spPr>
+          <a:xfrm>
+            <a:off x="4568997" y="4297503"/>
+            <a:ext cx="2930525" cy="576262"/>
+          </a:xfrm>
+        </p:spPr>
+        <p:txBody>
+          <a:bodyPr anchor="b">
+            <a:noAutofit/>
+          </a:bodyPr>
+          <a:lstStyle>
+            <a:lvl1pPr marL="0" indent="0">
+              <a:buNone/>
+              <a:defRPr sz="2400" b="0">
+                <a:gradFill>
+                  <a:gsLst>
+                    <a:gs pos="34000">
+                      <a:schemeClr val="tx1">
+                        <a:lumMod val="93000"/>
+                      </a:schemeClr>
+                    </a:gs>
+                    <a:gs pos="0">
+                      <a:schemeClr val="bg1">
+                        <a:lumMod val="41000"/>
+                        <a:lumOff val="59000"/>
+                      </a:schemeClr>
+                    </a:gs>
+                    <a:gs pos="100000">
+                      <a:schemeClr val="tx2">
+                        <a:lumMod val="0"/>
+                        <a:lumOff val="100000"/>
+                      </a:schemeClr>
+                    </a:gs>
+                  </a:gsLst>
+                  <a:lin ang="4800000" scaled="0"/>
+                </a:gradFill>
+              </a:defRPr>
+            </a:lvl1pPr>
+            <a:lvl2pPr marL="457200" indent="0">
+              <a:buNone/>
+              <a:defRPr sz="2000" b="1"/>
+            </a:lvl2pPr>
+            <a:lvl3pPr marL="914400" indent="0">
+              <a:buNone/>
+              <a:defRPr sz="1800" b="1"/>
+            </a:lvl3pPr>
+            <a:lvl4pPr marL="1371600" indent="0">
+              <a:buNone/>
+              <a:defRPr sz="1600" b="1"/>
+            </a:lvl4pPr>
+            <a:lvl5pPr marL="1828800" indent="0">
+              <a:buNone/>
+              <a:defRPr sz="1600" b="1"/>
+            </a:lvl5pPr>
+            <a:lvl6pPr marL="2286000" indent="0">
+              <a:buNone/>
+              <a:defRPr sz="1600" b="1"/>
+            </a:lvl6pPr>
+            <a:lvl7pPr marL="2743200" indent="0">
+              <a:buNone/>
+              <a:defRPr sz="1600" b="1"/>
+            </a:lvl7pPr>
+            <a:lvl8pPr marL="3200400" indent="0">
+              <a:buNone/>
+              <a:defRPr sz="1600" b="1"/>
+            </a:lvl8pPr>
+            <a:lvl9pPr marL="3657600" indent="0">
+              <a:buNone/>
+              <a:defRPr sz="1600" b="1"/>
+            </a:lvl9pPr>
+          </a:lstStyle>
+          <a:p>
+            <a:pPr lvl="0"/>
+            <a:r>
+              <a:rPr lang="es-ES" smtClean="0"/>
+              <a:t>Haga clic para modificar el estilo de texto del patrón</a:t>
+            </a:r>
+          </a:p>
+        </p:txBody>
+      </p:sp>
+      <p:sp>
+        <p:nvSpPr>
+          <p:cNvPr id="23" name="Picture Placeholder 2"/>
+          <p:cNvSpPr>
+            <a:spLocks noGrp="1" noChangeAspect="1"/>
+          </p:cNvSpPr>
+          <p:nvPr>
+            <p:ph type="pic" idx="21"/>
+          </p:nvPr>
+        </p:nvSpPr>
+        <p:spPr>
+          <a:xfrm>
+            <a:off x="4568996" y="2256354"/>
+            <a:ext cx="2930525" cy="1524000"/>
+          </a:xfrm>
+          <a:prstGeom prst="roundRect">
+            <a:avLst>
+              <a:gd name="adj" fmla="val 1858"/>
+            </a:avLst>
+          </a:prstGeom>
+          <a:effectLst>
+            <a:outerShdw blurRad="50800" dist="50800" dir="5400000" algn="tl" rotWithShape="0">
+              <a:srgbClr val="000000">
+                <a:alpha val="43000"/>
+              </a:srgbClr>
+            </a:outerShdw>
+          </a:effectLst>
+        </p:spPr>
+        <p:txBody>
+          <a:bodyPr anchor="t">
+            <a:normAutofit/>
+          </a:bodyPr>
+          <a:lstStyle>
+            <a:lvl1pPr marL="0" indent="0" algn="ctr">
+              <a:buNone/>
+              <a:defRPr sz="1600"/>
+            </a:lvl1pPr>
+            <a:lvl2pPr marL="457200" indent="0">
+              <a:buNone/>
+              <a:defRPr sz="1600"/>
+            </a:lvl2pPr>
+            <a:lvl3pPr marL="914400" indent="0">
+              <a:buNone/>
+              <a:defRPr sz="1600"/>
+            </a:lvl3pPr>
+            <a:lvl4pPr marL="1371600" indent="0">
+              <a:buNone/>
+              <a:defRPr sz="1600"/>
+            </a:lvl4pPr>
+            <a:lvl5pPr marL="1828800" indent="0">
+              <a:buNone/>
+              <a:defRPr sz="1600"/>
+            </a:lvl5pPr>
+            <a:lvl6pPr marL="2286000" indent="0">
+              <a:buNone/>
+              <a:defRPr sz="1600"/>
+            </a:lvl6pPr>
+            <a:lvl7pPr marL="2743200" indent="0">
+              <a:buNone/>
+              <a:defRPr sz="1600"/>
+            </a:lvl7pPr>
+            <a:lvl8pPr marL="3200400" indent="0">
+              <a:buNone/>
+              <a:defRPr sz="1600"/>
+            </a:lvl8pPr>
+            <a:lvl9pPr marL="3657600" indent="0">
+              <a:buNone/>
+              <a:defRPr sz="1600"/>
+            </a:lvl9pPr>
+          </a:lstStyle>
+          <a:p>
+            <a:r>
+              <a:rPr lang="es-ES" smtClean="0"/>
+              <a:t>Haga clic en el icono para agregar una imagen</a:t>
+            </a:r>
+            <a:endParaRPr lang="en-US" dirty="0"/>
+          </a:p>
+        </p:txBody>
+      </p:sp>
+      <p:sp>
+        <p:nvSpPr>
+          <p:cNvPr id="24" name="Text Placeholder 3"/>
+          <p:cNvSpPr>
+            <a:spLocks noGrp="1"/>
+          </p:cNvSpPr>
+          <p:nvPr>
+            <p:ph type="body" sz="half" idx="19"/>
+          </p:nvPr>
+        </p:nvSpPr>
+        <p:spPr>
+          <a:xfrm>
+            <a:off x="4567644" y="4873764"/>
+            <a:ext cx="2934406" cy="659189"/>
+          </a:xfrm>
+        </p:spPr>
+        <p:txBody>
+          <a:bodyPr anchor="t">
+            <a:normAutofit/>
+          </a:bodyPr>
+          <a:lstStyle>
+            <a:lvl1pPr marL="0" indent="0">
+              <a:buNone/>
+              <a:defRPr sz="1400"/>
+            </a:lvl1pPr>
+            <a:lvl2pPr marL="457200" indent="0">
+              <a:buNone/>
+              <a:defRPr sz="1200"/>
+            </a:lvl2pPr>
+            <a:lvl3pPr marL="914400" indent="0">
+              <a:buNone/>
+              <a:defRPr sz="1000"/>
+            </a:lvl3pPr>
+            <a:lvl4pPr marL="1371600" indent="0">
+              <a:buNone/>
+              <a:defRPr sz="900"/>
+            </a:lvl4pPr>
+            <a:lvl5pPr marL="1828800" indent="0">
+              <a:buNone/>
+              <a:defRPr sz="900"/>
+            </a:lvl5pPr>
+            <a:lvl6pPr marL="2286000" indent="0">
+              <a:buNone/>
+              <a:defRPr sz="900"/>
+            </a:lvl6pPr>
+            <a:lvl7pPr marL="2743200" indent="0">
+              <a:buNone/>
+              <a:defRPr sz="900"/>
+            </a:lvl7pPr>
+            <a:lvl8pPr marL="3200400" indent="0">
+              <a:buNone/>
+              <a:defRPr sz="900"/>
+            </a:lvl8pPr>
+            <a:lvl9pPr marL="3657600" indent="0">
+              <a:buNone/>
+              <a:defRPr sz="900"/>
+            </a:lvl9pPr>
+          </a:lstStyle>
+          <a:p>
+            <a:pPr lvl="0"/>
+            <a:r>
+              <a:rPr lang="es-ES" smtClean="0"/>
+              <a:t>Haga clic para modificar el estilo de texto del patrón</a:t>
+            </a:r>
+          </a:p>
+        </p:txBody>
+      </p:sp>
+      <p:sp>
+        <p:nvSpPr>
+          <p:cNvPr id="25" name="Text Placeholder 4"/>
+          <p:cNvSpPr>
+            <a:spLocks noGrp="1"/>
+          </p:cNvSpPr>
+          <p:nvPr>
+            <p:ph type="body" sz="quarter" idx="13"/>
+          </p:nvPr>
+        </p:nvSpPr>
+        <p:spPr>
+          <a:xfrm>
+            <a:off x="7804322" y="4297503"/>
+            <a:ext cx="2932113" cy="576262"/>
+          </a:xfrm>
+        </p:spPr>
+        <p:txBody>
+          <a:bodyPr anchor="b">
+            <a:noAutofit/>
+          </a:bodyPr>
+          <a:lstStyle>
+            <a:lvl1pPr marL="0" indent="0">
+              <a:buNone/>
+              <a:defRPr sz="2400" b="0">
+                <a:gradFill>
+                  <a:gsLst>
+                    <a:gs pos="34000">
+                      <a:schemeClr val="tx1">
+                        <a:lumMod val="93000"/>
+                      </a:schemeClr>
+                    </a:gs>
+                    <a:gs pos="0">
+                      <a:schemeClr val="bg1">
+                        <a:lumMod val="41000"/>
+                        <a:lumOff val="59000"/>
+                      </a:schemeClr>
+                    </a:gs>
+                    <a:gs pos="100000">
+                      <a:schemeClr val="tx2">
+                        <a:lumMod val="0"/>
+                        <a:lumOff val="100000"/>
+                      </a:schemeClr>
+                    </a:gs>
+                  </a:gsLst>
+                  <a:lin ang="4800000" scaled="0"/>
+                </a:gradFill>
+              </a:defRPr>
+            </a:lvl1pPr>
+            <a:lvl2pPr marL="457200" indent="0">
+              <a:buNone/>
+              <a:defRPr sz="2000" b="1"/>
+            </a:lvl2pPr>
+            <a:lvl3pPr marL="914400" indent="0">
+              <a:buNone/>
+              <a:defRPr sz="1800" b="1"/>
+            </a:lvl3pPr>
+            <a:lvl4pPr marL="1371600" indent="0">
+              <a:buNone/>
+              <a:defRPr sz="1600" b="1"/>
+            </a:lvl4pPr>
+            <a:lvl5pPr marL="1828800" indent="0">
+              <a:buNone/>
+              <a:defRPr sz="1600" b="1"/>
+            </a:lvl5pPr>
+            <a:lvl6pPr marL="2286000" indent="0">
+              <a:buNone/>
+              <a:defRPr sz="1600" b="1"/>
+            </a:lvl6pPr>
+            <a:lvl7pPr marL="2743200" indent="0">
+              <a:buNone/>
+              <a:defRPr sz="1600" b="1"/>
+            </a:lvl7pPr>
+            <a:lvl8pPr marL="3200400" indent="0">
+              <a:buNone/>
+              <a:defRPr sz="1600" b="1"/>
+            </a:lvl8pPr>
+            <a:lvl9pPr marL="3657600" indent="0">
+              <a:buNone/>
+              <a:defRPr sz="1600" b="1"/>
+            </a:lvl9pPr>
+          </a:lstStyle>
+          <a:p>
+            <a:pPr lvl="0"/>
+            <a:r>
+              <a:rPr lang="es-ES" smtClean="0"/>
+              <a:t>Haga clic para modificar el estilo de texto del patrón</a:t>
+            </a:r>
+          </a:p>
+        </p:txBody>
+      </p:sp>
+      <p:sp>
+        <p:nvSpPr>
+          <p:cNvPr id="26" name="Picture Placeholder 2"/>
+          <p:cNvSpPr>
+            <a:spLocks noGrp="1" noChangeAspect="1"/>
+          </p:cNvSpPr>
+          <p:nvPr>
+            <p:ph type="pic" idx="22"/>
+          </p:nvPr>
+        </p:nvSpPr>
+        <p:spPr>
+          <a:xfrm>
+            <a:off x="7804321" y="2256354"/>
+            <a:ext cx="2932113" cy="1524000"/>
+          </a:xfrm>
+          <a:prstGeom prst="roundRect">
+            <a:avLst>
+              <a:gd name="adj" fmla="val 1858"/>
+            </a:avLst>
+          </a:prstGeom>
+          <a:effectLst>
+            <a:outerShdw blurRad="50800" dist="50800" dir="5400000" algn="tl" rotWithShape="0">
+              <a:srgbClr val="000000">
+                <a:alpha val="43000"/>
+              </a:srgbClr>
+            </a:outerShdw>
+          </a:effectLst>
+        </p:spPr>
+        <p:txBody>
+          <a:bodyPr anchor="t">
+            <a:normAutofit/>
+          </a:bodyPr>
+          <a:lstStyle>
+            <a:lvl1pPr marL="0" indent="0" algn="ctr">
+              <a:buNone/>
+              <a:defRPr sz="1600"/>
+            </a:lvl1pPr>
+            <a:lvl2pPr marL="457200" indent="0">
+              <a:buNone/>
+              <a:defRPr sz="1600"/>
+            </a:lvl2pPr>
+            <a:lvl3pPr marL="914400" indent="0">
+              <a:buNone/>
+              <a:defRPr sz="1600"/>
+            </a:lvl3pPr>
+            <a:lvl4pPr marL="1371600" indent="0">
+              <a:buNone/>
+              <a:defRPr sz="1600"/>
+            </a:lvl4pPr>
+            <a:lvl5pPr marL="1828800" indent="0">
+              <a:buNone/>
+              <a:defRPr sz="1600"/>
+            </a:lvl5pPr>
+            <a:lvl6pPr marL="2286000" indent="0">
+              <a:buNone/>
+              <a:defRPr sz="1600"/>
+            </a:lvl6pPr>
+            <a:lvl7pPr marL="2743200" indent="0">
+              <a:buNone/>
+              <a:defRPr sz="1600"/>
+            </a:lvl7pPr>
+            <a:lvl8pPr marL="3200400" indent="0">
+              <a:buNone/>
+              <a:defRPr sz="1600"/>
+            </a:lvl8pPr>
+            <a:lvl9pPr marL="3657600" indent="0">
+              <a:buNone/>
+              <a:defRPr sz="1600"/>
+            </a:lvl9pPr>
+          </a:lstStyle>
+          <a:p>
+            <a:r>
+              <a:rPr lang="es-ES" smtClean="0"/>
+              <a:t>Haga clic en el icono para agregar una imagen</a:t>
+            </a:r>
+            <a:endParaRPr lang="en-US" dirty="0"/>
+          </a:p>
+        </p:txBody>
+      </p:sp>
+      <p:sp>
+        <p:nvSpPr>
+          <p:cNvPr id="27" name="Text Placeholder 3"/>
+          <p:cNvSpPr>
+            <a:spLocks noGrp="1"/>
+          </p:cNvSpPr>
+          <p:nvPr>
+            <p:ph type="body" sz="half" idx="20"/>
+          </p:nvPr>
+        </p:nvSpPr>
+        <p:spPr>
+          <a:xfrm>
+            <a:off x="7804197" y="4873762"/>
+            <a:ext cx="2935997" cy="659189"/>
+          </a:xfrm>
+        </p:spPr>
+        <p:txBody>
+          <a:bodyPr anchor="t">
+            <a:normAutofit/>
+          </a:bodyPr>
+          <a:lstStyle>
+            <a:lvl1pPr marL="0" indent="0">
+              <a:buNone/>
+              <a:defRPr sz="1400"/>
+            </a:lvl1pPr>
+            <a:lvl2pPr marL="457200" indent="0">
+              <a:buNone/>
+              <a:defRPr sz="1200"/>
+            </a:lvl2pPr>
+            <a:lvl3pPr marL="914400" indent="0">
+              <a:buNone/>
+              <a:defRPr sz="1000"/>
+            </a:lvl3pPr>
+            <a:lvl4pPr marL="1371600" indent="0">
+              <a:buNone/>
+              <a:defRPr sz="900"/>
+            </a:lvl4pPr>
+            <a:lvl5pPr marL="1828800" indent="0">
+              <a:buNone/>
+              <a:defRPr sz="900"/>
+            </a:lvl5pPr>
+            <a:lvl6pPr marL="2286000" indent="0">
+              <a:buNone/>
+              <a:defRPr sz="900"/>
+            </a:lvl6pPr>
+            <a:lvl7pPr marL="2743200" indent="0">
+              <a:buNone/>
+              <a:defRPr sz="900"/>
+            </a:lvl7pPr>
+            <a:lvl8pPr marL="3200400" indent="0">
+              <a:buNone/>
+              <a:defRPr sz="900"/>
+            </a:lvl8pPr>
+            <a:lvl9pPr marL="3657600" indent="0">
+              <a:buNone/>
+              <a:defRPr sz="900"/>
+            </a:lvl9pPr>
+          </a:lstStyle>
+          <a:p>
+            <a:pPr lvl="0"/>
+            <a:r>
+              <a:rPr lang="es-ES" smtClean="0"/>
+              <a:t>Haga clic para modificar el estilo de texto del patrón</a:t>
+            </a:r>
+          </a:p>
+        </p:txBody>
+      </p:sp>
+      <p:sp>
+        <p:nvSpPr>
+          <p:cNvPr id="3" name="Date Placeholder 2"/>
+          <p:cNvSpPr>
+            <a:spLocks noGrp="1"/>
+          </p:cNvSpPr>
+          <p:nvPr>
+            <p:ph type="dt" sz="half" idx="10"/>
+          </p:nvPr>
+        </p:nvSpPr>
+        <p:spPr/>
+        <p:txBody>
+          <a:bodyPr/>
+          <a:lstStyle/>
+          <a:p>
+            <a:fld id="{DD3BBD1A-2608-4050-9F86-05CACE093AF7}" type="datetimeFigureOut">
+              <a:rPr lang="es-MX" smtClean="0"/>
+              <a:t>07/03/2025</a:t>
+            </a:fld>
+            <a:endParaRPr lang="es-MX"/>
+          </a:p>
+        </p:txBody>
+      </p:sp>
+      <p:sp>
+        <p:nvSpPr>
+          <p:cNvPr id="4" name="Footer Placeholder 3"/>
+          <p:cNvSpPr>
+            <a:spLocks noGrp="1"/>
+          </p:cNvSpPr>
+          <p:nvPr>
+            <p:ph type="ftr" sz="quarter" idx="11"/>
+          </p:nvPr>
+        </p:nvSpPr>
+        <p:spPr/>
+        <p:txBody>
+          <a:bodyPr/>
+          <a:lstStyle/>
+          <a:p>
+            <a:endParaRPr lang="es-MX"/>
+          </a:p>
+        </p:txBody>
+      </p:sp>
+      <p:sp>
+        <p:nvSpPr>
+          <p:cNvPr id="5" name="Slide Number Placeholder 4"/>
+          <p:cNvSpPr>
+            <a:spLocks noGrp="1"/>
+          </p:cNvSpPr>
+          <p:nvPr>
+            <p:ph type="sldNum" sz="quarter" idx="12"/>
+          </p:nvPr>
+        </p:nvSpPr>
+        <p:spPr/>
+        <p:txBody>
+          <a:bodyPr/>
+          <a:lstStyle/>
+          <a:p>
+            <a:fld id="{DC8B33A8-56E1-4B9E-AC3F-504A110C90F7}" type="slidenum">
+              <a:rPr lang="es-MX" smtClean="0"/>
+              <a:t>‹Nº›</a:t>
+            </a:fld>
+            <a:endParaRPr lang="es-MX"/>
+          </a:p>
+        </p:txBody>
+      </p:sp>
+    </p:spTree>
+    <p:extLst>
+      <p:ext uri="{BB962C8B-B14F-4D97-AF65-F5344CB8AC3E}">
+        <p14:creationId xmlns:p14="http://schemas.microsoft.com/office/powerpoint/2010/main" val="2768847743"/>
+      </p:ext>
+    </p:extLst>
+  </p:cSld>
+  <p:clrMapOvr>
+    <a:masterClrMapping/>
+  </p:clrMapOvr>
+</p:sldLayout>
+</file>
+
+<file path=ppt/slideLayouts/slideLayout16.xml><?xml version="1.0" encoding="utf-8"?>
 <p:sldLayout xmlns:a="http://schemas.openxmlformats.org/drawingml/2006/main" xmlns:r="http://schemas.openxmlformats.org/officeDocument/2006/relationships" xmlns:p="http://schemas.openxmlformats.org/presentationml/2006/main" type="vertTx" preserve="1">
   <p:cSld name="Título y texto vertical">
     <p:spTree>
@@ -324,7 +2897,7 @@
       </p:grpSpPr>
       <p:sp>
         <p:nvSpPr>
-          <p:cNvPr id="2" name="Título 1"/>
+          <p:cNvPr id="2" name="Title 1"/>
           <p:cNvSpPr>
             <a:spLocks noGrp="1"/>
           </p:cNvSpPr>
@@ -341,13 +2914,13 @@
               <a:rPr lang="es-ES" smtClean="0"/>
               <a:t>Haga clic para modificar el estilo de título del patrón</a:t>
             </a:r>
-            <a:endParaRPr lang="es-MX"/>
-          </a:p>
-        </p:txBody>
-      </p:sp>
-      <p:sp>
-        <p:nvSpPr>
-          <p:cNvPr id="3" name="Marcador de texto vertical 2"/>
+            <a:endParaRPr lang="en-US" dirty="0"/>
+          </a:p>
+        </p:txBody>
+      </p:sp>
+      <p:sp>
+        <p:nvSpPr>
+          <p:cNvPr id="3" name="Vertical Text Placeholder 2"/>
           <p:cNvSpPr>
             <a:spLocks noGrp="1"/>
           </p:cNvSpPr>
@@ -393,13 +2966,13 @@
               <a:rPr lang="es-ES" smtClean="0"/>
               <a:t>Quinto nivel</a:t>
             </a:r>
-            <a:endParaRPr lang="es-MX"/>
-          </a:p>
-        </p:txBody>
-      </p:sp>
-      <p:sp>
-        <p:nvSpPr>
-          <p:cNvPr id="4" name="Marcador de fecha 3"/>
+            <a:endParaRPr lang="en-US" dirty="0"/>
+          </a:p>
+        </p:txBody>
+      </p:sp>
+      <p:sp>
+        <p:nvSpPr>
+          <p:cNvPr id="4" name="Date Placeholder 3"/>
           <p:cNvSpPr>
             <a:spLocks noGrp="1"/>
           </p:cNvSpPr>
@@ -422,7 +2995,7 @@
       </p:sp>
       <p:sp>
         <p:nvSpPr>
-          <p:cNvPr id="5" name="Marcador de pie de página 4"/>
+          <p:cNvPr id="5" name="Footer Placeholder 4"/>
           <p:cNvSpPr>
             <a:spLocks noGrp="1"/>
           </p:cNvSpPr>
@@ -441,7 +3014,7 @@
       </p:sp>
       <p:sp>
         <p:nvSpPr>
-          <p:cNvPr id="6" name="Marcador de número de diapositiva 5"/>
+          <p:cNvPr id="6" name="Slide Number Placeholder 5"/>
           <p:cNvSpPr>
             <a:spLocks noGrp="1"/>
           </p:cNvSpPr>
@@ -465,7 +3038,7 @@
     </p:spTree>
     <p:extLst>
       <p:ext uri="{BB962C8B-B14F-4D97-AF65-F5344CB8AC3E}">
-        <p14:creationId xmlns:p14="http://schemas.microsoft.com/office/powerpoint/2010/main" val="3080156712"/>
+        <p14:creationId xmlns:p14="http://schemas.microsoft.com/office/powerpoint/2010/main" val="2888419457"/>
       </p:ext>
     </p:extLst>
   </p:cSld>
@@ -475,7 +3048,7 @@
 </p:sldLayout>
 </file>
 
-<file path=ppt/slideLayouts/slideLayout11.xml><?xml version="1.0" encoding="utf-8"?>
+<file path=ppt/slideLayouts/slideLayout17.xml><?xml version="1.0" encoding="utf-8"?>
 <p:sldLayout xmlns:a="http://schemas.openxmlformats.org/drawingml/2006/main" xmlns:r="http://schemas.openxmlformats.org/officeDocument/2006/relationships" xmlns:p="http://schemas.openxmlformats.org/presentationml/2006/main" type="vertTitleAndTx" preserve="1">
   <p:cSld name="Título vertical y texto">
     <p:spTree>
@@ -494,7 +3067,7 @@
       </p:grpSpPr>
       <p:sp>
         <p:nvSpPr>
-          <p:cNvPr id="2" name="Título vertical 1"/>
+          <p:cNvPr id="2" name="Vertical Title 1"/>
           <p:cNvSpPr>
             <a:spLocks noGrp="1"/>
           </p:cNvSpPr>
@@ -516,13 +3089,13 @@
               <a:rPr lang="es-ES" smtClean="0"/>
               <a:t>Haga clic para modificar el estilo de título del patrón</a:t>
             </a:r>
-            <a:endParaRPr lang="es-MX"/>
-          </a:p>
-        </p:txBody>
-      </p:sp>
-      <p:sp>
-        <p:nvSpPr>
-          <p:cNvPr id="3" name="Marcador de texto vertical 2"/>
+            <a:endParaRPr lang="en-US" dirty="0"/>
+          </a:p>
+        </p:txBody>
+      </p:sp>
+      <p:sp>
+        <p:nvSpPr>
+          <p:cNvPr id="3" name="Vertical Text Placeholder 2"/>
           <p:cNvSpPr>
             <a:spLocks noGrp="1"/>
           </p:cNvSpPr>
@@ -573,13 +3146,13 @@
               <a:rPr lang="es-ES" smtClean="0"/>
               <a:t>Quinto nivel</a:t>
             </a:r>
-            <a:endParaRPr lang="es-MX"/>
-          </a:p>
-        </p:txBody>
-      </p:sp>
-      <p:sp>
-        <p:nvSpPr>
-          <p:cNvPr id="4" name="Marcador de fecha 3"/>
+            <a:endParaRPr lang="en-US" dirty="0"/>
+          </a:p>
+        </p:txBody>
+      </p:sp>
+      <p:sp>
+        <p:nvSpPr>
+          <p:cNvPr id="4" name="Date Placeholder 3"/>
           <p:cNvSpPr>
             <a:spLocks noGrp="1"/>
           </p:cNvSpPr>
@@ -602,7 +3175,7 @@
       </p:sp>
       <p:sp>
         <p:nvSpPr>
-          <p:cNvPr id="5" name="Marcador de pie de página 4"/>
+          <p:cNvPr id="5" name="Footer Placeholder 4"/>
           <p:cNvSpPr>
             <a:spLocks noGrp="1"/>
           </p:cNvSpPr>
@@ -621,7 +3194,7 @@
       </p:sp>
       <p:sp>
         <p:nvSpPr>
-          <p:cNvPr id="6" name="Marcador de número de diapositiva 5"/>
+          <p:cNvPr id="6" name="Slide Number Placeholder 5"/>
           <p:cNvSpPr>
             <a:spLocks noGrp="1"/>
           </p:cNvSpPr>
@@ -645,7 +3218,7 @@
     </p:spTree>
     <p:extLst>
       <p:ext uri="{BB962C8B-B14F-4D97-AF65-F5344CB8AC3E}">
-        <p14:creationId xmlns:p14="http://schemas.microsoft.com/office/powerpoint/2010/main" val="2200335467"/>
+        <p14:creationId xmlns:p14="http://schemas.microsoft.com/office/powerpoint/2010/main" val="3295292864"/>
       </p:ext>
     </p:extLst>
   </p:cSld>
@@ -674,7 +3247,7 @@
       </p:grpSpPr>
       <p:sp>
         <p:nvSpPr>
-          <p:cNvPr id="2" name="Título 1"/>
+          <p:cNvPr id="8" name="Title 1"/>
           <p:cNvSpPr>
             <a:spLocks noGrp="1"/>
           </p:cNvSpPr>
@@ -691,13 +3264,13 @@
               <a:rPr lang="es-ES" smtClean="0"/>
               <a:t>Haga clic para modificar el estilo de título del patrón</a:t>
             </a:r>
-            <a:endParaRPr lang="es-MX"/>
-          </a:p>
-        </p:txBody>
-      </p:sp>
-      <p:sp>
-        <p:nvSpPr>
-          <p:cNvPr id="3" name="Marcador de contenido 2"/>
+            <a:endParaRPr lang="en-US" dirty="0"/>
+          </a:p>
+        </p:txBody>
+      </p:sp>
+      <p:sp>
+        <p:nvSpPr>
+          <p:cNvPr id="3" name="Content Placeholder 2"/>
           <p:cNvSpPr>
             <a:spLocks noGrp="1"/>
           </p:cNvSpPr>
@@ -743,13 +3316,13 @@
               <a:rPr lang="es-ES" smtClean="0"/>
               <a:t>Quinto nivel</a:t>
             </a:r>
-            <a:endParaRPr lang="es-MX"/>
-          </a:p>
-        </p:txBody>
-      </p:sp>
-      <p:sp>
-        <p:nvSpPr>
-          <p:cNvPr id="4" name="Marcador de fecha 3"/>
+            <a:endParaRPr lang="en-US" dirty="0"/>
+          </a:p>
+        </p:txBody>
+      </p:sp>
+      <p:sp>
+        <p:nvSpPr>
+          <p:cNvPr id="4" name="Date Placeholder 3"/>
           <p:cNvSpPr>
             <a:spLocks noGrp="1"/>
           </p:cNvSpPr>
@@ -772,7 +3345,7 @@
       </p:sp>
       <p:sp>
         <p:nvSpPr>
-          <p:cNvPr id="5" name="Marcador de pie de página 4"/>
+          <p:cNvPr id="5" name="Footer Placeholder 4"/>
           <p:cNvSpPr>
             <a:spLocks noGrp="1"/>
           </p:cNvSpPr>
@@ -791,7 +3364,7 @@
       </p:sp>
       <p:sp>
         <p:nvSpPr>
-          <p:cNvPr id="6" name="Marcador de número de diapositiva 5"/>
+          <p:cNvPr id="6" name="Slide Number Placeholder 5"/>
           <p:cNvSpPr>
             <a:spLocks noGrp="1"/>
           </p:cNvSpPr>
@@ -815,7 +3388,7 @@
     </p:spTree>
     <p:extLst>
       <p:ext uri="{BB962C8B-B14F-4D97-AF65-F5344CB8AC3E}">
-        <p14:creationId xmlns:p14="http://schemas.microsoft.com/office/powerpoint/2010/main" val="1944239914"/>
+        <p14:creationId xmlns:p14="http://schemas.microsoft.com/office/powerpoint/2010/main" val="807679918"/>
       </p:ext>
     </p:extLst>
   </p:cSld>
@@ -844,25 +3417,59 @@
       </p:grpSpPr>
       <p:sp>
         <p:nvSpPr>
-          <p:cNvPr id="2" name="Título 1"/>
-          <p:cNvSpPr>
-            <a:spLocks noGrp="1"/>
-          </p:cNvSpPr>
-          <p:nvPr>
-            <p:ph type="title"/>
+          <p:cNvPr id="7" name="Title 1"/>
+          <p:cNvSpPr>
+            <a:spLocks noGrp="1"/>
+          </p:cNvSpPr>
+          <p:nvPr>
+            <p:ph type="ctrTitle"/>
           </p:nvPr>
         </p:nvSpPr>
         <p:spPr>
           <a:xfrm>
-            <a:off x="831850" y="1709738"/>
-            <a:ext cx="10515600" cy="2852737"/>
-          </a:xfrm>
-        </p:spPr>
-        <p:txBody>
-          <a:bodyPr anchor="b"/>
+            <a:off x="854532" y="4464028"/>
+            <a:ext cx="9144000" cy="1641490"/>
+          </a:xfrm>
+        </p:spPr>
+        <p:txBody>
+          <a:bodyPr wrap="none" anchor="t">
+            <a:normAutofit/>
+          </a:bodyPr>
           <a:lstStyle>
-            <a:lvl1pPr>
-              <a:defRPr sz="6000"/>
+            <a:lvl1pPr algn="l">
+              <a:defRPr sz="9600" b="0" spc="-300">
+                <a:gradFill flip="none" rotWithShape="1">
+                  <a:gsLst>
+                    <a:gs pos="32000">
+                      <a:schemeClr val="tx1">
+                        <a:lumMod val="89000"/>
+                      </a:schemeClr>
+                    </a:gs>
+                    <a:gs pos="0">
+                      <a:schemeClr val="bg1">
+                        <a:lumMod val="32000"/>
+                        <a:lumOff val="68000"/>
+                      </a:schemeClr>
+                    </a:gs>
+                    <a:gs pos="100000">
+                      <a:schemeClr val="tx2">
+                        <a:lumMod val="0"/>
+                        <a:lumOff val="100000"/>
+                      </a:schemeClr>
+                    </a:gs>
+                  </a:gsLst>
+                  <a:lin ang="8100000" scaled="1"/>
+                  <a:tileRect/>
+                </a:gradFill>
+                <a:effectLst>
+                  <a:outerShdw blurRad="469900" dist="342900" dir="5400000" sy="-20000" rotWithShape="0">
+                    <a:prstClr val="black">
+                      <a:alpha val="66000"/>
+                    </a:prstClr>
+                  </a:outerShdw>
+                </a:effectLst>
+                <a:latin typeface="+mj-lt"/>
+              </a:defRPr>
             </a:lvl1pPr>
           </a:lstStyle>
           <a:p>
@@ -870,132 +3477,109 @@
               <a:rPr lang="es-ES" smtClean="0"/>
               <a:t>Haga clic para modificar el estilo de título del patrón</a:t>
             </a:r>
-            <a:endParaRPr lang="es-MX"/>
-          </a:p>
-        </p:txBody>
-      </p:sp>
-      <p:sp>
-        <p:nvSpPr>
-          <p:cNvPr id="3" name="Marcador de texto 2"/>
-          <p:cNvSpPr>
-            <a:spLocks noGrp="1"/>
-          </p:cNvSpPr>
-          <p:nvPr>
-            <p:ph type="body" idx="1"/>
+            <a:endParaRPr lang="en-US" dirty="0"/>
+          </a:p>
+        </p:txBody>
+      </p:sp>
+      <p:sp>
+        <p:nvSpPr>
+          <p:cNvPr id="8" name="Subtitle 2"/>
+          <p:cNvSpPr>
+            <a:spLocks noGrp="1"/>
+          </p:cNvSpPr>
+          <p:nvPr>
+            <p:ph type="subTitle" idx="1"/>
           </p:nvPr>
         </p:nvSpPr>
         <p:spPr>
           <a:xfrm>
-            <a:off x="831850" y="4589463"/>
-            <a:ext cx="10515600" cy="1500187"/>
-          </a:xfrm>
-        </p:spPr>
-        <p:txBody>
-          <a:bodyPr/>
+            <a:off x="854532" y="3693674"/>
+            <a:ext cx="9144000" cy="754025"/>
+          </a:xfrm>
+        </p:spPr>
+        <p:txBody>
+          <a:bodyPr anchor="b">
+            <a:normAutofit/>
+          </a:bodyPr>
           <a:lstStyle>
-            <a:lvl1pPr marL="0" indent="0">
-              <a:buNone/>
-              <a:defRPr sz="2400">
-                <a:solidFill>
-                  <a:schemeClr val="tx1">
-                    <a:tint val="75000"/>
-                  </a:schemeClr>
-                </a:solidFill>
+            <a:lvl1pPr marL="0" indent="0" algn="l">
+              <a:buNone/>
+              <a:defRPr sz="3200" b="0">
+                <a:gradFill flip="none" rotWithShape="1">
+                  <a:gsLst>
+                    <a:gs pos="15000">
+                      <a:schemeClr val="tx2"/>
+                    </a:gs>
+                    <a:gs pos="73000">
+                      <a:schemeClr val="tx2">
+                        <a:lumMod val="60000"/>
+                        <a:lumOff val="40000"/>
+                      </a:schemeClr>
+                    </a:gs>
+                    <a:gs pos="0">
+                      <a:schemeClr val="tx2">
+                        <a:lumMod val="90000"/>
+                        <a:lumOff val="10000"/>
+                      </a:schemeClr>
+                    </a:gs>
+                    <a:gs pos="100000">
+                      <a:schemeClr val="tx2">
+                        <a:lumMod val="0"/>
+                        <a:lumOff val="100000"/>
+                      </a:schemeClr>
+                    </a:gs>
+                  </a:gsLst>
+                  <a:lin ang="16200000" scaled="1"/>
+                  <a:tileRect/>
+                </a:gradFill>
+                <a:latin typeface="+mj-lt"/>
               </a:defRPr>
             </a:lvl1pPr>
-            <a:lvl2pPr marL="457200" indent="0">
-              <a:buNone/>
-              <a:defRPr sz="2000">
-                <a:solidFill>
-                  <a:schemeClr val="tx1">
-                    <a:tint val="75000"/>
-                  </a:schemeClr>
-                </a:solidFill>
-              </a:defRPr>
+            <a:lvl2pPr marL="457200" indent="0" algn="ctr">
+              <a:buNone/>
+              <a:defRPr sz="2000"/>
             </a:lvl2pPr>
-            <a:lvl3pPr marL="914400" indent="0">
-              <a:buNone/>
-              <a:defRPr sz="1800">
-                <a:solidFill>
-                  <a:schemeClr val="tx1">
-                    <a:tint val="75000"/>
-                  </a:schemeClr>
-                </a:solidFill>
-              </a:defRPr>
+            <a:lvl3pPr marL="914400" indent="0" algn="ctr">
+              <a:buNone/>
+              <a:defRPr sz="1800"/>
             </a:lvl3pPr>
-            <a:lvl4pPr marL="1371600" indent="0">
-              <a:buNone/>
-              <a:defRPr sz="1600">
-                <a:solidFill>
-                  <a:schemeClr val="tx1">
-                    <a:tint val="75000"/>
-                  </a:schemeClr>
-                </a:solidFill>
-              </a:defRPr>
+            <a:lvl4pPr marL="1371600" indent="0" algn="ctr">
+              <a:buNone/>
+              <a:defRPr sz="1600"/>
             </a:lvl4pPr>
-            <a:lvl5pPr marL="1828800" indent="0">
-              <a:buNone/>
-              <a:defRPr sz="1600">
-                <a:solidFill>
-                  <a:schemeClr val="tx1">
-                    <a:tint val="75000"/>
-                  </a:schemeClr>
-                </a:solidFill>
-              </a:defRPr>
+            <a:lvl5pPr marL="1828800" indent="0" algn="ctr">
+              <a:buNone/>
+              <a:defRPr sz="1600"/>
             </a:lvl5pPr>
-            <a:lvl6pPr marL="2286000" indent="0">
-              <a:buNone/>
-              <a:defRPr sz="1600">
-                <a:solidFill>
-                  <a:schemeClr val="tx1">
-                    <a:tint val="75000"/>
-                  </a:schemeClr>
-                </a:solidFill>
-              </a:defRPr>
+            <a:lvl6pPr marL="2286000" indent="0" algn="ctr">
+              <a:buNone/>
+              <a:defRPr sz="1600"/>
             </a:lvl6pPr>
-            <a:lvl7pPr marL="2743200" indent="0">
-              <a:buNone/>
-              <a:defRPr sz="1600">
-                <a:solidFill>
-                  <a:schemeClr val="tx1">
-                    <a:tint val="75000"/>
-                  </a:schemeClr>
-                </a:solidFill>
-              </a:defRPr>
+            <a:lvl7pPr marL="2743200" indent="0" algn="ctr">
+              <a:buNone/>
+              <a:defRPr sz="1600"/>
             </a:lvl7pPr>
-            <a:lvl8pPr marL="3200400" indent="0">
-              <a:buNone/>
-              <a:defRPr sz="1600">
-                <a:solidFill>
-                  <a:schemeClr val="tx1">
-                    <a:tint val="75000"/>
-                  </a:schemeClr>
-                </a:solidFill>
-              </a:defRPr>
+            <a:lvl8pPr marL="3200400" indent="0" algn="ctr">
+              <a:buNone/>
+              <a:defRPr sz="1600"/>
             </a:lvl8pPr>
-            <a:lvl9pPr marL="3657600" indent="0">
-              <a:buNone/>
-              <a:defRPr sz="1600">
-                <a:solidFill>
-                  <a:schemeClr val="tx1">
-                    <a:tint val="75000"/>
-                  </a:schemeClr>
-                </a:solidFill>
-              </a:defRPr>
+            <a:lvl9pPr marL="3657600" indent="0" algn="ctr">
+              <a:buNone/>
+              <a:defRPr sz="1600"/>
             </a:lvl9pPr>
           </a:lstStyle>
           <a:p>
-            <a:pPr lvl="0"/>
-            <a:r>
-              <a:rPr lang="es-ES" smtClean="0"/>
-              <a:t>Haga clic para modificar el estilo de texto del patrón</a:t>
-            </a:r>
-          </a:p>
-        </p:txBody>
-      </p:sp>
-      <p:sp>
-        <p:nvSpPr>
-          <p:cNvPr id="4" name="Marcador de fecha 3"/>
+            <a:r>
+              <a:rPr lang="es-ES" smtClean="0"/>
+              <a:t>Haga clic para modificar el estilo de subtítulo del patrón</a:t>
+            </a:r>
+            <a:endParaRPr lang="en-US" dirty="0"/>
+          </a:p>
+        </p:txBody>
+      </p:sp>
+      <p:sp>
+        <p:nvSpPr>
+          <p:cNvPr id="4" name="Date Placeholder 3"/>
           <p:cNvSpPr>
             <a:spLocks noGrp="1"/>
           </p:cNvSpPr>
@@ -1018,7 +3602,7 @@
       </p:sp>
       <p:sp>
         <p:nvSpPr>
-          <p:cNvPr id="5" name="Marcador de pie de página 4"/>
+          <p:cNvPr id="5" name="Footer Placeholder 4"/>
           <p:cNvSpPr>
             <a:spLocks noGrp="1"/>
           </p:cNvSpPr>
@@ -1037,7 +3621,7 @@
       </p:sp>
       <p:sp>
         <p:nvSpPr>
-          <p:cNvPr id="6" name="Marcador de número de diapositiva 5"/>
+          <p:cNvPr id="6" name="Slide Number Placeholder 5"/>
           <p:cNvSpPr>
             <a:spLocks noGrp="1"/>
           </p:cNvSpPr>
@@ -1061,7 +3645,7 @@
     </p:spTree>
     <p:extLst>
       <p:ext uri="{BB962C8B-B14F-4D97-AF65-F5344CB8AC3E}">
-        <p14:creationId xmlns:p14="http://schemas.microsoft.com/office/powerpoint/2010/main" val="275737952"/>
+        <p14:creationId xmlns:p14="http://schemas.microsoft.com/office/powerpoint/2010/main" val="2763942730"/>
       </p:ext>
     </p:extLst>
   </p:cSld>
@@ -1090,7 +3674,7 @@
       </p:grpSpPr>
       <p:sp>
         <p:nvSpPr>
-          <p:cNvPr id="2" name="Título 1"/>
+          <p:cNvPr id="2" name="Title 1"/>
           <p:cNvSpPr>
             <a:spLocks noGrp="1"/>
           </p:cNvSpPr>
@@ -1107,13 +3691,13 @@
               <a:rPr lang="es-ES" smtClean="0"/>
               <a:t>Haga clic para modificar el estilo de título del patrón</a:t>
             </a:r>
-            <a:endParaRPr lang="es-MX"/>
-          </a:p>
-        </p:txBody>
-      </p:sp>
-      <p:sp>
-        <p:nvSpPr>
-          <p:cNvPr id="3" name="Marcador de contenido 2"/>
+            <a:endParaRPr lang="en-US" dirty="0"/>
+          </a:p>
+        </p:txBody>
+      </p:sp>
+      <p:sp>
+        <p:nvSpPr>
+          <p:cNvPr id="3" name="Content Placeholder 2"/>
           <p:cNvSpPr>
             <a:spLocks noGrp="1"/>
           </p:cNvSpPr>
@@ -1123,8 +3707,8 @@
         </p:nvSpPr>
         <p:spPr>
           <a:xfrm>
-            <a:off x="838200" y="1825625"/>
-            <a:ext cx="5181600" cy="4351338"/>
+            <a:off x="1120000" y="1825625"/>
+            <a:ext cx="5025216" cy="4351338"/>
           </a:xfrm>
         </p:spPr>
         <p:txBody>
@@ -1164,13 +3748,13 @@
               <a:rPr lang="es-ES" smtClean="0"/>
               <a:t>Quinto nivel</a:t>
             </a:r>
-            <a:endParaRPr lang="es-MX"/>
-          </a:p>
-        </p:txBody>
-      </p:sp>
-      <p:sp>
-        <p:nvSpPr>
-          <p:cNvPr id="4" name="Marcador de contenido 3"/>
+            <a:endParaRPr lang="en-US" dirty="0"/>
+          </a:p>
+        </p:txBody>
+      </p:sp>
+      <p:sp>
+        <p:nvSpPr>
+          <p:cNvPr id="4" name="Content Placeholder 3"/>
           <p:cNvSpPr>
             <a:spLocks noGrp="1"/>
           </p:cNvSpPr>
@@ -1180,8 +3764,8 @@
         </p:nvSpPr>
         <p:spPr>
           <a:xfrm>
-            <a:off x="6172200" y="1825625"/>
-            <a:ext cx="5181600" cy="4351338"/>
+            <a:off x="6319840" y="1825625"/>
+            <a:ext cx="5033960" cy="4351338"/>
           </a:xfrm>
         </p:spPr>
         <p:txBody>
@@ -1221,13 +3805,13 @@
               <a:rPr lang="es-ES" smtClean="0"/>
               <a:t>Quinto nivel</a:t>
             </a:r>
-            <a:endParaRPr lang="es-MX"/>
-          </a:p>
-        </p:txBody>
-      </p:sp>
-      <p:sp>
-        <p:nvSpPr>
-          <p:cNvPr id="5" name="Marcador de fecha 4"/>
+            <a:endParaRPr lang="en-US" dirty="0"/>
+          </a:p>
+        </p:txBody>
+      </p:sp>
+      <p:sp>
+        <p:nvSpPr>
+          <p:cNvPr id="5" name="Date Placeholder 4"/>
           <p:cNvSpPr>
             <a:spLocks noGrp="1"/>
           </p:cNvSpPr>
@@ -1250,7 +3834,7 @@
       </p:sp>
       <p:sp>
         <p:nvSpPr>
-          <p:cNvPr id="6" name="Marcador de pie de página 5"/>
+          <p:cNvPr id="6" name="Footer Placeholder 5"/>
           <p:cNvSpPr>
             <a:spLocks noGrp="1"/>
           </p:cNvSpPr>
@@ -1269,7 +3853,7 @@
       </p:sp>
       <p:sp>
         <p:nvSpPr>
-          <p:cNvPr id="7" name="Marcador de número de diapositiva 6"/>
+          <p:cNvPr id="7" name="Slide Number Placeholder 6"/>
           <p:cNvSpPr>
             <a:spLocks noGrp="1"/>
           </p:cNvSpPr>
@@ -1293,7 +3877,7 @@
     </p:spTree>
     <p:extLst>
       <p:ext uri="{BB962C8B-B14F-4D97-AF65-F5344CB8AC3E}">
-        <p14:creationId xmlns:p14="http://schemas.microsoft.com/office/powerpoint/2010/main" val="3305226561"/>
+        <p14:creationId xmlns:p14="http://schemas.microsoft.com/office/powerpoint/2010/main" val="679690327"/>
       </p:ext>
     </p:extLst>
   </p:cSld>
@@ -1322,7 +3906,7 @@
       </p:grpSpPr>
       <p:sp>
         <p:nvSpPr>
-          <p:cNvPr id="2" name="Título 1"/>
+          <p:cNvPr id="2" name="Title 1"/>
           <p:cNvSpPr>
             <a:spLocks noGrp="1"/>
           </p:cNvSpPr>
@@ -1344,13 +3928,13 @@
               <a:rPr lang="es-ES" smtClean="0"/>
               <a:t>Haga clic para modificar el estilo de título del patrón</a:t>
             </a:r>
-            <a:endParaRPr lang="es-MX"/>
-          </a:p>
-        </p:txBody>
-      </p:sp>
-      <p:sp>
-        <p:nvSpPr>
-          <p:cNvPr id="3" name="Marcador de texto 2"/>
+            <a:endParaRPr lang="en-US" dirty="0"/>
+          </a:p>
+        </p:txBody>
+      </p:sp>
+      <p:sp>
+        <p:nvSpPr>
+          <p:cNvPr id="3" name="Text Placeholder 2"/>
           <p:cNvSpPr>
             <a:spLocks noGrp="1"/>
           </p:cNvSpPr>
@@ -1360,8 +3944,8 @@
         </p:nvSpPr>
         <p:spPr>
           <a:xfrm>
-            <a:off x="839788" y="1681163"/>
-            <a:ext cx="5157787" cy="823912"/>
+            <a:off x="1120000" y="1681163"/>
+            <a:ext cx="5025216" cy="823912"/>
           </a:xfrm>
         </p:spPr>
         <p:txBody>
@@ -1369,7 +3953,34 @@
           <a:lstStyle>
             <a:lvl1pPr marL="0" indent="0">
               <a:buNone/>
-              <a:defRPr sz="2400" b="1"/>
+              <a:defRPr sz="2400" b="0">
+                <a:gradFill>
+                  <a:gsLst>
+                    <a:gs pos="15000">
+                      <a:schemeClr val="tx2"/>
+                    </a:gs>
+                    <a:gs pos="73000">
+                      <a:schemeClr val="tx2">
+                        <a:lumMod val="60000"/>
+                        <a:lumOff val="40000"/>
+                      </a:schemeClr>
+                    </a:gs>
+                    <a:gs pos="0">
+                      <a:schemeClr val="tx2">
+                        <a:lumMod val="90000"/>
+                        <a:lumOff val="10000"/>
+                      </a:schemeClr>
+                    </a:gs>
+                    <a:gs pos="100000">
+                      <a:schemeClr val="tx2">
+                        <a:lumMod val="0"/>
+                        <a:lumOff val="100000"/>
+                      </a:schemeClr>
+                    </a:gs>
+                  </a:gsLst>
+                  <a:lin ang="16200000" scaled="1"/>
+                </a:gradFill>
+              </a:defRPr>
             </a:lvl1pPr>
             <a:lvl2pPr marL="457200" indent="0">
               <a:buNone/>
@@ -1415,7 +4026,7 @@
       </p:sp>
       <p:sp>
         <p:nvSpPr>
-          <p:cNvPr id="4" name="Marcador de contenido 3"/>
+          <p:cNvPr id="4" name="Content Placeholder 3"/>
           <p:cNvSpPr>
             <a:spLocks noGrp="1"/>
           </p:cNvSpPr>
@@ -1425,8 +4036,8 @@
         </p:nvSpPr>
         <p:spPr>
           <a:xfrm>
-            <a:off x="839788" y="2505075"/>
-            <a:ext cx="5157787" cy="3684588"/>
+            <a:off x="1120000" y="2505075"/>
+            <a:ext cx="5025216" cy="3684588"/>
           </a:xfrm>
         </p:spPr>
         <p:txBody>
@@ -1466,13 +4077,13 @@
               <a:rPr lang="es-ES" smtClean="0"/>
               <a:t>Quinto nivel</a:t>
             </a:r>
-            <a:endParaRPr lang="es-MX"/>
-          </a:p>
-        </p:txBody>
-      </p:sp>
-      <p:sp>
-        <p:nvSpPr>
-          <p:cNvPr id="5" name="Marcador de texto 4"/>
+            <a:endParaRPr lang="en-US" dirty="0"/>
+          </a:p>
+        </p:txBody>
+      </p:sp>
+      <p:sp>
+        <p:nvSpPr>
+          <p:cNvPr id="5" name="Text Placeholder 4"/>
           <p:cNvSpPr>
             <a:spLocks noGrp="1"/>
           </p:cNvSpPr>
@@ -1482,85 +4093,84 @@
         </p:nvSpPr>
         <p:spPr>
           <a:xfrm>
-            <a:off x="6172200" y="1681163"/>
-            <a:ext cx="5183188" cy="823912"/>
-          </a:xfrm>
-        </p:spPr>
-        <p:txBody>
-          <a:bodyPr anchor="b"/>
+            <a:off x="6319840" y="1681163"/>
+            <a:ext cx="5035548" cy="823912"/>
+          </a:xfrm>
+        </p:spPr>
+        <p:txBody>
+          <a:bodyPr vert="horz" lIns="91440" tIns="45720" rIns="91440" bIns="45720" rtlCol="0" anchor="b">
+            <a:normAutofit/>
+          </a:bodyPr>
           <a:lstStyle>
-            <a:lvl1pPr marL="0" indent="0">
-              <a:buNone/>
-              <a:defRPr sz="2400" b="1"/>
+            <a:lvl1pPr>
+              <a:buNone/>
+              <a:defRPr lang="en-US" sz="2400" b="0">
+                <a:gradFill>
+                  <a:gsLst>
+                    <a:gs pos="15000">
+                      <a:schemeClr val="tx2"/>
+                    </a:gs>
+                    <a:gs pos="73000">
+                      <a:schemeClr val="tx2">
+                        <a:lumMod val="60000"/>
+                        <a:lumOff val="40000"/>
+                      </a:schemeClr>
+                    </a:gs>
+                    <a:gs pos="0">
+                      <a:schemeClr val="tx2">
+                        <a:lumMod val="90000"/>
+                        <a:lumOff val="10000"/>
+                      </a:schemeClr>
+                    </a:gs>
+                    <a:gs pos="100000">
+                      <a:schemeClr val="tx2">
+                        <a:lumMod val="0"/>
+                        <a:lumOff val="100000"/>
+                      </a:schemeClr>
+                    </a:gs>
+                  </a:gsLst>
+                  <a:lin ang="16200000" scaled="1"/>
+                </a:gradFill>
+              </a:defRPr>
             </a:lvl1pPr>
-            <a:lvl2pPr marL="457200" indent="0">
-              <a:buNone/>
-              <a:defRPr sz="2000" b="1"/>
-            </a:lvl2pPr>
-            <a:lvl3pPr marL="914400" indent="0">
-              <a:buNone/>
-              <a:defRPr sz="1800" b="1"/>
-            </a:lvl3pPr>
-            <a:lvl4pPr marL="1371600" indent="0">
-              <a:buNone/>
-              <a:defRPr sz="1600" b="1"/>
-            </a:lvl4pPr>
-            <a:lvl5pPr marL="1828800" indent="0">
-              <a:buNone/>
-              <a:defRPr sz="1600" b="1"/>
-            </a:lvl5pPr>
-            <a:lvl6pPr marL="2286000" indent="0">
-              <a:buNone/>
-              <a:defRPr sz="1600" b="1"/>
-            </a:lvl6pPr>
-            <a:lvl7pPr marL="2743200" indent="0">
-              <a:buNone/>
-              <a:defRPr sz="1600" b="1"/>
-            </a:lvl7pPr>
-            <a:lvl8pPr marL="3200400" indent="0">
-              <a:buNone/>
-              <a:defRPr sz="1600" b="1"/>
-            </a:lvl8pPr>
-            <a:lvl9pPr marL="3657600" indent="0">
-              <a:buNone/>
-              <a:defRPr sz="1600" b="1"/>
-            </a:lvl9pPr>
           </a:lstStyle>
           <a:p>
+            <a:pPr marL="0" lvl="0" indent="0">
+              <a:buNone/>
+            </a:pPr>
+            <a:r>
+              <a:rPr lang="es-ES" smtClean="0"/>
+              <a:t>Haga clic para modificar el estilo de texto del patrón</a:t>
+            </a:r>
+          </a:p>
+        </p:txBody>
+      </p:sp>
+      <p:sp>
+        <p:nvSpPr>
+          <p:cNvPr id="6" name="Content Placeholder 5"/>
+          <p:cNvSpPr>
+            <a:spLocks noGrp="1"/>
+          </p:cNvSpPr>
+          <p:nvPr>
+            <p:ph sz="quarter" idx="4"/>
+          </p:nvPr>
+        </p:nvSpPr>
+        <p:spPr>
+          <a:xfrm>
+            <a:off x="6319840" y="2505075"/>
+            <a:ext cx="5035548" cy="3684588"/>
+          </a:xfrm>
+        </p:spPr>
+        <p:txBody>
+          <a:bodyPr/>
+          <a:lstStyle/>
+          <a:p>
             <a:pPr lvl="0"/>
             <a:r>
               <a:rPr lang="es-ES" smtClean="0"/>
               <a:t>Haga clic para modificar el estilo de texto del patrón</a:t>
             </a:r>
           </a:p>
-        </p:txBody>
-      </p:sp>
-      <p:sp>
-        <p:nvSpPr>
-          <p:cNvPr id="6" name="Marcador de contenido 5"/>
-          <p:cNvSpPr>
-            <a:spLocks noGrp="1"/>
-          </p:cNvSpPr>
-          <p:nvPr>
-            <p:ph sz="quarter" idx="4"/>
-          </p:nvPr>
-        </p:nvSpPr>
-        <p:spPr>
-          <a:xfrm>
-            <a:off x="6172200" y="2505075"/>
-            <a:ext cx="5183188" cy="3684588"/>
-          </a:xfrm>
-        </p:spPr>
-        <p:txBody>
-          <a:bodyPr/>
-          <a:lstStyle/>
-          <a:p>
-            <a:pPr lvl="0"/>
-            <a:r>
-              <a:rPr lang="es-ES" smtClean="0"/>
-              <a:t>Haga clic para modificar el estilo de texto del patrón</a:t>
-            </a:r>
-          </a:p>
           <a:p>
             <a:pPr lvl="1"/>
             <a:r>
@@ -1588,13 +4198,13 @@
               <a:rPr lang="es-ES" smtClean="0"/>
               <a:t>Quinto nivel</a:t>
             </a:r>
-            <a:endParaRPr lang="es-MX"/>
-          </a:p>
-        </p:txBody>
-      </p:sp>
-      <p:sp>
-        <p:nvSpPr>
-          <p:cNvPr id="7" name="Marcador de fecha 6"/>
+            <a:endParaRPr lang="en-US" dirty="0"/>
+          </a:p>
+        </p:txBody>
+      </p:sp>
+      <p:sp>
+        <p:nvSpPr>
+          <p:cNvPr id="7" name="Date Placeholder 6"/>
           <p:cNvSpPr>
             <a:spLocks noGrp="1"/>
           </p:cNvSpPr>
@@ -1617,7 +4227,7 @@
       </p:sp>
       <p:sp>
         <p:nvSpPr>
-          <p:cNvPr id="8" name="Marcador de pie de página 7"/>
+          <p:cNvPr id="8" name="Footer Placeholder 7"/>
           <p:cNvSpPr>
             <a:spLocks noGrp="1"/>
           </p:cNvSpPr>
@@ -1636,7 +4246,7 @@
       </p:sp>
       <p:sp>
         <p:nvSpPr>
-          <p:cNvPr id="9" name="Marcador de número de diapositiva 8"/>
+          <p:cNvPr id="9" name="Slide Number Placeholder 8"/>
           <p:cNvSpPr>
             <a:spLocks noGrp="1"/>
           </p:cNvSpPr>
@@ -1660,7 +4270,7 @@
     </p:spTree>
     <p:extLst>
       <p:ext uri="{BB962C8B-B14F-4D97-AF65-F5344CB8AC3E}">
-        <p14:creationId xmlns:p14="http://schemas.microsoft.com/office/powerpoint/2010/main" val="3068638267"/>
+        <p14:creationId xmlns:p14="http://schemas.microsoft.com/office/powerpoint/2010/main" val="605242780"/>
       </p:ext>
     </p:extLst>
   </p:cSld>
@@ -1689,7 +4299,7 @@
       </p:grpSpPr>
       <p:sp>
         <p:nvSpPr>
-          <p:cNvPr id="2" name="Título 1"/>
+          <p:cNvPr id="2" name="Title 1"/>
           <p:cNvSpPr>
             <a:spLocks noGrp="1"/>
           </p:cNvSpPr>
@@ -1706,13 +4316,13 @@
               <a:rPr lang="es-ES" smtClean="0"/>
               <a:t>Haga clic para modificar el estilo de título del patrón</a:t>
             </a:r>
-            <a:endParaRPr lang="es-MX"/>
-          </a:p>
-        </p:txBody>
-      </p:sp>
-      <p:sp>
-        <p:nvSpPr>
-          <p:cNvPr id="3" name="Marcador de fecha 2"/>
+            <a:endParaRPr lang="en-US" dirty="0"/>
+          </a:p>
+        </p:txBody>
+      </p:sp>
+      <p:sp>
+        <p:nvSpPr>
+          <p:cNvPr id="3" name="Date Placeholder 2"/>
           <p:cNvSpPr>
             <a:spLocks noGrp="1"/>
           </p:cNvSpPr>
@@ -1735,7 +4345,7 @@
       </p:sp>
       <p:sp>
         <p:nvSpPr>
-          <p:cNvPr id="4" name="Marcador de pie de página 3"/>
+          <p:cNvPr id="4" name="Footer Placeholder 3"/>
           <p:cNvSpPr>
             <a:spLocks noGrp="1"/>
           </p:cNvSpPr>
@@ -1754,7 +4364,7 @@
       </p:sp>
       <p:sp>
         <p:nvSpPr>
-          <p:cNvPr id="5" name="Marcador de número de diapositiva 4"/>
+          <p:cNvPr id="5" name="Slide Number Placeholder 4"/>
           <p:cNvSpPr>
             <a:spLocks noGrp="1"/>
           </p:cNvSpPr>
@@ -1778,7 +4388,7 @@
     </p:spTree>
     <p:extLst>
       <p:ext uri="{BB962C8B-B14F-4D97-AF65-F5344CB8AC3E}">
-        <p14:creationId xmlns:p14="http://schemas.microsoft.com/office/powerpoint/2010/main" val="2144053160"/>
+        <p14:creationId xmlns:p14="http://schemas.microsoft.com/office/powerpoint/2010/main" val="3378525400"/>
       </p:ext>
     </p:extLst>
   </p:cSld>
@@ -1807,7 +4417,7 @@
       </p:grpSpPr>
       <p:sp>
         <p:nvSpPr>
-          <p:cNvPr id="2" name="Marcador de fecha 1"/>
+          <p:cNvPr id="2" name="Date Placeholder 1"/>
           <p:cNvSpPr>
             <a:spLocks noGrp="1"/>
           </p:cNvSpPr>
@@ -1830,7 +4440,7 @@
       </p:sp>
       <p:sp>
         <p:nvSpPr>
-          <p:cNvPr id="3" name="Marcador de pie de página 2"/>
+          <p:cNvPr id="3" name="Footer Placeholder 2"/>
           <p:cNvSpPr>
             <a:spLocks noGrp="1"/>
           </p:cNvSpPr>
@@ -1849,7 +4459,7 @@
       </p:sp>
       <p:sp>
         <p:nvSpPr>
-          <p:cNvPr id="4" name="Marcador de número de diapositiva 3"/>
+          <p:cNvPr id="4" name="Slide Number Placeholder 3"/>
           <p:cNvSpPr>
             <a:spLocks noGrp="1"/>
           </p:cNvSpPr>
@@ -1873,7 +4483,7 @@
     </p:spTree>
     <p:extLst>
       <p:ext uri="{BB962C8B-B14F-4D97-AF65-F5344CB8AC3E}">
-        <p14:creationId xmlns:p14="http://schemas.microsoft.com/office/powerpoint/2010/main" val="3362929989"/>
+        <p14:creationId xmlns:p14="http://schemas.microsoft.com/office/powerpoint/2010/main" val="598704556"/>
       </p:ext>
     </p:extLst>
   </p:cSld>
@@ -1902,7 +4512,7 @@
       </p:grpSpPr>
       <p:sp>
         <p:nvSpPr>
-          <p:cNvPr id="2" name="Título 1"/>
+          <p:cNvPr id="2" name="Title 1"/>
           <p:cNvSpPr>
             <a:spLocks noGrp="1"/>
           </p:cNvSpPr>
@@ -1928,13 +4538,13 @@
               <a:rPr lang="es-ES" smtClean="0"/>
               <a:t>Haga clic para modificar el estilo de título del patrón</a:t>
             </a:r>
-            <a:endParaRPr lang="es-MX"/>
-          </a:p>
-        </p:txBody>
-      </p:sp>
-      <p:sp>
-        <p:nvSpPr>
-          <p:cNvPr id="3" name="Marcador de contenido 2"/>
+            <a:endParaRPr lang="en-US" dirty="0"/>
+          </a:p>
+        </p:txBody>
+      </p:sp>
+      <p:sp>
+        <p:nvSpPr>
+          <p:cNvPr id="3" name="Content Placeholder 2"/>
           <p:cNvSpPr>
             <a:spLocks noGrp="1"/>
           </p:cNvSpPr>
@@ -1950,35 +4560,7 @@
         </p:spPr>
         <p:txBody>
           <a:bodyPr/>
-          <a:lstStyle>
-            <a:lvl1pPr>
-              <a:defRPr sz="3200"/>
-            </a:lvl1pPr>
-            <a:lvl2pPr>
-              <a:defRPr sz="2800"/>
-            </a:lvl2pPr>
-            <a:lvl3pPr>
-              <a:defRPr sz="2400"/>
-            </a:lvl3pPr>
-            <a:lvl4pPr>
-              <a:defRPr sz="2000"/>
-            </a:lvl4pPr>
-            <a:lvl5pPr>
-              <a:defRPr sz="2000"/>
-            </a:lvl5pPr>
-            <a:lvl6pPr>
-              <a:defRPr sz="2000"/>
-            </a:lvl6pPr>
-            <a:lvl7pPr>
-              <a:defRPr sz="2000"/>
-            </a:lvl7pPr>
-            <a:lvl8pPr>
-              <a:defRPr sz="2000"/>
-            </a:lvl8pPr>
-            <a:lvl9pPr>
-              <a:defRPr sz="2000"/>
-            </a:lvl9pPr>
-          </a:lstStyle>
+          <a:lstStyle/>
           <a:p>
             <a:pPr lvl="0"/>
             <a:r>
@@ -2013,13 +4595,13 @@
               <a:rPr lang="es-ES" smtClean="0"/>
               <a:t>Quinto nivel</a:t>
             </a:r>
-            <a:endParaRPr lang="es-MX"/>
-          </a:p>
-        </p:txBody>
-      </p:sp>
-      <p:sp>
-        <p:nvSpPr>
-          <p:cNvPr id="4" name="Marcador de texto 3"/>
+            <a:endParaRPr lang="en-US" dirty="0"/>
+          </a:p>
+        </p:txBody>
+      </p:sp>
+      <p:sp>
+        <p:nvSpPr>
+          <p:cNvPr id="4" name="Text Placeholder 3"/>
           <p:cNvSpPr>
             <a:spLocks noGrp="1"/>
           </p:cNvSpPr>
@@ -2029,8 +4611,8 @@
         </p:nvSpPr>
         <p:spPr>
           <a:xfrm>
-            <a:off x="839788" y="2057400"/>
-            <a:ext cx="3932237" cy="3811588"/>
+            <a:off x="1120000" y="2057400"/>
+            <a:ext cx="3652025" cy="3811588"/>
           </a:xfrm>
         </p:spPr>
         <p:txBody>
@@ -2038,7 +4620,31 @@
           <a:lstStyle>
             <a:lvl1pPr marL="0" indent="0">
               <a:buNone/>
-              <a:defRPr sz="1600"/>
+              <a:defRPr sz="1600">
+                <a:gradFill>
+                  <a:gsLst>
+                    <a:gs pos="15000">
+                      <a:schemeClr val="tx2"/>
+                    </a:gs>
+                    <a:gs pos="73000">
+                      <a:schemeClr val="tx2">
+                        <a:lumMod val="60000"/>
+                        <a:lumOff val="40000"/>
+                      </a:schemeClr>
+                    </a:gs>
+                    <a:gs pos="0">
+                      <a:schemeClr val="tx1"/>
+                    </a:gs>
+                    <a:gs pos="100000">
+                      <a:schemeClr val="tx2">
+                        <a:lumMod val="0"/>
+                        <a:lumOff val="100000"/>
+                      </a:schemeClr>
+                    </a:gs>
+                  </a:gsLst>
+                  <a:lin ang="16200000" scaled="1"/>
+                </a:gradFill>
+              </a:defRPr>
             </a:lvl1pPr>
             <a:lvl2pPr marL="457200" indent="0">
               <a:buNone/>
@@ -2084,7 +4690,7 @@
       </p:sp>
       <p:sp>
         <p:nvSpPr>
-          <p:cNvPr id="5" name="Marcador de fecha 4"/>
+          <p:cNvPr id="5" name="Date Placeholder 4"/>
           <p:cNvSpPr>
             <a:spLocks noGrp="1"/>
           </p:cNvSpPr>
@@ -2107,7 +4713,7 @@
       </p:sp>
       <p:sp>
         <p:nvSpPr>
-          <p:cNvPr id="6" name="Marcador de pie de página 5"/>
+          <p:cNvPr id="6" name="Footer Placeholder 5"/>
           <p:cNvSpPr>
             <a:spLocks noGrp="1"/>
           </p:cNvSpPr>
@@ -2126,7 +4732,7 @@
       </p:sp>
       <p:sp>
         <p:nvSpPr>
-          <p:cNvPr id="7" name="Marcador de número de diapositiva 6"/>
+          <p:cNvPr id="7" name="Slide Number Placeholder 6"/>
           <p:cNvSpPr>
             <a:spLocks noGrp="1"/>
           </p:cNvSpPr>
@@ -2150,7 +4756,7 @@
     </p:spTree>
     <p:extLst>
       <p:ext uri="{BB962C8B-B14F-4D97-AF65-F5344CB8AC3E}">
-        <p14:creationId xmlns:p14="http://schemas.microsoft.com/office/powerpoint/2010/main" val="3368588812"/>
+        <p14:creationId xmlns:p14="http://schemas.microsoft.com/office/powerpoint/2010/main" val="2499560746"/>
       </p:ext>
     </p:extLst>
   </p:cSld>
@@ -2179,7 +4785,7 @@
       </p:grpSpPr>
       <p:sp>
         <p:nvSpPr>
-          <p:cNvPr id="2" name="Título 1"/>
+          <p:cNvPr id="2" name="Title 1"/>
           <p:cNvSpPr>
             <a:spLocks noGrp="1"/>
           </p:cNvSpPr>
@@ -2205,15 +4811,15 @@
               <a:rPr lang="es-ES" smtClean="0"/>
               <a:t>Haga clic para modificar el estilo de título del patrón</a:t>
             </a:r>
-            <a:endParaRPr lang="es-MX"/>
-          </a:p>
-        </p:txBody>
-      </p:sp>
-      <p:sp>
-        <p:nvSpPr>
-          <p:cNvPr id="3" name="Marcador de posición de imagen 2"/>
-          <p:cNvSpPr>
-            <a:spLocks noGrp="1"/>
+            <a:endParaRPr lang="en-US" dirty="0"/>
+          </a:p>
+        </p:txBody>
+      </p:sp>
+      <p:sp>
+        <p:nvSpPr>
+          <p:cNvPr id="3" name="Picture Placeholder 2"/>
+          <p:cNvSpPr>
+            <a:spLocks noGrp="1" noChangeAspect="1"/>
           </p:cNvSpPr>
           <p:nvPr>
             <p:ph type="pic" idx="1"/>
@@ -2223,6 +4829,71 @@
           <a:xfrm>
             <a:off x="5183188" y="987425"/>
             <a:ext cx="6172200" cy="4873625"/>
+          </a:xfrm>
+        </p:spPr>
+        <p:txBody>
+          <a:bodyPr anchor="t"/>
+          <a:lstStyle>
+            <a:lvl1pPr marL="0" indent="0">
+              <a:buNone/>
+              <a:defRPr sz="3200"/>
+            </a:lvl1pPr>
+            <a:lvl2pPr marL="457200" indent="0">
+              <a:buNone/>
+              <a:defRPr sz="2800"/>
+            </a:lvl2pPr>
+            <a:lvl3pPr marL="914400" indent="0">
+              <a:buNone/>
+              <a:defRPr sz="2400"/>
+            </a:lvl3pPr>
+            <a:lvl4pPr marL="1371600" indent="0">
+              <a:buNone/>
+              <a:defRPr sz="2000"/>
+            </a:lvl4pPr>
+            <a:lvl5pPr marL="1828800" indent="0">
+              <a:buNone/>
+              <a:defRPr sz="2000"/>
+            </a:lvl5pPr>
+            <a:lvl6pPr marL="2286000" indent="0">
+              <a:buNone/>
+              <a:defRPr sz="2000"/>
+            </a:lvl6pPr>
+            <a:lvl7pPr marL="2743200" indent="0">
+              <a:buNone/>
+              <a:defRPr sz="2000"/>
+            </a:lvl7pPr>
+            <a:lvl8pPr marL="3200400" indent="0">
+              <a:buNone/>
+              <a:defRPr sz="2000"/>
+            </a:lvl8pPr>
+            <a:lvl9pPr marL="3657600" indent="0">
+              <a:buNone/>
+              <a:defRPr sz="2000"/>
+            </a:lvl9pPr>
+          </a:lstStyle>
+          <a:p>
+            <a:r>
+              <a:rPr lang="es-ES" smtClean="0"/>
+              <a:t>Haga clic en el icono para agregar una imagen</a:t>
+            </a:r>
+            <a:endParaRPr lang="en-US" dirty="0"/>
+          </a:p>
+        </p:txBody>
+      </p:sp>
+      <p:sp>
+        <p:nvSpPr>
+          <p:cNvPr id="4" name="Text Placeholder 3"/>
+          <p:cNvSpPr>
+            <a:spLocks noGrp="1"/>
+          </p:cNvSpPr>
+          <p:nvPr>
+            <p:ph type="body" sz="half" idx="2"/>
+          </p:nvPr>
+        </p:nvSpPr>
+        <p:spPr>
+          <a:xfrm>
+            <a:off x="1120000" y="2057400"/>
+            <a:ext cx="3652025" cy="3811588"/>
           </a:xfrm>
         </p:spPr>
         <p:txBody>
@@ -2230,68 +4901,31 @@
           <a:lstStyle>
             <a:lvl1pPr marL="0" indent="0">
               <a:buNone/>
-              <a:defRPr sz="3200"/>
-            </a:lvl1pPr>
-            <a:lvl2pPr marL="457200" indent="0">
-              <a:buNone/>
-              <a:defRPr sz="2800"/>
-            </a:lvl2pPr>
-            <a:lvl3pPr marL="914400" indent="0">
-              <a:buNone/>
-              <a:defRPr sz="2400"/>
-            </a:lvl3pPr>
-            <a:lvl4pPr marL="1371600" indent="0">
-              <a:buNone/>
-              <a:defRPr sz="2000"/>
-            </a:lvl4pPr>
-            <a:lvl5pPr marL="1828800" indent="0">
-              <a:buNone/>
-              <a:defRPr sz="2000"/>
-            </a:lvl5pPr>
-            <a:lvl6pPr marL="2286000" indent="0">
-              <a:buNone/>
-              <a:defRPr sz="2000"/>
-            </a:lvl6pPr>
-            <a:lvl7pPr marL="2743200" indent="0">
-              <a:buNone/>
-              <a:defRPr sz="2000"/>
-            </a:lvl7pPr>
-            <a:lvl8pPr marL="3200400" indent="0">
-              <a:buNone/>
-              <a:defRPr sz="2000"/>
-            </a:lvl8pPr>
-            <a:lvl9pPr marL="3657600" indent="0">
-              <a:buNone/>
-              <a:defRPr sz="2000"/>
-            </a:lvl9pPr>
-          </a:lstStyle>
-          <a:p>
-            <a:endParaRPr lang="es-MX"/>
-          </a:p>
-        </p:txBody>
-      </p:sp>
-      <p:sp>
-        <p:nvSpPr>
-          <p:cNvPr id="4" name="Marcador de texto 3"/>
-          <p:cNvSpPr>
-            <a:spLocks noGrp="1"/>
-          </p:cNvSpPr>
-          <p:nvPr>
-            <p:ph type="body" sz="half" idx="2"/>
-          </p:nvPr>
-        </p:nvSpPr>
-        <p:spPr>
-          <a:xfrm>
-            <a:off x="839788" y="2057400"/>
-            <a:ext cx="3932237" cy="3811588"/>
-          </a:xfrm>
-        </p:spPr>
-        <p:txBody>
-          <a:bodyPr/>
-          <a:lstStyle>
-            <a:lvl1pPr marL="0" indent="0">
-              <a:buNone/>
-              <a:defRPr sz="1600"/>
+              <a:defRPr sz="1600">
+                <a:gradFill>
+                  <a:gsLst>
+                    <a:gs pos="15000">
+                      <a:schemeClr val="tx2"/>
+                    </a:gs>
+                    <a:gs pos="73000">
+                      <a:schemeClr val="tx2">
+                        <a:lumMod val="60000"/>
+                        <a:lumOff val="40000"/>
+                      </a:schemeClr>
+                    </a:gs>
+                    <a:gs pos="0">
+                      <a:schemeClr val="tx1"/>
+                    </a:gs>
+                    <a:gs pos="100000">
+                      <a:schemeClr val="tx2">
+                        <a:lumMod val="0"/>
+                        <a:lumOff val="100000"/>
+                      </a:schemeClr>
+                    </a:gs>
+                  </a:gsLst>
+                  <a:lin ang="16200000" scaled="1"/>
+                </a:gradFill>
+              </a:defRPr>
             </a:lvl1pPr>
             <a:lvl2pPr marL="457200" indent="0">
               <a:buNone/>
@@ -2337,7 +4971,7 @@
       </p:sp>
       <p:sp>
         <p:nvSpPr>
-          <p:cNvPr id="5" name="Marcador de fecha 4"/>
+          <p:cNvPr id="5" name="Date Placeholder 4"/>
           <p:cNvSpPr>
             <a:spLocks noGrp="1"/>
           </p:cNvSpPr>
@@ -2360,7 +4994,7 @@
       </p:sp>
       <p:sp>
         <p:nvSpPr>
-          <p:cNvPr id="6" name="Marcador de pie de página 5"/>
+          <p:cNvPr id="6" name="Footer Placeholder 5"/>
           <p:cNvSpPr>
             <a:spLocks noGrp="1"/>
           </p:cNvSpPr>
@@ -2379,7 +5013,7 @@
       </p:sp>
       <p:sp>
         <p:nvSpPr>
-          <p:cNvPr id="7" name="Marcador de número de diapositiva 6"/>
+          <p:cNvPr id="7" name="Slide Number Placeholder 6"/>
           <p:cNvSpPr>
             <a:spLocks noGrp="1"/>
           </p:cNvSpPr>
@@ -2403,7 +5037,7 @@
     </p:spTree>
     <p:extLst>
       <p:ext uri="{BB962C8B-B14F-4D97-AF65-F5344CB8AC3E}">
-        <p14:creationId xmlns:p14="http://schemas.microsoft.com/office/powerpoint/2010/main" val="4126410728"/>
+        <p14:creationId xmlns:p14="http://schemas.microsoft.com/office/powerpoint/2010/main" val="3319101281"/>
       </p:ext>
     </p:extLst>
   </p:cSld>
@@ -2417,9 +5051,18 @@
 <p:sldMaster xmlns:a="http://schemas.openxmlformats.org/drawingml/2006/main" xmlns:r="http://schemas.openxmlformats.org/officeDocument/2006/relationships" xmlns:p="http://schemas.openxmlformats.org/presentationml/2006/main">
   <p:cSld>
     <p:bg>
-      <p:bgRef idx="1001">
-        <a:schemeClr val="bg1"/>
-      </p:bgRef>
+      <p:bgPr>
+        <a:blipFill dpi="0" rotWithShape="1">
+          <a:blip r:embed="rId19">
+            <a:lum/>
+          </a:blip>
+          <a:srcRect/>
+          <a:stretch>
+            <a:fillRect/>
+          </a:stretch>
+        </a:blipFill>
+        <a:effectLst/>
+      </p:bgPr>
     </p:bg>
     <p:spTree>
       <p:nvGrpSpPr>
@@ -2437,7 +5080,7 @@
       </p:grpSpPr>
       <p:sp>
         <p:nvSpPr>
-          <p:cNvPr id="2" name="Marcador de título 1"/>
+          <p:cNvPr id="2" name="Title Placeholder 1"/>
           <p:cNvSpPr>
             <a:spLocks noGrp="1"/>
           </p:cNvSpPr>
@@ -2464,13 +5107,13 @@
               <a:rPr lang="es-ES" smtClean="0"/>
               <a:t>Haga clic para modificar el estilo de título del patrón</a:t>
             </a:r>
-            <a:endParaRPr lang="es-MX"/>
-          </a:p>
-        </p:txBody>
-      </p:sp>
-      <p:sp>
-        <p:nvSpPr>
-          <p:cNvPr id="3" name="Marcador de texto 2"/>
+            <a:endParaRPr lang="en-US" dirty="0"/>
+          </a:p>
+        </p:txBody>
+      </p:sp>
+      <p:sp>
+        <p:nvSpPr>
+          <p:cNvPr id="3" name="Text Placeholder 2"/>
           <p:cNvSpPr>
             <a:spLocks noGrp="1"/>
           </p:cNvSpPr>
@@ -2480,8 +5123,8 @@
         </p:nvSpPr>
         <p:spPr>
           <a:xfrm>
-            <a:off x="838200" y="1825625"/>
-            <a:ext cx="10515600" cy="4351338"/>
+            <a:off x="1120000" y="1825625"/>
+            <a:ext cx="10233800" cy="4351338"/>
           </a:xfrm>
           <a:prstGeom prst="rect">
             <a:avLst/>
@@ -2526,13 +5169,13 @@
               <a:rPr lang="es-ES" smtClean="0"/>
               <a:t>Quinto nivel</a:t>
             </a:r>
-            <a:endParaRPr lang="es-MX"/>
-          </a:p>
-        </p:txBody>
-      </p:sp>
-      <p:sp>
-        <p:nvSpPr>
-          <p:cNvPr id="4" name="Marcador de fecha 3"/>
+            <a:endParaRPr lang="en-US" dirty="0"/>
+          </a:p>
+        </p:txBody>
+      </p:sp>
+      <p:sp>
+        <p:nvSpPr>
+          <p:cNvPr id="4" name="Date Placeholder 3"/>
           <p:cNvSpPr>
             <a:spLocks noGrp="1"/>
           </p:cNvSpPr>
@@ -2554,11 +5197,29 @@
           <a:lstStyle>
             <a:lvl1pPr algn="l">
               <a:defRPr sz="1200">
-                <a:solidFill>
-                  <a:schemeClr val="tx1">
-                    <a:tint val="75000"/>
-                  </a:schemeClr>
-                </a:solidFill>
+                <a:gradFill flip="none" rotWithShape="1">
+                  <a:gsLst>
+                    <a:gs pos="28000">
+                      <a:schemeClr val="tx1">
+                        <a:lumMod val="93000"/>
+                      </a:schemeClr>
+                    </a:gs>
+                    <a:gs pos="0">
+                      <a:schemeClr val="bg1">
+                        <a:lumMod val="38000"/>
+                        <a:lumOff val="62000"/>
+                      </a:schemeClr>
+                    </a:gs>
+                    <a:gs pos="100000">
+                      <a:schemeClr val="tx2">
+                        <a:lumMod val="0"/>
+                        <a:lumOff val="100000"/>
+                      </a:schemeClr>
+                    </a:gs>
+                  </a:gsLst>
+                  <a:lin ang="5400000" scaled="1"/>
+                  <a:tileRect/>
+                </a:gradFill>
               </a:defRPr>
             </a:lvl1pPr>
           </a:lstStyle>
@@ -2573,7 +5234,7 @@
       </p:sp>
       <p:sp>
         <p:nvSpPr>
-          <p:cNvPr id="5" name="Marcador de pie de página 4"/>
+          <p:cNvPr id="5" name="Footer Placeholder 4"/>
           <p:cNvSpPr>
             <a:spLocks noGrp="1"/>
           </p:cNvSpPr>
@@ -2595,11 +5256,29 @@
           <a:lstStyle>
             <a:lvl1pPr algn="ctr">
               <a:defRPr sz="1200">
-                <a:solidFill>
-                  <a:schemeClr val="tx1">
-                    <a:tint val="75000"/>
-                  </a:schemeClr>
-                </a:solidFill>
+                <a:gradFill flip="none" rotWithShape="1">
+                  <a:gsLst>
+                    <a:gs pos="28000">
+                      <a:schemeClr val="tx1">
+                        <a:lumMod val="93000"/>
+                      </a:schemeClr>
+                    </a:gs>
+                    <a:gs pos="0">
+                      <a:schemeClr val="bg1">
+                        <a:lumMod val="38000"/>
+                        <a:lumOff val="62000"/>
+                      </a:schemeClr>
+                    </a:gs>
+                    <a:gs pos="100000">
+                      <a:schemeClr val="tx2">
+                        <a:lumMod val="0"/>
+                        <a:lumOff val="100000"/>
+                      </a:schemeClr>
+                    </a:gs>
+                  </a:gsLst>
+                  <a:lin ang="5400000" scaled="1"/>
+                  <a:tileRect/>
+                </a:gradFill>
               </a:defRPr>
             </a:lvl1pPr>
           </a:lstStyle>
@@ -2610,7 +5289,7 @@
       </p:sp>
       <p:sp>
         <p:nvSpPr>
-          <p:cNvPr id="6" name="Marcador de número de diapositiva 5"/>
+          <p:cNvPr id="6" name="Slide Number Placeholder 5"/>
           <p:cNvSpPr>
             <a:spLocks noGrp="1"/>
           </p:cNvSpPr>
@@ -2632,11 +5311,29 @@
           <a:lstStyle>
             <a:lvl1pPr algn="r">
               <a:defRPr sz="1200">
-                <a:solidFill>
-                  <a:schemeClr val="tx1">
-                    <a:tint val="75000"/>
-                  </a:schemeClr>
-                </a:solidFill>
+                <a:gradFill flip="none" rotWithShape="1">
+                  <a:gsLst>
+                    <a:gs pos="28000">
+                      <a:schemeClr val="tx1">
+                        <a:lumMod val="93000"/>
+                      </a:schemeClr>
+                    </a:gs>
+                    <a:gs pos="0">
+                      <a:schemeClr val="bg1">
+                        <a:lumMod val="38000"/>
+                        <a:lumOff val="62000"/>
+                      </a:schemeClr>
+                    </a:gs>
+                    <a:gs pos="100000">
+                      <a:schemeClr val="tx2">
+                        <a:lumMod val="0"/>
+                        <a:lumOff val="100000"/>
+                      </a:schemeClr>
+                    </a:gs>
+                  </a:gsLst>
+                  <a:lin ang="5400000" scaled="1"/>
+                  <a:tileRect/>
+                </a:gradFill>
               </a:defRPr>
             </a:lvl1pPr>
           </a:lstStyle>
@@ -2652,23 +5349,29 @@
     </p:spTree>
     <p:extLst>
       <p:ext uri="{BB962C8B-B14F-4D97-AF65-F5344CB8AC3E}">
-        <p14:creationId xmlns:p14="http://schemas.microsoft.com/office/powerpoint/2010/main" val="1909063741"/>
+        <p14:creationId xmlns:p14="http://schemas.microsoft.com/office/powerpoint/2010/main" val="1989929719"/>
       </p:ext>
     </p:extLst>
   </p:cSld>
-  <p:clrMap bg1="lt1" tx1="dk1" bg2="lt2" tx2="dk2" accent1="accent1" accent2="accent2" accent3="accent3" accent4="accent4" accent5="accent5" accent6="accent6" hlink="hlink" folHlink="folHlink"/>
+  <p:clrMap bg1="dk1" tx1="lt1" bg2="dk2" tx2="lt2" accent1="accent1" accent2="accent2" accent3="accent3" accent4="accent4" accent5="accent5" accent6="accent6" hlink="hlink" folHlink="folHlink"/>
   <p:sldLayoutIdLst>
-    <p:sldLayoutId id="2147483649" r:id="rId1"/>
-    <p:sldLayoutId id="2147483650" r:id="rId2"/>
-    <p:sldLayoutId id="2147483651" r:id="rId3"/>
-    <p:sldLayoutId id="2147483652" r:id="rId4"/>
-    <p:sldLayoutId id="2147483653" r:id="rId5"/>
-    <p:sldLayoutId id="2147483654" r:id="rId6"/>
-    <p:sldLayoutId id="2147483655" r:id="rId7"/>
-    <p:sldLayoutId id="2147483656" r:id="rId8"/>
-    <p:sldLayoutId id="2147483657" r:id="rId9"/>
-    <p:sldLayoutId id="2147483658" r:id="rId10"/>
-    <p:sldLayoutId id="2147483659" r:id="rId11"/>
+    <p:sldLayoutId id="2147483679" r:id="rId1"/>
+    <p:sldLayoutId id="2147483680" r:id="rId2"/>
+    <p:sldLayoutId id="2147483681" r:id="rId3"/>
+    <p:sldLayoutId id="2147483682" r:id="rId4"/>
+    <p:sldLayoutId id="2147483683" r:id="rId5"/>
+    <p:sldLayoutId id="2147483684" r:id="rId6"/>
+    <p:sldLayoutId id="2147483685" r:id="rId7"/>
+    <p:sldLayoutId id="2147483686" r:id="rId8"/>
+    <p:sldLayoutId id="2147483687" r:id="rId9"/>
+    <p:sldLayoutId id="2147483688" r:id="rId10"/>
+    <p:sldLayoutId id="2147483689" r:id="rId11"/>
+    <p:sldLayoutId id="2147483690" r:id="rId12"/>
+    <p:sldLayoutId id="2147483691" r:id="rId13"/>
+    <p:sldLayoutId id="2147483692" r:id="rId14"/>
+    <p:sldLayoutId id="2147483693" r:id="rId15"/>
+    <p:sldLayoutId id="2147483694" r:id="rId16"/>
+    <p:sldLayoutId id="2147483695" r:id="rId17"/>
   </p:sldLayoutIdLst>
   <p:txStyles>
     <p:titleStyle>
@@ -2680,10 +5383,30 @@
           <a:spcPct val="0"/>
         </a:spcBef>
         <a:buNone/>
-        <a:defRPr sz="4400" kern="1200">
-          <a:solidFill>
-            <a:schemeClr val="tx1"/>
-          </a:solidFill>
+        <a:defRPr sz="5400" b="0" kern="1200">
+          <a:gradFill flip="none" rotWithShape="1">
+            <a:gsLst>
+              <a:gs pos="28000">
+                <a:schemeClr val="tx1">
+                  <a:lumMod val="93000"/>
+                </a:schemeClr>
+              </a:gs>
+              <a:gs pos="0">
+                <a:schemeClr val="bg1">
+                  <a:lumMod val="13000"/>
+                  <a:lumOff val="87000"/>
+                </a:schemeClr>
+              </a:gs>
+              <a:gs pos="100000">
+                <a:schemeClr val="tx2">
+                  <a:lumMod val="0"/>
+                  <a:lumOff val="100000"/>
+                </a:schemeClr>
+              </a:gs>
+            </a:gsLst>
+            <a:lin ang="4800000" scaled="0"/>
+            <a:tileRect/>
+          </a:gradFill>
           <a:latin typeface="+mj-lt"/>
           <a:ea typeface="+mj-ea"/>
           <a:cs typeface="+mj-cs"/>
@@ -2701,9 +5424,28 @@
         <a:buFont typeface="Arial" panose="020B0604020202020204" pitchFamily="34" charset="0"/>
         <a:buChar char="•"/>
         <a:defRPr sz="2800" kern="1200">
-          <a:solidFill>
-            <a:schemeClr val="tx1"/>
-          </a:solidFill>
+          <a:gradFill>
+            <a:gsLst>
+              <a:gs pos="34000">
+                <a:schemeClr val="tx1">
+                  <a:lumMod val="93000"/>
+                </a:schemeClr>
+              </a:gs>
+              <a:gs pos="0">
+                <a:schemeClr val="bg1">
+                  <a:lumMod val="13000"/>
+                  <a:lumOff val="87000"/>
+                </a:schemeClr>
+              </a:gs>
+              <a:gs pos="100000">
+                <a:schemeClr val="tx2">
+                  <a:lumMod val="0"/>
+                  <a:lumOff val="100000"/>
+                </a:schemeClr>
+              </a:gs>
+            </a:gsLst>
+            <a:lin ang="4800000" scaled="0"/>
+          </a:gradFill>
           <a:latin typeface="+mn-lt"/>
           <a:ea typeface="+mn-ea"/>
           <a:cs typeface="+mn-cs"/>
@@ -2719,9 +5461,28 @@
         <a:buFont typeface="Arial" panose="020B0604020202020204" pitchFamily="34" charset="0"/>
         <a:buChar char="•"/>
         <a:defRPr sz="2400" kern="1200">
-          <a:solidFill>
-            <a:schemeClr val="tx1"/>
-          </a:solidFill>
+          <a:gradFill>
+            <a:gsLst>
+              <a:gs pos="34000">
+                <a:schemeClr val="tx1">
+                  <a:lumMod val="93000"/>
+                </a:schemeClr>
+              </a:gs>
+              <a:gs pos="0">
+                <a:schemeClr val="bg1">
+                  <a:lumMod val="13000"/>
+                  <a:lumOff val="87000"/>
+                </a:schemeClr>
+              </a:gs>
+              <a:gs pos="100000">
+                <a:schemeClr val="tx2">
+                  <a:lumMod val="0"/>
+                  <a:lumOff val="100000"/>
+                </a:schemeClr>
+              </a:gs>
+            </a:gsLst>
+            <a:lin ang="4800000" scaled="0"/>
+          </a:gradFill>
           <a:latin typeface="+mn-lt"/>
           <a:ea typeface="+mn-ea"/>
           <a:cs typeface="+mn-cs"/>
@@ -2737,9 +5498,28 @@
         <a:buFont typeface="Arial" panose="020B0604020202020204" pitchFamily="34" charset="0"/>
         <a:buChar char="•"/>
         <a:defRPr sz="2000" kern="1200">
-          <a:solidFill>
-            <a:schemeClr val="tx1"/>
-          </a:solidFill>
+          <a:gradFill>
+            <a:gsLst>
+              <a:gs pos="34000">
+                <a:schemeClr val="tx1">
+                  <a:lumMod val="93000"/>
+                </a:schemeClr>
+              </a:gs>
+              <a:gs pos="0">
+                <a:schemeClr val="bg1">
+                  <a:lumMod val="13000"/>
+                  <a:lumOff val="87000"/>
+                </a:schemeClr>
+              </a:gs>
+              <a:gs pos="100000">
+                <a:schemeClr val="tx2">
+                  <a:lumMod val="0"/>
+                  <a:lumOff val="100000"/>
+                </a:schemeClr>
+              </a:gs>
+            </a:gsLst>
+            <a:lin ang="4800000" scaled="0"/>
+          </a:gradFill>
           <a:latin typeface="+mn-lt"/>
           <a:ea typeface="+mn-ea"/>
           <a:cs typeface="+mn-cs"/>
@@ -2755,9 +5535,28 @@
         <a:buFont typeface="Arial" panose="020B0604020202020204" pitchFamily="34" charset="0"/>
         <a:buChar char="•"/>
         <a:defRPr sz="1800" kern="1200">
-          <a:solidFill>
-            <a:schemeClr val="tx1"/>
-          </a:solidFill>
+          <a:gradFill>
+            <a:gsLst>
+              <a:gs pos="34000">
+                <a:schemeClr val="tx1">
+                  <a:lumMod val="93000"/>
+                </a:schemeClr>
+              </a:gs>
+              <a:gs pos="0">
+                <a:schemeClr val="bg1">
+                  <a:lumMod val="13000"/>
+                  <a:lumOff val="87000"/>
+                </a:schemeClr>
+              </a:gs>
+              <a:gs pos="100000">
+                <a:schemeClr val="tx2">
+                  <a:lumMod val="0"/>
+                  <a:lumOff val="100000"/>
+                </a:schemeClr>
+              </a:gs>
+            </a:gsLst>
+            <a:lin ang="4800000" scaled="0"/>
+          </a:gradFill>
           <a:latin typeface="+mn-lt"/>
           <a:ea typeface="+mn-ea"/>
           <a:cs typeface="+mn-cs"/>
@@ -2773,9 +5572,28 @@
         <a:buFont typeface="Arial" panose="020B0604020202020204" pitchFamily="34" charset="0"/>
         <a:buChar char="•"/>
         <a:defRPr sz="1800" kern="1200">
-          <a:solidFill>
-            <a:schemeClr val="tx1"/>
-          </a:solidFill>
+          <a:gradFill>
+            <a:gsLst>
+              <a:gs pos="34000">
+                <a:schemeClr val="tx1">
+                  <a:lumMod val="93000"/>
+                </a:schemeClr>
+              </a:gs>
+              <a:gs pos="0">
+                <a:schemeClr val="bg1">
+                  <a:lumMod val="13000"/>
+                  <a:lumOff val="87000"/>
+                </a:schemeClr>
+              </a:gs>
+              <a:gs pos="100000">
+                <a:schemeClr val="tx2">
+                  <a:lumMod val="0"/>
+                  <a:lumOff val="100000"/>
+                </a:schemeClr>
+              </a:gs>
+            </a:gsLst>
+            <a:lin ang="4800000" scaled="0"/>
+          </a:gradFill>
           <a:latin typeface="+mn-lt"/>
           <a:ea typeface="+mn-ea"/>
           <a:cs typeface="+mn-cs"/>
@@ -2856,7 +5674,7 @@
     </p:bodyStyle>
     <p:otherStyle>
       <a:defPPr>
-        <a:defRPr lang="es-MX"/>
+        <a:defRPr lang="en-US"/>
       </a:defPPr>
       <a:lvl1pPr marL="0" algn="l" defTabSz="914400" rtl="0" eaLnBrk="1" latinLnBrk="0" hangingPunct="1">
         <a:defRPr sz="1800" kern="1200">
@@ -2970,44 +5788,62 @@
           <a:chExt cx="0" cy="0"/>
         </a:xfrm>
       </p:grpSpPr>
-      <p:sp>
-        <p:nvSpPr>
-          <p:cNvPr id="2" name="Título 1"/>
-          <p:cNvSpPr>
-            <a:spLocks noGrp="1"/>
-          </p:cNvSpPr>
-          <p:nvPr>
-            <p:ph type="ctrTitle"/>
-          </p:nvPr>
-        </p:nvSpPr>
-        <p:spPr/>
-        <p:txBody>
-          <a:bodyPr/>
-          <a:lstStyle/>
-          <a:p>
-            <a:r>
-              <a:rPr lang="es-MX" dirty="0" smtClean="0"/>
-              <a:t>PYTHON</a:t>
-            </a:r>
-            <a:endParaRPr lang="es-MX" dirty="0"/>
-          </a:p>
-        </p:txBody>
-      </p:sp>
-      <p:sp>
-        <p:nvSpPr>
-          <p:cNvPr id="3" name="Subtítulo 2"/>
-          <p:cNvSpPr>
-            <a:spLocks noGrp="1"/>
-          </p:cNvSpPr>
-          <p:nvPr>
-            <p:ph type="subTitle" idx="1"/>
-          </p:nvPr>
-        </p:nvSpPr>
-        <p:spPr/>
-        <p:txBody>
-          <a:bodyPr/>
-          <a:lstStyle/>
-          <a:p>
+      <p:pic>
+        <p:nvPicPr>
+          <p:cNvPr id="4" name="Imagen 3"/>
+          <p:cNvPicPr>
+            <a:picLocks noChangeAspect="1"/>
+          </p:cNvPicPr>
+          <p:nvPr/>
+        </p:nvPicPr>
+        <p:blipFill>
+          <a:blip r:embed="rId2">
+            <a:extLst>
+              <a:ext uri="{28A0092B-C50C-407E-A947-70E740481C1C}">
+                <a14:useLocalDpi xmlns:a14="http://schemas.microsoft.com/office/drawing/2010/main" val="0"/>
+              </a:ext>
+            </a:extLst>
+          </a:blip>
+          <a:stretch>
+            <a:fillRect/>
+          </a:stretch>
+        </p:blipFill>
+        <p:spPr>
+          <a:xfrm>
+            <a:off x="2843307" y="2270500"/>
+            <a:ext cx="7365079" cy="2082540"/>
+          </a:xfrm>
+          <a:prstGeom prst="rect">
+            <a:avLst/>
+          </a:prstGeom>
+        </p:spPr>
+      </p:pic>
+      <p:sp>
+        <p:nvSpPr>
+          <p:cNvPr id="6" name="CuadroTexto 5"/>
+          <p:cNvSpPr txBox="1"/>
+          <p:nvPr/>
+        </p:nvSpPr>
+        <p:spPr>
+          <a:xfrm>
+            <a:off x="8268676" y="6400799"/>
+            <a:ext cx="3923324" cy="369332"/>
+          </a:xfrm>
+          <a:prstGeom prst="rect">
+            <a:avLst/>
+          </a:prstGeom>
+          <a:noFill/>
+        </p:spPr>
+        <p:txBody>
+          <a:bodyPr wrap="square" rtlCol="0">
+            <a:spAutoFit/>
+          </a:bodyPr>
+          <a:lstStyle/>
+          <a:p>
+            <a:r>
+              <a:rPr lang="es-MX" smtClean="0"/>
+              <a:t>https://github.com/Abraham10VelGlez</a:t>
+            </a:r>
             <a:endParaRPr lang="es-MX" dirty="0"/>
           </a:p>
         </p:txBody>
@@ -3022,6 +5858,13 @@
   <p:clrMapOvr>
     <a:masterClrMapping/>
   </p:clrMapOvr>
+  <p:timing>
+    <p:tnLst>
+      <p:par>
+        <p:cTn id="1" dur="indefinite" restart="never" nodeType="tmRoot"/>
+      </p:par>
+    </p:tnLst>
+  </p:timing>
 </p:sld>
 </file>
 
@@ -3050,7 +5893,7 @@
         </p:nvSpPr>
         <p:spPr>
           <a:xfrm>
-            <a:off x="1019908" y="445477"/>
+            <a:off x="2739293" y="506102"/>
             <a:ext cx="1207477" cy="369332"/>
           </a:xfrm>
           <a:prstGeom prst="rect">
@@ -3084,8 +5927,8 @@
         </p:nvSpPr>
         <p:spPr>
           <a:xfrm>
-            <a:off x="527538" y="1066800"/>
-            <a:ext cx="2649416" cy="2031325"/>
+            <a:off x="445477" y="1295961"/>
+            <a:ext cx="5802923" cy="1754326"/>
           </a:xfrm>
           <a:prstGeom prst="rect">
             <a:avLst/>
@@ -3098,52 +5941,156 @@
           </a:bodyPr>
           <a:lstStyle/>
           <a:p>
-            <a:r>
-              <a:rPr lang="es-MX" dirty="0" err="1" smtClean="0"/>
-              <a:t>Proposito</a:t>
-            </a:r>
-            <a:r>
-              <a:rPr lang="es-MX" dirty="0" smtClean="0"/>
-              <a:t> general</a:t>
-            </a:r>
-          </a:p>
-          <a:p>
-            <a:r>
-              <a:rPr lang="es-MX" dirty="0" smtClean="0"/>
-              <a:t>LENGUAJE DE ALTO NIVEL</a:t>
-            </a:r>
-          </a:p>
-          <a:p>
-            <a:r>
-              <a:rPr lang="es-MX" dirty="0" smtClean="0"/>
+            <a:pPr algn="ctr"/>
+            <a:r>
+              <a:rPr lang="es-MX" dirty="0" smtClean="0">
+                <a:ln w="0"/>
+                <a:effectLst>
+                  <a:outerShdw blurRad="38100" dist="19050" dir="2700000" algn="tl" rotWithShape="0">
+                    <a:schemeClr val="dk1">
+                      <a:alpha val="40000"/>
+                    </a:schemeClr>
+                  </a:outerShdw>
+                </a:effectLst>
+              </a:rPr>
+              <a:t>Propósito general</a:t>
+            </a:r>
+          </a:p>
+          <a:p>
+            <a:pPr algn="ctr"/>
+            <a:r>
+              <a:rPr lang="es-MX" dirty="0" smtClean="0">
+                <a:ln w="0"/>
+                <a:effectLst>
+                  <a:outerShdw blurRad="38100" dist="19050" dir="2700000" algn="tl" rotWithShape="0">
+                    <a:schemeClr val="dk1">
+                      <a:alpha val="40000"/>
+                    </a:schemeClr>
+                  </a:outerShdw>
+                </a:effectLst>
+              </a:rPr>
+              <a:t>Lenguaje de alto nivel</a:t>
+            </a:r>
+          </a:p>
+          <a:p>
+            <a:pPr algn="ctr"/>
+            <a:r>
+              <a:rPr lang="es-MX" dirty="0" smtClean="0">
+                <a:ln w="0"/>
+                <a:effectLst>
+                  <a:outerShdw blurRad="38100" dist="19050" dir="2700000" algn="tl" rotWithShape="0">
+                    <a:schemeClr val="dk1">
+                      <a:alpha val="40000"/>
+                    </a:schemeClr>
+                  </a:outerShdw>
+                </a:effectLst>
+              </a:rPr>
               <a:t>Interpretado</a:t>
             </a:r>
           </a:p>
           <a:p>
-            <a:r>
-              <a:rPr lang="es-MX" dirty="0" err="1" smtClean="0"/>
+            <a:pPr algn="ctr"/>
+            <a:r>
+              <a:rPr lang="es-MX" dirty="0" err="1" smtClean="0">
+                <a:ln w="0"/>
+                <a:effectLst>
+                  <a:outerShdw blurRad="38100" dist="19050" dir="2700000" algn="tl" rotWithShape="0">
+                    <a:schemeClr val="dk1">
+                      <a:alpha val="40000"/>
+                    </a:schemeClr>
+                  </a:outerShdw>
+                </a:effectLst>
+              </a:rPr>
               <a:t>Multiparadigma</a:t>
             </a:r>
-            <a:endParaRPr lang="es-MX" dirty="0" smtClean="0"/>
-          </a:p>
-          <a:p>
-            <a:r>
-              <a:rPr lang="es-MX" dirty="0" smtClean="0"/>
-              <a:t>Orientado a objetos</a:t>
-            </a:r>
-          </a:p>
-          <a:p>
-            <a:r>
-              <a:rPr lang="es-MX" dirty="0" smtClean="0"/>
-              <a:t>Estructurado</a:t>
-            </a:r>
-          </a:p>
-          <a:p>
-            <a:r>
-              <a:rPr lang="es-MX" dirty="0" smtClean="0"/>
-              <a:t>Funcional</a:t>
-            </a:r>
-            <a:endParaRPr lang="es-MX" dirty="0"/>
+            <a:r>
+              <a:rPr lang="es-MX" dirty="0" smtClean="0">
+                <a:ln w="0"/>
+                <a:effectLst>
+                  <a:outerShdw blurRad="38100" dist="19050" dir="2700000" algn="tl" rotWithShape="0">
+                    <a:schemeClr val="dk1">
+                      <a:alpha val="40000"/>
+                    </a:schemeClr>
+                  </a:outerShdw>
+                </a:effectLst>
+              </a:rPr>
+              <a:t>(</a:t>
+            </a:r>
+            <a:r>
+              <a:rPr lang="es-MX" dirty="0" err="1" smtClean="0">
+                <a:ln w="0"/>
+                <a:effectLst>
+                  <a:outerShdw blurRad="38100" dist="19050" dir="2700000" algn="tl" rotWithShape="0">
+                    <a:schemeClr val="dk1">
+                      <a:alpha val="40000"/>
+                    </a:schemeClr>
+                  </a:outerShdw>
+                </a:effectLst>
+              </a:rPr>
+              <a:t>Imperactivo,Funcional,Orientado</a:t>
+            </a:r>
+            <a:r>
+              <a:rPr lang="es-MX" dirty="0" smtClean="0">
+                <a:ln w="0"/>
+                <a:effectLst>
+                  <a:outerShdw blurRad="38100" dist="19050" dir="2700000" algn="tl" rotWithShape="0">
+                    <a:schemeClr val="dk1">
+                      <a:alpha val="40000"/>
+                    </a:schemeClr>
+                  </a:outerShdw>
+                </a:effectLst>
+              </a:rPr>
+              <a:t> a objetos y</a:t>
+            </a:r>
+            <a:r>
+              <a:rPr lang="es-MX" dirty="0" smtClean="0">
+                <a:ln w="0"/>
+                <a:effectLst>
+                  <a:outerShdw blurRad="38100" dist="19050" dir="2700000" algn="tl" rotWithShape="0">
+                    <a:schemeClr val="dk1">
+                      <a:alpha val="40000"/>
+                    </a:schemeClr>
+                  </a:outerShdw>
+                </a:effectLst>
+              </a:rPr>
+              <a:t> Eventos)</a:t>
+            </a:r>
+            <a:endParaRPr lang="es-MX" dirty="0" smtClean="0">
+              <a:ln w="0"/>
+              <a:effectLst>
+                <a:outerShdw blurRad="38100" dist="19050" dir="2700000" algn="tl" rotWithShape="0">
+                  <a:schemeClr val="dk1">
+                    <a:alpha val="40000"/>
+                  </a:schemeClr>
+                </a:outerShdw>
+              </a:effectLst>
+            </a:endParaRPr>
+          </a:p>
+          <a:p>
+            <a:pPr algn="ctr"/>
+            <a:r>
+              <a:rPr lang="es-MX" dirty="0" smtClean="0">
+                <a:ln w="0"/>
+                <a:effectLst>
+                  <a:outerShdw blurRad="38100" dist="19050" dir="2700000" algn="tl" rotWithShape="0">
+                    <a:schemeClr val="dk1">
+                      <a:alpha val="40000"/>
+                    </a:schemeClr>
+                  </a:outerShdw>
+                </a:effectLst>
+              </a:rPr>
+              <a:t>Multiplataforma (Windows, Mac, Linux)</a:t>
+            </a:r>
+            <a:endParaRPr lang="es-MX" dirty="0" smtClean="0">
+              <a:ln w="0"/>
+              <a:effectLst>
+                <a:outerShdw blurRad="38100" dist="19050" dir="2700000" algn="tl" rotWithShape="0">
+                  <a:schemeClr val="dk1">
+                    <a:alpha val="40000"/>
+                  </a:schemeClr>
+                </a:outerShdw>
+              </a:effectLst>
+            </a:endParaRPr>
           </a:p>
         </p:txBody>
       </p:sp>
@@ -3155,7 +6102,7 @@
         </p:nvSpPr>
         <p:spPr>
           <a:xfrm>
-            <a:off x="4349261" y="427948"/>
+            <a:off x="8335107" y="506102"/>
             <a:ext cx="937847" cy="369332"/>
           </a:xfrm>
           <a:prstGeom prst="rect">
@@ -3185,7 +6132,7 @@
         </p:nvSpPr>
         <p:spPr>
           <a:xfrm>
-            <a:off x="4700954" y="814809"/>
+            <a:off x="7209692" y="1849958"/>
             <a:ext cx="2778369" cy="1200329"/>
           </a:xfrm>
           <a:prstGeom prst="rect">
@@ -3199,6 +6146,7 @@
           </a:bodyPr>
           <a:lstStyle/>
           <a:p>
+            <a:pPr algn="ctr"/>
             <a:r>
               <a:rPr lang="es-MX" dirty="0" smtClean="0"/>
               <a:t>Machine </a:t>
@@ -3210,19 +6158,21 @@
             <a:endParaRPr lang="es-MX" dirty="0" smtClean="0"/>
           </a:p>
           <a:p>
+            <a:pPr algn="ctr"/>
             <a:r>
               <a:rPr lang="es-MX" dirty="0" smtClean="0"/>
               <a:t>IA</a:t>
             </a:r>
-            <a:endParaRPr lang="es-MX" dirty="0" smtClean="0"/>
-          </a:p>
-          <a:p>
+          </a:p>
+          <a:p>
+            <a:pPr algn="ctr"/>
             <a:r>
               <a:rPr lang="es-MX" dirty="0" smtClean="0"/>
               <a:t>Desarrollo de sistemas</a:t>
             </a:r>
           </a:p>
           <a:p>
+            <a:pPr algn="ctr"/>
             <a:r>
               <a:rPr lang="es-MX" dirty="0" smtClean="0"/>
               <a:t>Procesos de datos</a:t>
@@ -3231,6 +6181,166 @@
           </a:p>
         </p:txBody>
       </p:sp>
+      <p:pic>
+        <p:nvPicPr>
+          <p:cNvPr id="1026" name="Picture 2" descr="Desarrollo de Aplicaciones Comerciales con Python y Kivy para Android, iOS,  Windows, Linux y MacOS"/>
+          <p:cNvPicPr>
+            <a:picLocks noChangeAspect="1" noChangeArrowheads="1"/>
+          </p:cNvPicPr>
+          <p:nvPr/>
+        </p:nvPicPr>
+        <p:blipFill rotWithShape="1">
+          <a:blip r:embed="rId2" cstate="print">
+            <a:extLst>
+              <a:ext uri="{28A0092B-C50C-407E-A947-70E740481C1C}">
+                <a14:useLocalDpi xmlns:a14="http://schemas.microsoft.com/office/drawing/2010/main" val="0"/>
+              </a:ext>
+            </a:extLst>
+          </a:blip>
+          <a:srcRect l="7578" t="18541" r="10755" b="5533"/>
+          <a:stretch/>
+        </p:blipFill>
+        <p:spPr bwMode="auto">
+          <a:xfrm>
+            <a:off x="257813" y="4064000"/>
+            <a:ext cx="3399882" cy="1778000"/>
+          </a:xfrm>
+          <a:prstGeom prst="rect">
+            <a:avLst/>
+          </a:prstGeom>
+          <a:noFill/>
+          <a:extLst>
+            <a:ext uri="{909E8E84-426E-40DD-AFC4-6F175D3DCCD1}">
+              <a14:hiddenFill xmlns:a14="http://schemas.microsoft.com/office/drawing/2010/main">
+                <a:solidFill>
+                  <a:srgbClr val="FFFFFF"/>
+                </a:solidFill>
+              </a14:hiddenFill>
+            </a:ext>
+          </a:extLst>
+        </p:spPr>
+      </p:pic>
+      <p:pic>
+        <p:nvPicPr>
+          <p:cNvPr id="1028" name="Picture 4" descr="Por qué Python está orientado a objetos? | TYC GIS Formación"/>
+          <p:cNvPicPr>
+            <a:picLocks noChangeAspect="1" noChangeArrowheads="1"/>
+          </p:cNvPicPr>
+          <p:nvPr/>
+        </p:nvPicPr>
+        <p:blipFill rotWithShape="1">
+          <a:blip r:embed="rId3" cstate="print">
+            <a:extLst>
+              <a:ext uri="{28A0092B-C50C-407E-A947-70E740481C1C}">
+                <a14:useLocalDpi xmlns:a14="http://schemas.microsoft.com/office/drawing/2010/main" val="0"/>
+              </a:ext>
+            </a:extLst>
+          </a:blip>
+          <a:srcRect l="4579" t="8519" r="5450" b="8852"/>
+          <a:stretch/>
+        </p:blipFill>
+        <p:spPr bwMode="auto">
+          <a:xfrm>
+            <a:off x="4101124" y="4064000"/>
+            <a:ext cx="2147276" cy="1704539"/>
+          </a:xfrm>
+          <a:prstGeom prst="rect">
+            <a:avLst/>
+          </a:prstGeom>
+          <a:noFill/>
+          <a:extLst>
+            <a:ext uri="{909E8E84-426E-40DD-AFC4-6F175D3DCCD1}">
+              <a14:hiddenFill xmlns:a14="http://schemas.microsoft.com/office/drawing/2010/main">
+                <a:solidFill>
+                  <a:srgbClr val="FFFFFF"/>
+                </a:solidFill>
+              </a14:hiddenFill>
+            </a:ext>
+          </a:extLst>
+        </p:spPr>
+      </p:pic>
+      <p:pic>
+        <p:nvPicPr>
+          <p:cNvPr id="1030" name="Picture 6" descr="Machine Learning and Deep Learning with Python | Zen Networks"/>
+          <p:cNvPicPr>
+            <a:picLocks noChangeAspect="1" noChangeArrowheads="1"/>
+          </p:cNvPicPr>
+          <p:nvPr/>
+        </p:nvPicPr>
+        <p:blipFill>
+          <a:blip r:embed="rId4">
+            <a:extLst>
+              <a:ext uri="{28A0092B-C50C-407E-A947-70E740481C1C}">
+                <a14:useLocalDpi xmlns:a14="http://schemas.microsoft.com/office/drawing/2010/main" val="0"/>
+              </a:ext>
+            </a:extLst>
+          </a:blip>
+          <a:srcRect/>
+          <a:stretch>
+            <a:fillRect/>
+          </a:stretch>
+        </p:blipFill>
+        <p:spPr bwMode="auto">
+          <a:xfrm>
+            <a:off x="7058757" y="3977838"/>
+            <a:ext cx="2552700" cy="1790701"/>
+          </a:xfrm>
+          <a:prstGeom prst="rect">
+            <a:avLst/>
+          </a:prstGeom>
+          <a:noFill/>
+          <a:extLst>
+            <a:ext uri="{909E8E84-426E-40DD-AFC4-6F175D3DCCD1}">
+              <a14:hiddenFill xmlns:a14="http://schemas.microsoft.com/office/drawing/2010/main">
+                <a:solidFill>
+                  <a:srgbClr val="FFFFFF"/>
+                </a:solidFill>
+              </a14:hiddenFill>
+            </a:ext>
+          </a:extLst>
+        </p:spPr>
+      </p:pic>
+      <p:pic>
+        <p:nvPicPr>
+          <p:cNvPr id="1032" name="Picture 8" descr="PyPro | Ciencia de Datos"/>
+          <p:cNvPicPr>
+            <a:picLocks noChangeAspect="1" noChangeArrowheads="1"/>
+          </p:cNvPicPr>
+          <p:nvPr/>
+        </p:nvPicPr>
+        <p:blipFill>
+          <a:blip r:embed="rId5" cstate="print">
+            <a:extLst>
+              <a:ext uri="{28A0092B-C50C-407E-A947-70E740481C1C}">
+                <a14:useLocalDpi xmlns:a14="http://schemas.microsoft.com/office/drawing/2010/main" val="0"/>
+              </a:ext>
+            </a:extLst>
+          </a:blip>
+          <a:srcRect/>
+          <a:stretch>
+            <a:fillRect/>
+          </a:stretch>
+        </p:blipFill>
+        <p:spPr bwMode="auto">
+          <a:xfrm>
+            <a:off x="9988061" y="3881315"/>
+            <a:ext cx="1960685" cy="1960685"/>
+          </a:xfrm>
+          <a:prstGeom prst="rect">
+            <a:avLst/>
+          </a:prstGeom>
+          <a:noFill/>
+          <a:extLst>
+            <a:ext uri="{909E8E84-426E-40DD-AFC4-6F175D3DCCD1}">
+              <a14:hiddenFill xmlns:a14="http://schemas.microsoft.com/office/drawing/2010/main">
+                <a:solidFill>
+                  <a:srgbClr val="FFFFFF"/>
+                </a:solidFill>
+              </a14:hiddenFill>
+            </a:ext>
+          </a:extLst>
+        </p:spPr>
+      </p:pic>
     </p:spTree>
     <p:extLst>
       <p:ext uri="{BB962C8B-B14F-4D97-AF65-F5344CB8AC3E}">
@@ -3241,6 +6351,13 @@
   <p:clrMapOvr>
     <a:masterClrMapping/>
   </p:clrMapOvr>
+  <p:timing>
+    <p:tnLst>
+      <p:par>
+        <p:cTn id="1" dur="indefinite" restart="never" nodeType="tmRoot"/>
+      </p:par>
+    </p:tnLst>
+  </p:timing>
 </p:sld>
 </file>
 
@@ -3269,8 +6386,8 @@
         </p:nvSpPr>
         <p:spPr>
           <a:xfrm>
-            <a:off x="2614246" y="2625969"/>
-            <a:ext cx="1652954" cy="1200329"/>
+            <a:off x="1544747" y="1583619"/>
+            <a:ext cx="2919046" cy="369332"/>
           </a:xfrm>
           <a:prstGeom prst="rect">
             <a:avLst/>
@@ -3291,10 +6408,6 @@
               <a:rPr lang="es-MX" dirty="0" err="1" smtClean="0"/>
               <a:t>Python</a:t>
             </a:r>
-            <a:r>
-              <a:rPr lang="es-MX" dirty="0" smtClean="0"/>
-              <a:t> . . . . . . . . . . . . . . . . . . . . . . . . .</a:t>
-            </a:r>
             <a:endParaRPr lang="es-MX" dirty="0"/>
           </a:p>
         </p:txBody>
@@ -3307,7 +6420,7 @@
         </p:nvSpPr>
         <p:spPr>
           <a:xfrm>
-            <a:off x="6240949" y="2625969"/>
+            <a:off x="6615110" y="1214287"/>
             <a:ext cx="3695948" cy="369332"/>
           </a:xfrm>
           <a:prstGeom prst="rect">
@@ -3328,6 +6441,77 @@
           </a:p>
         </p:txBody>
       </p:sp>
+      <p:pic>
+        <p:nvPicPr>
+          <p:cNvPr id="5" name="Imagen 4"/>
+          <p:cNvPicPr>
+            <a:picLocks noChangeAspect="1"/>
+          </p:cNvPicPr>
+          <p:nvPr/>
+        </p:nvPicPr>
+        <p:blipFill>
+          <a:blip r:embed="rId2">
+            <a:extLst>
+              <a:ext uri="{28A0092B-C50C-407E-A947-70E740481C1C}">
+                <a14:useLocalDpi xmlns:a14="http://schemas.microsoft.com/office/drawing/2010/main" val="0"/>
+              </a:ext>
+            </a:extLst>
+          </a:blip>
+          <a:stretch>
+            <a:fillRect/>
+          </a:stretch>
+        </p:blipFill>
+        <p:spPr>
+          <a:xfrm>
+            <a:off x="1077031" y="3434992"/>
+            <a:ext cx="3854478" cy="1089887"/>
+          </a:xfrm>
+          <a:prstGeom prst="rect">
+            <a:avLst/>
+          </a:prstGeom>
+        </p:spPr>
+      </p:pic>
+      <p:pic>
+        <p:nvPicPr>
+          <p:cNvPr id="2050" name="Picture 2" descr="▷ ¿Cómo instalar Python? - El Pythonista"/>
+          <p:cNvPicPr>
+            <a:picLocks noChangeAspect="1" noChangeArrowheads="1"/>
+          </p:cNvPicPr>
+          <p:nvPr/>
+        </p:nvPicPr>
+        <p:blipFill>
+          <a:blip r:embed="rId3">
+            <a:extLst>
+              <a:ext uri="{28A0092B-C50C-407E-A947-70E740481C1C}">
+                <a14:useLocalDpi xmlns:a14="http://schemas.microsoft.com/office/drawing/2010/main" val="0"/>
+              </a:ext>
+            </a:extLst>
+          </a:blip>
+          <a:srcRect/>
+          <a:stretch>
+            <a:fillRect/>
+          </a:stretch>
+        </p:blipFill>
+        <p:spPr bwMode="auto">
+          <a:xfrm>
+            <a:off x="5197475" y="1768285"/>
+            <a:ext cx="6343650" cy="3905251"/>
+          </a:xfrm>
+          <a:prstGeom prst="rect">
+            <a:avLst/>
+          </a:prstGeom>
+          <a:noFill/>
+          <a:extLst>
+            <a:ext uri="{909E8E84-426E-40DD-AFC4-6F175D3DCCD1}">
+              <a14:hiddenFill xmlns:a14="http://schemas.microsoft.com/office/drawing/2010/main">
+                <a:solidFill>
+                  <a:srgbClr val="FFFFFF"/>
+                </a:solidFill>
+              </a14:hiddenFill>
+            </a:ext>
+          </a:extLst>
+        </p:spPr>
+      </p:pic>
     </p:spTree>
     <p:extLst>
       <p:ext uri="{BB962C8B-B14F-4D97-AF65-F5344CB8AC3E}">
@@ -3338,6 +6522,13 @@
   <p:clrMapOvr>
     <a:masterClrMapping/>
   </p:clrMapOvr>
+  <p:timing>
+    <p:tnLst>
+      <p:par>
+        <p:cTn id="1" dur="indefinite" restart="never" nodeType="tmRoot"/>
+      </p:par>
+    </p:tnLst>
+  </p:timing>
 </p:sld>
 </file>
 
@@ -3366,8 +6557,8 @@
         </p:nvSpPr>
         <p:spPr>
           <a:xfrm>
-            <a:off x="2344615" y="316523"/>
-            <a:ext cx="2203939" cy="369332"/>
+            <a:off x="2909277" y="390769"/>
+            <a:ext cx="1154723" cy="369332"/>
           </a:xfrm>
           <a:prstGeom prst="rect">
             <a:avLst/>
@@ -3382,7 +6573,7 @@
           <a:p>
             <a:r>
               <a:rPr lang="es-MX" dirty="0" smtClean="0"/>
-              <a:t>Variables . .</a:t>
+              <a:t>Variables</a:t>
             </a:r>
             <a:endParaRPr lang="es-MX" dirty="0"/>
           </a:p>
@@ -3396,8 +6587,8 @@
         </p:nvSpPr>
         <p:spPr>
           <a:xfrm>
-            <a:off x="6940062" y="562708"/>
-            <a:ext cx="1383323" cy="646331"/>
+            <a:off x="7905262" y="390769"/>
+            <a:ext cx="1664676" cy="369332"/>
           </a:xfrm>
           <a:prstGeom prst="rect">
             <a:avLst/>
@@ -3412,7 +6603,7 @@
           <a:p>
             <a:r>
               <a:rPr lang="es-MX" dirty="0" smtClean="0"/>
-              <a:t>Control de flujo . . . .</a:t>
+              <a:t>Control de flujo</a:t>
             </a:r>
             <a:endParaRPr lang="es-MX" dirty="0"/>
           </a:p>
@@ -3426,8 +6617,8 @@
         </p:nvSpPr>
         <p:spPr>
           <a:xfrm>
-            <a:off x="2098431" y="1031631"/>
-            <a:ext cx="4595446" cy="2031325"/>
+            <a:off x="1800469" y="828718"/>
+            <a:ext cx="3372338" cy="2585323"/>
           </a:xfrm>
           <a:prstGeom prst="rect">
             <a:avLst/>
@@ -3440,18 +6631,21 @@
           </a:bodyPr>
           <a:lstStyle/>
           <a:p>
+            <a:pPr algn="ctr"/>
             <a:r>
               <a:rPr lang="es-MX" dirty="0" smtClean="0"/>
               <a:t>Texto o cadenas de caracteres</a:t>
             </a:r>
           </a:p>
           <a:p>
+            <a:pPr algn="ctr"/>
             <a:r>
               <a:rPr lang="es-MX" dirty="0" smtClean="0"/>
               <a:t>Numéricos entero</a:t>
             </a:r>
           </a:p>
           <a:p>
+            <a:pPr algn="ctr"/>
             <a:r>
               <a:rPr lang="es-MX" dirty="0" err="1" smtClean="0"/>
               <a:t>Numericos</a:t>
@@ -3460,21 +6654,23 @@
               <a:rPr lang="es-MX" dirty="0" smtClean="0"/>
               <a:t> decimales</a:t>
             </a:r>
-            <a:endParaRPr lang="es-MX" dirty="0" smtClean="0"/>
-          </a:p>
-          <a:p>
+          </a:p>
+          <a:p>
+            <a:pPr algn="ctr"/>
             <a:r>
               <a:rPr lang="es-MX" dirty="0" smtClean="0"/>
               <a:t>Booleanos ( verdadero o falso)</a:t>
             </a:r>
           </a:p>
           <a:p>
+            <a:pPr algn="ctr"/>
             <a:r>
               <a:rPr lang="es-MX" dirty="0" smtClean="0"/>
               <a:t>Listas o Arreglos</a:t>
             </a:r>
           </a:p>
           <a:p>
+            <a:pPr algn="ctr"/>
             <a:r>
               <a:rPr lang="es-MX" dirty="0" smtClean="0"/>
               <a:t>Objetos </a:t>
@@ -3484,15 +6680,243 @@
               <a:t>ó</a:t>
             </a:r>
             <a:r>
-              <a:rPr lang="es-MX" smtClean="0"/>
+              <a:rPr lang="es-MX" dirty="0" smtClean="0"/>
+              <a:t> Diccionarios</a:t>
+            </a:r>
+          </a:p>
+          <a:p>
+            <a:pPr algn="ctr"/>
+            <a:endParaRPr lang="es-MX" dirty="0"/>
+          </a:p>
+          <a:p>
+            <a:pPr algn="ctr"/>
+            <a:r>
+              <a:rPr lang="es-MX" dirty="0" smtClean="0"/>
+              <a:t>Operadores </a:t>
+            </a:r>
+            <a:r>
+              <a:rPr lang="es-MX" dirty="0" err="1" smtClean="0"/>
+              <a:t>logicos</a:t>
+            </a:r>
+            <a:endParaRPr lang="es-MX" dirty="0" smtClean="0"/>
+          </a:p>
+          <a:p>
+            <a:pPr algn="ctr"/>
+            <a:endParaRPr lang="es-MX" dirty="0"/>
+          </a:p>
+        </p:txBody>
+      </p:sp>
+      <p:sp>
+        <p:nvSpPr>
+          <p:cNvPr id="5" name="CuadroTexto 4"/>
+          <p:cNvSpPr txBox="1"/>
+          <p:nvPr/>
+        </p:nvSpPr>
+        <p:spPr>
+          <a:xfrm>
+            <a:off x="6713416" y="984739"/>
+            <a:ext cx="4439138" cy="369332"/>
+          </a:xfrm>
+          <a:prstGeom prst="rect">
+            <a:avLst/>
+          </a:prstGeom>
+          <a:noFill/>
+        </p:spPr>
+        <p:txBody>
+          <a:bodyPr wrap="square" rtlCol="0">
+            <a:spAutoFit/>
+          </a:bodyPr>
+          <a:lstStyle/>
+          <a:p>
+            <a:r>
+              <a:rPr lang="es-MX" dirty="0" smtClean="0"/>
+              <a:t>Son considerados Bucles, ciclos o secuencias</a:t>
+            </a:r>
+            <a:endParaRPr lang="es-MX" dirty="0"/>
+          </a:p>
+        </p:txBody>
+      </p:sp>
+      <p:pic>
+        <p:nvPicPr>
+          <p:cNvPr id="3076" name="Picture 4" descr="Data Types in Python. Determining variable type | by Dhirendra Patil |  Analytics Vidhya | Medium"/>
+          <p:cNvPicPr>
+            <a:picLocks noChangeAspect="1" noChangeArrowheads="1"/>
+          </p:cNvPicPr>
+          <p:nvPr/>
+        </p:nvPicPr>
+        <p:blipFill>
+          <a:blip r:embed="rId2">
+            <a:extLst>
+              <a:ext uri="{28A0092B-C50C-407E-A947-70E740481C1C}">
+                <a14:useLocalDpi xmlns:a14="http://schemas.microsoft.com/office/drawing/2010/main" val="0"/>
+              </a:ext>
+            </a:extLst>
+          </a:blip>
+          <a:srcRect/>
+          <a:stretch>
+            <a:fillRect/>
+          </a:stretch>
+        </p:blipFill>
+        <p:spPr bwMode="auto">
+          <a:xfrm>
+            <a:off x="1439862" y="3177858"/>
+            <a:ext cx="4370387" cy="3366099"/>
+          </a:xfrm>
+          <a:prstGeom prst="rect">
+            <a:avLst/>
+          </a:prstGeom>
+          <a:noFill/>
+          <a:extLst>
+            <a:ext uri="{909E8E84-426E-40DD-AFC4-6F175D3DCCD1}">
+              <a14:hiddenFill xmlns:a14="http://schemas.microsoft.com/office/drawing/2010/main">
+                <a:solidFill>
+                  <a:srgbClr val="FFFFFF"/>
+                </a:solidFill>
+              </a14:hiddenFill>
+            </a:ext>
+          </a:extLst>
+        </p:spPr>
+      </p:pic>
+      <p:sp>
+        <p:nvSpPr>
+          <p:cNvPr id="8" name="AutoShape 10" descr="Como hacer bucles en Python - Python"/>
+          <p:cNvSpPr>
+            <a:spLocks noChangeAspect="1" noChangeArrowheads="1"/>
+          </p:cNvSpPr>
+          <p:nvPr/>
+        </p:nvSpPr>
+        <p:spPr bwMode="auto">
+          <a:xfrm>
+            <a:off x="9417537" y="3922712"/>
+            <a:ext cx="3450737" cy="3450748"/>
+          </a:xfrm>
+          <a:prstGeom prst="rect">
+            <a:avLst/>
+          </a:prstGeom>
+          <a:noFill/>
+          <a:extLst>
+            <a:ext uri="{909E8E84-426E-40DD-AFC4-6F175D3DCCD1}">
+              <a14:hiddenFill xmlns:a14="http://schemas.microsoft.com/office/drawing/2010/main">
+                <a:solidFill>
+                  <a:srgbClr val="FFFFFF"/>
+                </a:solidFill>
+              </a14:hiddenFill>
+            </a:ext>
+          </a:extLst>
+        </p:spPr>
+        <p:txBody>
+          <a:bodyPr vert="horz" wrap="square" lIns="91440" tIns="45720" rIns="91440" bIns="45720" numCol="1" anchor="t" anchorCtr="0" compatLnSpc="1">
+            <a:prstTxWarp prst="textNoShape">
+              <a:avLst/>
+            </a:prstTxWarp>
+          </a:bodyPr>
+          <a:lstStyle/>
+          <a:p>
+            <a:endParaRPr lang="es-MX"/>
+          </a:p>
+        </p:txBody>
+      </p:sp>
+      <p:pic>
+        <p:nvPicPr>
+          <p:cNvPr id="3086" name="Picture 14" descr="▷ Usar la shell de Python (REPL Python) - El Pythonista"/>
+          <p:cNvPicPr>
+            <a:picLocks noChangeAspect="1" noChangeArrowheads="1"/>
+          </p:cNvPicPr>
+          <p:nvPr/>
+        </p:nvPicPr>
+        <p:blipFill rotWithShape="1">
+          <a:blip r:embed="rId3" cstate="print">
+            <a:extLst>
+              <a:ext uri="{28A0092B-C50C-407E-A947-70E740481C1C}">
+                <a14:useLocalDpi xmlns:a14="http://schemas.microsoft.com/office/drawing/2010/main" val="0"/>
+              </a:ext>
+            </a:extLst>
+          </a:blip>
+          <a:srcRect l="20657" t="4255" r="19263" b="7279"/>
+          <a:stretch/>
+        </p:blipFill>
+        <p:spPr bwMode="auto">
+          <a:xfrm>
+            <a:off x="7201240" y="1578709"/>
+            <a:ext cx="3463489" cy="2868702"/>
+          </a:xfrm>
+          <a:prstGeom prst="rect">
+            <a:avLst/>
+          </a:prstGeom>
+          <a:noFill/>
+          <a:extLst>
+            <a:ext uri="{909E8E84-426E-40DD-AFC4-6F175D3DCCD1}">
+              <a14:hiddenFill xmlns:a14="http://schemas.microsoft.com/office/drawing/2010/main">
+                <a:solidFill>
+                  <a:srgbClr val="FFFFFF"/>
+                </a:solidFill>
+              </a14:hiddenFill>
+            </a:ext>
+          </a:extLst>
+        </p:spPr>
+      </p:pic>
+      <p:sp>
+        <p:nvSpPr>
+          <p:cNvPr id="13" name="CuadroTexto 12"/>
+          <p:cNvSpPr txBox="1"/>
+          <p:nvPr/>
+        </p:nvSpPr>
+        <p:spPr>
+          <a:xfrm>
+            <a:off x="7758444" y="4964551"/>
+            <a:ext cx="3069213" cy="369332"/>
+          </a:xfrm>
+          <a:prstGeom prst="rect">
+            <a:avLst/>
+          </a:prstGeom>
+          <a:noFill/>
+        </p:spPr>
+        <p:txBody>
+          <a:bodyPr wrap="square" rtlCol="0">
+            <a:spAutoFit/>
+          </a:bodyPr>
+          <a:lstStyle/>
+          <a:p>
+            <a:r>
+              <a:rPr lang="es-MX" dirty="0" err="1" smtClean="0"/>
+              <a:t>If</a:t>
+            </a:r>
+            <a:r>
+              <a:rPr lang="es-MX" dirty="0" smtClean="0"/>
+              <a:t> , </a:t>
+            </a:r>
+            <a:r>
+              <a:rPr lang="es-MX" dirty="0" err="1" smtClean="0"/>
+              <a:t>elif</a:t>
+            </a:r>
+            <a:r>
+              <a:rPr lang="es-MX" dirty="0" smtClean="0"/>
               <a:t> </a:t>
             </a:r>
             <a:r>
+              <a:rPr lang="es-MX" dirty="0" err="1" smtClean="0"/>
+              <a:t>else</a:t>
+            </a:r>
+            <a:r>
               <a:rPr lang="es-MX" dirty="0" smtClean="0"/>
-              <a:t>Diccionarios</a:t>
-            </a:r>
-          </a:p>
-          <a:p>
+              <a:t>, </a:t>
+            </a:r>
+            <a:r>
+              <a:rPr lang="es-MX" dirty="0" err="1" smtClean="0"/>
+              <a:t>while</a:t>
+            </a:r>
+            <a:r>
+              <a:rPr lang="es-MX" dirty="0" smtClean="0"/>
+              <a:t>, </a:t>
+            </a:r>
+            <a:r>
+              <a:rPr lang="es-MX" dirty="0" err="1" smtClean="0"/>
+              <a:t>for</a:t>
+            </a:r>
+            <a:r>
+              <a:rPr lang="es-MX" dirty="0" smtClean="0"/>
+              <a:t>, match</a:t>
+            </a:r>
             <a:endParaRPr lang="es-MX" dirty="0"/>
           </a:p>
         </p:txBody>
@@ -3507,6 +6931,13 @@
   <p:clrMapOvr>
     <a:masterClrMapping/>
   </p:clrMapOvr>
+  <p:timing>
+    <p:tnLst>
+      <p:par>
+        <p:cTn id="1" dur="indefinite" restart="never" nodeType="tmRoot"/>
+      </p:par>
+    </p:tnLst>
+  </p:timing>
 </p:sld>
 </file>
 
@@ -3535,7 +6966,7 @@
         </p:nvSpPr>
         <p:spPr>
           <a:xfrm>
-            <a:off x="2110154" y="902677"/>
+            <a:off x="2383692" y="491255"/>
             <a:ext cx="1289538" cy="369332"/>
           </a:xfrm>
           <a:prstGeom prst="rect">
@@ -3551,7 +6982,7 @@
           <a:p>
             <a:r>
               <a:rPr lang="es-MX" dirty="0" smtClean="0"/>
-              <a:t>Funciones .</a:t>
+              <a:t>Funciones</a:t>
             </a:r>
             <a:endParaRPr lang="es-MX" dirty="0"/>
           </a:p>
@@ -3565,7 +6996,7 @@
         </p:nvSpPr>
         <p:spPr>
           <a:xfrm>
-            <a:off x="6459416" y="441012"/>
+            <a:off x="7592647" y="2580866"/>
             <a:ext cx="2790092" cy="369332"/>
           </a:xfrm>
           <a:prstGeom prst="rect">
@@ -3591,6 +7022,86 @@
           </a:p>
         </p:txBody>
       </p:sp>
+      <p:pic>
+        <p:nvPicPr>
+          <p:cNvPr id="5122" name="Picture 2" descr="funciones en python – PROGRAMACION"/>
+          <p:cNvPicPr>
+            <a:picLocks noChangeAspect="1" noChangeArrowheads="1"/>
+          </p:cNvPicPr>
+          <p:nvPr/>
+        </p:nvPicPr>
+        <p:blipFill>
+          <a:blip r:embed="rId2">
+            <a:extLst>
+              <a:ext uri="{28A0092B-C50C-407E-A947-70E740481C1C}">
+                <a14:useLocalDpi xmlns:a14="http://schemas.microsoft.com/office/drawing/2010/main" val="0"/>
+              </a:ext>
+            </a:extLst>
+          </a:blip>
+          <a:srcRect/>
+          <a:stretch>
+            <a:fillRect/>
+          </a:stretch>
+        </p:blipFill>
+        <p:spPr bwMode="auto">
+          <a:xfrm>
+            <a:off x="735785" y="1100259"/>
+            <a:ext cx="4516152" cy="2419717"/>
+          </a:xfrm>
+          <a:prstGeom prst="rect">
+            <a:avLst/>
+          </a:prstGeom>
+          <a:noFill/>
+          <a:extLst>
+            <a:ext uri="{909E8E84-426E-40DD-AFC4-6F175D3DCCD1}">
+              <a14:hiddenFill xmlns:a14="http://schemas.microsoft.com/office/drawing/2010/main">
+                <a:solidFill>
+                  <a:srgbClr val="FFFFFF"/>
+                </a:solidFill>
+              </a14:hiddenFill>
+            </a:ext>
+          </a:extLst>
+        </p:spPr>
+      </p:pic>
+      <p:pic>
+        <p:nvPicPr>
+          <p:cNvPr id="5124" name="Picture 4" descr="Variables y tipos de datos básicos en Python"/>
+          <p:cNvPicPr>
+            <a:picLocks noChangeAspect="1" noChangeArrowheads="1"/>
+          </p:cNvPicPr>
+          <p:nvPr/>
+        </p:nvPicPr>
+        <p:blipFill rotWithShape="1">
+          <a:blip r:embed="rId3">
+            <a:extLst>
+              <a:ext uri="{28A0092B-C50C-407E-A947-70E740481C1C}">
+                <a14:useLocalDpi xmlns:a14="http://schemas.microsoft.com/office/drawing/2010/main" val="0"/>
+              </a:ext>
+            </a:extLst>
+          </a:blip>
+          <a:srcRect l="4169" t="18129" r="3245" b="17700"/>
+          <a:stretch/>
+        </p:blipFill>
+        <p:spPr bwMode="auto">
+          <a:xfrm>
+            <a:off x="5251937" y="3774830"/>
+            <a:ext cx="6607880" cy="2774461"/>
+          </a:xfrm>
+          <a:prstGeom prst="rect">
+            <a:avLst/>
+          </a:prstGeom>
+          <a:noFill/>
+          <a:extLst>
+            <a:ext uri="{909E8E84-426E-40DD-AFC4-6F175D3DCCD1}">
+              <a14:hiddenFill xmlns:a14="http://schemas.microsoft.com/office/drawing/2010/main">
+                <a:solidFill>
+                  <a:srgbClr val="FFFFFF"/>
+                </a:solidFill>
+              </a14:hiddenFill>
+            </a:ext>
+          </a:extLst>
+        </p:spPr>
+      </p:pic>
     </p:spTree>
     <p:extLst>
       <p:ext uri="{BB962C8B-B14F-4D97-AF65-F5344CB8AC3E}">
@@ -3601,6 +7112,13 @@
   <p:clrMapOvr>
     <a:masterClrMapping/>
   </p:clrMapOvr>
+  <p:timing>
+    <p:tnLst>
+      <p:par>
+        <p:cTn id="1" dur="indefinite" restart="never" nodeType="tmRoot"/>
+      </p:par>
+    </p:tnLst>
+  </p:timing>
 </p:sld>
 </file>
 
@@ -3629,7 +7147,7 @@
         </p:nvSpPr>
         <p:spPr>
           <a:xfrm>
-            <a:off x="1840523" y="703385"/>
+            <a:off x="1754554" y="275332"/>
             <a:ext cx="3317631" cy="369332"/>
           </a:xfrm>
           <a:prstGeom prst="rect">
@@ -3663,7 +7181,7 @@
         </p:nvSpPr>
         <p:spPr>
           <a:xfrm>
-            <a:off x="7326923" y="890954"/>
+            <a:off x="7580924" y="275332"/>
             <a:ext cx="3305908" cy="369332"/>
           </a:xfrm>
           <a:prstGeom prst="rect">
@@ -3684,6 +7202,304 @@
             <a:r>
               <a:rPr lang="es-MX" dirty="0" smtClean="0"/>
               <a:t> como lenguaje funcional</a:t>
+            </a:r>
+            <a:endParaRPr lang="es-MX" dirty="0"/>
+          </a:p>
+        </p:txBody>
+      </p:sp>
+      <p:sp>
+        <p:nvSpPr>
+          <p:cNvPr id="5" name="CuadroTexto 4"/>
+          <p:cNvSpPr txBox="1"/>
+          <p:nvPr/>
+        </p:nvSpPr>
+        <p:spPr>
+          <a:xfrm>
+            <a:off x="1397000" y="3007919"/>
+            <a:ext cx="4032738" cy="923330"/>
+          </a:xfrm>
+          <a:prstGeom prst="rect">
+            <a:avLst/>
+          </a:prstGeom>
+          <a:noFill/>
+        </p:spPr>
+        <p:txBody>
+          <a:bodyPr wrap="square" rtlCol="0">
+            <a:spAutoFit/>
+          </a:bodyPr>
+          <a:lstStyle/>
+          <a:p>
+            <a:pPr algn="ctr"/>
+            <a:r>
+              <a:rPr lang="es-MX" dirty="0" smtClean="0"/>
+              <a:t>Polimorfismo</a:t>
+            </a:r>
+          </a:p>
+          <a:p>
+            <a:pPr algn="ctr"/>
+            <a:r>
+              <a:rPr lang="es-MX" dirty="0" smtClean="0"/>
+              <a:t>Su sinónimo es “enlace dinámico”</a:t>
+            </a:r>
+          </a:p>
+          <a:p>
+            <a:pPr algn="ctr"/>
+            <a:endParaRPr lang="es-MX" dirty="0"/>
+          </a:p>
+        </p:txBody>
+      </p:sp>
+      <p:sp>
+        <p:nvSpPr>
+          <p:cNvPr id="6" name="CuadroTexto 5"/>
+          <p:cNvSpPr txBox="1"/>
+          <p:nvPr/>
+        </p:nvSpPr>
+        <p:spPr>
+          <a:xfrm>
+            <a:off x="2571261" y="835468"/>
+            <a:ext cx="1684216" cy="923330"/>
+          </a:xfrm>
+          <a:prstGeom prst="rect">
+            <a:avLst/>
+          </a:prstGeom>
+          <a:noFill/>
+        </p:spPr>
+        <p:txBody>
+          <a:bodyPr wrap="square" rtlCol="0">
+            <a:spAutoFit/>
+          </a:bodyPr>
+          <a:lstStyle/>
+          <a:p>
+            <a:pPr algn="ctr"/>
+            <a:r>
+              <a:rPr lang="es-MX" dirty="0" smtClean="0"/>
+              <a:t>Encapsulación</a:t>
+            </a:r>
+          </a:p>
+          <a:p>
+            <a:pPr algn="ctr"/>
+            <a:r>
+              <a:rPr lang="es-MX" dirty="0" smtClean="0"/>
+              <a:t>__</a:t>
+            </a:r>
+            <a:r>
+              <a:rPr lang="es-MX" dirty="0" err="1" smtClean="0"/>
+              <a:t>init</a:t>
+            </a:r>
+            <a:r>
+              <a:rPr lang="es-MX" dirty="0" smtClean="0"/>
+              <a:t>__</a:t>
+            </a:r>
+          </a:p>
+          <a:p>
+            <a:pPr algn="ctr"/>
+            <a:r>
+              <a:rPr lang="es-MX" dirty="0" smtClean="0"/>
+              <a:t>__del__</a:t>
+            </a:r>
+            <a:endParaRPr lang="es-MX" dirty="0"/>
+          </a:p>
+        </p:txBody>
+      </p:sp>
+      <p:sp>
+        <p:nvSpPr>
+          <p:cNvPr id="7" name="CuadroTexto 6"/>
+          <p:cNvSpPr txBox="1"/>
+          <p:nvPr/>
+        </p:nvSpPr>
+        <p:spPr>
+          <a:xfrm>
+            <a:off x="7420709" y="1528582"/>
+            <a:ext cx="3626338" cy="1477328"/>
+          </a:xfrm>
+          <a:prstGeom prst="rect">
+            <a:avLst/>
+          </a:prstGeom>
+          <a:noFill/>
+        </p:spPr>
+        <p:txBody>
+          <a:bodyPr wrap="square" rtlCol="0">
+            <a:spAutoFit/>
+          </a:bodyPr>
+          <a:lstStyle/>
+          <a:p>
+            <a:r>
+              <a:rPr lang="es-MX" dirty="0" smtClean="0"/>
+              <a:t>Consiste en guardar una función en una variable, para posteriormente aplicarla sobre unos argumentos, permitiendo incluso que una función retorne otra función como salida</a:t>
+            </a:r>
+            <a:endParaRPr lang="es-MX" dirty="0"/>
+          </a:p>
+        </p:txBody>
+      </p:sp>
+      <p:sp>
+        <p:nvSpPr>
+          <p:cNvPr id="8" name="CuadroTexto 7"/>
+          <p:cNvSpPr txBox="1"/>
+          <p:nvPr/>
+        </p:nvSpPr>
+        <p:spPr>
+          <a:xfrm>
+            <a:off x="7104185" y="3962400"/>
+            <a:ext cx="2571261" cy="369332"/>
+          </a:xfrm>
+          <a:prstGeom prst="rect">
+            <a:avLst/>
+          </a:prstGeom>
+          <a:noFill/>
+        </p:spPr>
+        <p:txBody>
+          <a:bodyPr wrap="square" rtlCol="0">
+            <a:spAutoFit/>
+          </a:bodyPr>
+          <a:lstStyle/>
+          <a:p>
+            <a:r>
+              <a:rPr lang="es-MX" dirty="0" err="1" smtClean="0"/>
+              <a:t>map</a:t>
+            </a:r>
+            <a:r>
+              <a:rPr lang="es-MX" dirty="0" smtClean="0"/>
+              <a:t>, </a:t>
+            </a:r>
+            <a:r>
+              <a:rPr lang="es-MX" dirty="0" err="1" smtClean="0"/>
+              <a:t>filter</a:t>
+            </a:r>
+            <a:r>
+              <a:rPr lang="es-MX" dirty="0" smtClean="0"/>
+              <a:t> y reduce</a:t>
+            </a:r>
+            <a:endParaRPr lang="es-MX" dirty="0"/>
+          </a:p>
+        </p:txBody>
+      </p:sp>
+      <p:sp>
+        <p:nvSpPr>
+          <p:cNvPr id="9" name="CuadroTexto 8"/>
+          <p:cNvSpPr txBox="1"/>
+          <p:nvPr/>
+        </p:nvSpPr>
+        <p:spPr>
+          <a:xfrm>
+            <a:off x="5052646" y="4697047"/>
+            <a:ext cx="4103077" cy="2031325"/>
+          </a:xfrm>
+          <a:prstGeom prst="rect">
+            <a:avLst/>
+          </a:prstGeom>
+          <a:noFill/>
+        </p:spPr>
+        <p:txBody>
+          <a:bodyPr wrap="square" rtlCol="0">
+            <a:spAutoFit/>
+          </a:bodyPr>
+          <a:lstStyle/>
+          <a:p>
+            <a:pPr algn="ctr"/>
+            <a:r>
+              <a:rPr lang="es-MX" dirty="0" smtClean="0"/>
+              <a:t>Funciones </a:t>
+            </a:r>
+            <a:r>
+              <a:rPr lang="es-MX" dirty="0" smtClean="0"/>
+              <a:t>lambda</a:t>
+            </a:r>
+          </a:p>
+          <a:p>
+            <a:pPr algn="ctr"/>
+            <a:r>
+              <a:rPr lang="es-MX" dirty="0"/>
+              <a:t>(Paradigma Funcional</a:t>
+            </a:r>
+            <a:r>
+              <a:rPr lang="es-MX" dirty="0" smtClean="0"/>
+              <a:t>),</a:t>
+            </a:r>
+          </a:p>
+          <a:p>
+            <a:pPr algn="ctr"/>
+            <a:r>
+              <a:rPr lang="es-MX" dirty="0" err="1"/>
+              <a:t>numeros</a:t>
+            </a:r>
+            <a:r>
+              <a:rPr lang="es-MX" dirty="0"/>
+              <a:t> = [1, 2, 3, 4]</a:t>
+            </a:r>
+          </a:p>
+          <a:p>
+            <a:pPr algn="ctr"/>
+            <a:r>
+              <a:rPr lang="es-MX" dirty="0"/>
+              <a:t>cuadrados = </a:t>
+            </a:r>
+            <a:r>
+              <a:rPr lang="es-MX" dirty="0" err="1"/>
+              <a:t>list</a:t>
+            </a:r>
+            <a:r>
+              <a:rPr lang="es-MX" dirty="0"/>
+              <a:t>(</a:t>
+            </a:r>
+            <a:r>
+              <a:rPr lang="es-MX" dirty="0" err="1"/>
+              <a:t>map</a:t>
+            </a:r>
+            <a:r>
+              <a:rPr lang="es-MX" dirty="0"/>
+              <a:t>(lambda x: x**2, </a:t>
+            </a:r>
+            <a:r>
+              <a:rPr lang="es-MX" dirty="0" err="1"/>
+              <a:t>numeros</a:t>
+            </a:r>
+            <a:r>
+              <a:rPr lang="es-MX" dirty="0"/>
+              <a:t>))</a:t>
+            </a:r>
+          </a:p>
+          <a:p>
+            <a:pPr algn="ctr"/>
+            <a:r>
+              <a:rPr lang="es-MX" dirty="0" err="1"/>
+              <a:t>print</a:t>
+            </a:r>
+            <a:r>
+              <a:rPr lang="es-MX" dirty="0"/>
+              <a:t>(cuadrados)  # [1, 4, 9, 16]</a:t>
+            </a:r>
+          </a:p>
+          <a:p>
+            <a:pPr algn="ctr"/>
+            <a:endParaRPr lang="es-MX" dirty="0"/>
+          </a:p>
+        </p:txBody>
+      </p:sp>
+      <p:sp>
+        <p:nvSpPr>
+          <p:cNvPr id="10" name="CuadroTexto 9"/>
+          <p:cNvSpPr txBox="1"/>
+          <p:nvPr/>
+        </p:nvSpPr>
+        <p:spPr>
+          <a:xfrm>
+            <a:off x="9495693" y="4767385"/>
+            <a:ext cx="2282092" cy="369332"/>
+          </a:xfrm>
+          <a:prstGeom prst="rect">
+            <a:avLst/>
+          </a:prstGeom>
+          <a:noFill/>
+        </p:spPr>
+        <p:txBody>
+          <a:bodyPr wrap="square" rtlCol="0">
+            <a:spAutoFit/>
+          </a:bodyPr>
+          <a:lstStyle/>
+          <a:p>
+            <a:r>
+              <a:rPr lang="es-MX" dirty="0" smtClean="0"/>
+              <a:t>Comprensión de listas</a:t>
             </a:r>
             <a:endParaRPr lang="es-MX" dirty="0"/>
           </a:p>
@@ -3699,6 +7515,13 @@
   <p:clrMapOvr>
     <a:masterClrMapping/>
   </p:clrMapOvr>
+  <p:timing>
+    <p:tnLst>
+      <p:par>
+        <p:cTn id="1" dur="indefinite" restart="never" nodeType="tmRoot"/>
+      </p:par>
+    </p:tnLst>
+  </p:timing>
 </p:sld>
 </file>
 
@@ -3727,7 +7550,7 @@
         </p:nvSpPr>
         <p:spPr>
           <a:xfrm>
-            <a:off x="855785" y="468923"/>
+            <a:off x="4876800" y="155084"/>
             <a:ext cx="3106615" cy="369332"/>
           </a:xfrm>
           <a:prstGeom prst="rect">
@@ -3769,6 +7592,390 @@
           </a:p>
         </p:txBody>
       </p:sp>
+      <p:sp>
+        <p:nvSpPr>
+          <p:cNvPr id="3" name="CuadroTexto 2"/>
+          <p:cNvSpPr txBox="1"/>
+          <p:nvPr/>
+        </p:nvSpPr>
+        <p:spPr>
+          <a:xfrm>
+            <a:off x="171939" y="812862"/>
+            <a:ext cx="8096738" cy="1477328"/>
+          </a:xfrm>
+          <a:prstGeom prst="rect">
+            <a:avLst/>
+          </a:prstGeom>
+          <a:noFill/>
+        </p:spPr>
+        <p:txBody>
+          <a:bodyPr wrap="square" rtlCol="0">
+            <a:spAutoFit/>
+          </a:bodyPr>
+          <a:lstStyle/>
+          <a:p>
+            <a:r>
+              <a:rPr lang="es-MX" dirty="0" err="1" smtClean="0"/>
+              <a:t>NumPy</a:t>
+            </a:r>
+            <a:r>
+              <a:rPr lang="es-MX" dirty="0" smtClean="0"/>
+              <a:t> nos permite trabajar con datos científicos, equiparando en cierta forma el potencial de </a:t>
+            </a:r>
+            <a:r>
+              <a:rPr lang="es-MX" dirty="0" err="1" smtClean="0"/>
+              <a:t>Python</a:t>
+            </a:r>
+            <a:r>
+              <a:rPr lang="es-MX" dirty="0" smtClean="0"/>
+              <a:t> al de otros lenguajes como </a:t>
+            </a:r>
+            <a:r>
+              <a:rPr lang="es-MX" dirty="0" err="1" smtClean="0"/>
+              <a:t>Matlab</a:t>
+            </a:r>
+            <a:r>
+              <a:rPr lang="es-MX" dirty="0" smtClean="0"/>
+              <a:t> o </a:t>
+            </a:r>
+            <a:r>
+              <a:rPr lang="es-MX" dirty="0" err="1" smtClean="0"/>
+              <a:t>Octave</a:t>
+            </a:r>
+            <a:r>
+              <a:rPr lang="es-MX" dirty="0" smtClean="0"/>
+              <a:t>. Se centra básicamente en el tratamiento de matrices y </a:t>
+            </a:r>
+            <a:r>
+              <a:rPr lang="es-MX" dirty="0" err="1" smtClean="0"/>
+              <a:t>arrays</a:t>
+            </a:r>
+            <a:r>
+              <a:rPr lang="es-MX" dirty="0" smtClean="0"/>
+              <a:t> N-dimensionales, y en un conjunto de funcionalidades de álgebra lineal y tratamiento de la señal aplicada al análisis científico</a:t>
+            </a:r>
+            <a:endParaRPr lang="es-MX" dirty="0"/>
+          </a:p>
+        </p:txBody>
+      </p:sp>
+      <p:sp>
+        <p:nvSpPr>
+          <p:cNvPr id="4" name="CuadroTexto 3"/>
+          <p:cNvSpPr txBox="1"/>
+          <p:nvPr/>
+        </p:nvSpPr>
+        <p:spPr>
+          <a:xfrm>
+            <a:off x="6854093" y="2781750"/>
+            <a:ext cx="5337907" cy="1200329"/>
+          </a:xfrm>
+          <a:prstGeom prst="rect">
+            <a:avLst/>
+          </a:prstGeom>
+          <a:noFill/>
+        </p:spPr>
+        <p:txBody>
+          <a:bodyPr wrap="square" rtlCol="0">
+            <a:spAutoFit/>
+          </a:bodyPr>
+          <a:lstStyle/>
+          <a:p>
+            <a:r>
+              <a:rPr lang="es-MX" dirty="0" err="1" smtClean="0"/>
+              <a:t>PyLab</a:t>
+            </a:r>
+            <a:r>
+              <a:rPr lang="es-MX" dirty="0" smtClean="0"/>
+              <a:t> es una librería que intenta aportar funcionalidades extra a </a:t>
+            </a:r>
+            <a:r>
+              <a:rPr lang="es-MX" dirty="0" err="1" smtClean="0"/>
+              <a:t>NumPy</a:t>
+            </a:r>
+            <a:r>
+              <a:rPr lang="es-MX" dirty="0" smtClean="0"/>
+              <a:t> integrando gran parte de las funciones </a:t>
+            </a:r>
+            <a:r>
+              <a:rPr lang="es-MX" dirty="0" err="1" smtClean="0"/>
+              <a:t>Matlab</a:t>
+            </a:r>
+            <a:r>
+              <a:rPr lang="es-MX" dirty="0" smtClean="0"/>
+              <a:t> que se han usado históricamente en entornos de machine </a:t>
+            </a:r>
+            <a:r>
+              <a:rPr lang="es-MX" dirty="0" err="1" smtClean="0"/>
+              <a:t>learning</a:t>
+            </a:r>
+            <a:r>
+              <a:rPr lang="es-MX" dirty="0" smtClean="0"/>
+              <a:t>. </a:t>
+            </a:r>
+            <a:endParaRPr lang="es-MX" dirty="0"/>
+          </a:p>
+        </p:txBody>
+      </p:sp>
+      <p:sp>
+        <p:nvSpPr>
+          <p:cNvPr id="5" name="CuadroTexto 4"/>
+          <p:cNvSpPr txBox="1"/>
+          <p:nvPr/>
+        </p:nvSpPr>
+        <p:spPr>
+          <a:xfrm>
+            <a:off x="107462" y="4986216"/>
+            <a:ext cx="6322645" cy="1200329"/>
+          </a:xfrm>
+          <a:prstGeom prst="rect">
+            <a:avLst/>
+          </a:prstGeom>
+          <a:noFill/>
+        </p:spPr>
+        <p:txBody>
+          <a:bodyPr wrap="square" rtlCol="0">
+            <a:spAutoFit/>
+          </a:bodyPr>
+          <a:lstStyle/>
+          <a:p>
+            <a:r>
+              <a:rPr lang="es-MX" dirty="0" err="1" smtClean="0"/>
+              <a:t>SciPy</a:t>
+            </a:r>
+            <a:r>
+              <a:rPr lang="es-MX" dirty="0" smtClean="0"/>
+              <a:t> es una expansión de </a:t>
+            </a:r>
+            <a:r>
+              <a:rPr lang="es-MX" dirty="0" err="1" smtClean="0"/>
+              <a:t>NumPy</a:t>
+            </a:r>
+            <a:r>
+              <a:rPr lang="es-MX" dirty="0" smtClean="0"/>
+              <a:t>, que integra nuevos paquetes para el tratamiento científico de datos. Integra gran cantidad de funciones de procesamiento de imágenes, procesado de la señal, estadística, integración numérica.</a:t>
+            </a:r>
+            <a:endParaRPr lang="es-MX" dirty="0"/>
+          </a:p>
+        </p:txBody>
+      </p:sp>
+      <p:pic>
+        <p:nvPicPr>
+          <p:cNvPr id="4098" name="Picture 2" descr="La librería Numpy | Aprende con Alf"/>
+          <p:cNvPicPr>
+            <a:picLocks noChangeAspect="1" noChangeArrowheads="1"/>
+          </p:cNvPicPr>
+          <p:nvPr/>
+        </p:nvPicPr>
+        <p:blipFill>
+          <a:blip r:embed="rId2">
+            <a:extLst>
+              <a:ext uri="{28A0092B-C50C-407E-A947-70E740481C1C}">
+                <a14:useLocalDpi xmlns:a14="http://schemas.microsoft.com/office/drawing/2010/main" val="0"/>
+              </a:ext>
+            </a:extLst>
+          </a:blip>
+          <a:srcRect/>
+          <a:stretch>
+            <a:fillRect/>
+          </a:stretch>
+        </p:blipFill>
+        <p:spPr bwMode="auto">
+          <a:xfrm>
+            <a:off x="8641228" y="812862"/>
+            <a:ext cx="2989186" cy="1345134"/>
+          </a:xfrm>
+          <a:prstGeom prst="round2DiagRect">
+            <a:avLst>
+              <a:gd name="adj1" fmla="val 16667"/>
+              <a:gd name="adj2" fmla="val 0"/>
+            </a:avLst>
+          </a:prstGeom>
+          <a:ln w="88900" cap="sq">
+            <a:solidFill>
+              <a:srgbClr val="FFFFFF"/>
+            </a:solidFill>
+            <a:miter lim="800000"/>
+          </a:ln>
+          <a:effectLst>
+            <a:outerShdw blurRad="254000" algn="tl" rotWithShape="0">
+              <a:srgbClr val="000000">
+                <a:alpha val="43000"/>
+              </a:srgbClr>
+            </a:outerShdw>
+          </a:effectLst>
+          <a:extLst>
+            <a:ext uri="{909E8E84-426E-40DD-AFC4-6F175D3DCCD1}">
+              <a14:hiddenFill xmlns:a14="http://schemas.microsoft.com/office/drawing/2010/main">
+                <a:solidFill>
+                  <a:srgbClr val="FFFFFF"/>
+                </a:solidFill>
+              </a14:hiddenFill>
+            </a:ext>
+          </a:extLst>
+        </p:spPr>
+      </p:pic>
+      <p:pic>
+        <p:nvPicPr>
+          <p:cNvPr id="4100" name="Picture 4" descr="PyLab [Parte 1]: Python se viste de MatLab"/>
+          <p:cNvPicPr>
+            <a:picLocks noChangeAspect="1" noChangeArrowheads="1"/>
+          </p:cNvPicPr>
+          <p:nvPr/>
+        </p:nvPicPr>
+        <p:blipFill rotWithShape="1">
+          <a:blip r:embed="rId3">
+            <a:extLst>
+              <a:ext uri="{28A0092B-C50C-407E-A947-70E740481C1C}">
+                <a14:useLocalDpi xmlns:a14="http://schemas.microsoft.com/office/drawing/2010/main" val="0"/>
+              </a:ext>
+            </a:extLst>
+          </a:blip>
+          <a:srcRect l="9268" t="26987" r="59035" b="22061"/>
+          <a:stretch/>
+        </p:blipFill>
+        <p:spPr bwMode="auto">
+          <a:xfrm>
+            <a:off x="1179859" y="2470515"/>
+            <a:ext cx="2292125" cy="2302887"/>
+          </a:xfrm>
+          <a:prstGeom prst="ellipse">
+            <a:avLst/>
+          </a:prstGeom>
+          <a:ln w="63500" cap="rnd">
+            <a:solidFill>
+              <a:srgbClr val="333333"/>
+            </a:solidFill>
+          </a:ln>
+          <a:effectLst>
+            <a:outerShdw blurRad="381000" dist="292100" dir="5400000" sx="-80000" sy="-18000" rotWithShape="0">
+              <a:srgbClr val="000000">
+                <a:alpha val="22000"/>
+              </a:srgbClr>
+            </a:outerShdw>
+          </a:effectLst>
+          <a:scene3d>
+            <a:camera prst="orthographicFront"/>
+            <a:lightRig rig="contrasting" dir="t">
+              <a:rot lat="0" lon="0" rev="3000000"/>
+            </a:lightRig>
+          </a:scene3d>
+          <a:sp3d contourW="7620">
+            <a:bevelT w="95250" h="31750"/>
+            <a:contourClr>
+              <a:srgbClr val="333333"/>
+            </a:contourClr>
+          </a:sp3d>
+          <a:extLst>
+            <a:ext uri="{909E8E84-426E-40DD-AFC4-6F175D3DCCD1}">
+              <a14:hiddenFill xmlns:a14="http://schemas.microsoft.com/office/drawing/2010/main">
+                <a:solidFill>
+                  <a:srgbClr val="FFFFFF"/>
+                </a:solidFill>
+              </a14:hiddenFill>
+            </a:ext>
+          </a:extLst>
+        </p:spPr>
+      </p:pic>
+      <p:pic>
+        <p:nvPicPr>
+          <p:cNvPr id="8" name="Picture 4" descr="PyLab [Parte 1]: Python se viste de MatLab"/>
+          <p:cNvPicPr>
+            <a:picLocks noChangeAspect="1" noChangeArrowheads="1"/>
+          </p:cNvPicPr>
+          <p:nvPr/>
+        </p:nvPicPr>
+        <p:blipFill rotWithShape="1">
+          <a:blip r:embed="rId3">
+            <a:extLst>
+              <a:ext uri="{28A0092B-C50C-407E-A947-70E740481C1C}">
+                <a14:useLocalDpi xmlns:a14="http://schemas.microsoft.com/office/drawing/2010/main" val="0"/>
+              </a:ext>
+            </a:extLst>
+          </a:blip>
+          <a:srcRect l="55920" t="57582" r="28901" b="32894"/>
+          <a:stretch/>
+        </p:blipFill>
+        <p:spPr bwMode="auto">
+          <a:xfrm>
+            <a:off x="3914810" y="3220442"/>
+            <a:ext cx="1480458" cy="580571"/>
+          </a:xfrm>
+          <a:prstGeom prst="rect">
+            <a:avLst/>
+          </a:prstGeom>
+          <a:ln w="88900" cap="sq" cmpd="thickThin">
+            <a:solidFill>
+              <a:srgbClr val="000000"/>
+            </a:solidFill>
+            <a:prstDash val="solid"/>
+            <a:miter lim="800000"/>
+          </a:ln>
+          <a:effectLst>
+            <a:innerShdw blurRad="76200">
+              <a:srgbClr val="000000"/>
+            </a:innerShdw>
+          </a:effectLst>
+          <a:extLst>
+            <a:ext uri="{909E8E84-426E-40DD-AFC4-6F175D3DCCD1}">
+              <a14:hiddenFill xmlns:a14="http://schemas.microsoft.com/office/drawing/2010/main">
+                <a:solidFill>
+                  <a:srgbClr val="FFFFFF"/>
+                </a:solidFill>
+              </a14:hiddenFill>
+            </a:ext>
+          </a:extLst>
+        </p:spPr>
+      </p:pic>
+      <p:pic>
+        <p:nvPicPr>
+          <p:cNvPr id="4104" name="Picture 8" descr="SciPy: El aliado de un matemático"/>
+          <p:cNvPicPr>
+            <a:picLocks noChangeAspect="1" noChangeArrowheads="1"/>
+          </p:cNvPicPr>
+          <p:nvPr/>
+        </p:nvPicPr>
+        <p:blipFill rotWithShape="1">
+          <a:blip r:embed="rId4">
+            <a:extLst>
+              <a:ext uri="{28A0092B-C50C-407E-A947-70E740481C1C}">
+                <a14:useLocalDpi xmlns:a14="http://schemas.microsoft.com/office/drawing/2010/main" val="0"/>
+              </a:ext>
+            </a:extLst>
+          </a:blip>
+          <a:srcRect l="7008" t="16208" r="8422" b="14459"/>
+          <a:stretch/>
+        </p:blipFill>
+        <p:spPr bwMode="auto">
+          <a:xfrm>
+            <a:off x="7071807" y="4633713"/>
+            <a:ext cx="3788228" cy="1552832"/>
+          </a:xfrm>
+          <a:prstGeom prst="rect">
+            <a:avLst/>
+          </a:prstGeom>
+          <a:ln w="228600" cap="sq" cmpd="thickThin">
+            <a:solidFill>
+              <a:srgbClr val="000000"/>
+            </a:solidFill>
+            <a:prstDash val="solid"/>
+            <a:miter lim="800000"/>
+          </a:ln>
+          <a:effectLst>
+            <a:innerShdw blurRad="76200">
+              <a:srgbClr val="000000"/>
+            </a:innerShdw>
+          </a:effectLst>
+          <a:extLst>
+            <a:ext uri="{909E8E84-426E-40DD-AFC4-6F175D3DCCD1}">
+              <a14:hiddenFill xmlns:a14="http://schemas.microsoft.com/office/drawing/2010/main">
+                <a:solidFill>
+                  <a:srgbClr val="FFFFFF"/>
+                </a:solidFill>
+              </a14:hiddenFill>
+            </a:ext>
+          </a:extLst>
+        </p:spPr>
+      </p:pic>
     </p:spTree>
     <p:extLst>
       <p:ext uri="{BB962C8B-B14F-4D97-AF65-F5344CB8AC3E}">
@@ -3779,13 +7986,20 @@
   <p:clrMapOvr>
     <a:masterClrMapping/>
   </p:clrMapOvr>
+  <p:timing>
+    <p:tnLst>
+      <p:par>
+        <p:cTn id="1" dur="indefinite" restart="never" nodeType="tmRoot"/>
+      </p:par>
+    </p:tnLst>
+  </p:timing>
 </p:sld>
 </file>
 
 <file path=ppt/theme/theme1.xml><?xml version="1.0" encoding="utf-8"?>
-<a:theme xmlns:a="http://schemas.openxmlformats.org/drawingml/2006/main" name="Tema de Office">
+<a:theme xmlns:a="http://schemas.openxmlformats.org/drawingml/2006/main" name="Profundidad">
   <a:themeElements>
-    <a:clrScheme name="Office">
+    <a:clrScheme name="Profundidad">
       <a:dk1>
         <a:sysClr val="windowText" lastClr="000000"/>
       </a:dk1>
@@ -3793,52 +8007,52 @@
         <a:sysClr val="window" lastClr="FFFFFF"/>
       </a:lt1>
       <a:dk2>
-        <a:srgbClr val="44546A"/>
+        <a:srgbClr val="454551"/>
       </a:dk2>
       <a:lt2>
-        <a:srgbClr val="E7E6E6"/>
+        <a:srgbClr val="F2ACD2"/>
       </a:lt2>
       <a:accent1>
-        <a:srgbClr val="5B9BD5"/>
+        <a:srgbClr val="E32D91"/>
       </a:accent1>
       <a:accent2>
-        <a:srgbClr val="ED7D31"/>
+        <a:srgbClr val="C830CC"/>
       </a:accent2>
       <a:accent3>
-        <a:srgbClr val="A5A5A5"/>
+        <a:srgbClr val="4EA6DC"/>
       </a:accent3>
       <a:accent4>
-        <a:srgbClr val="FFC000"/>
+        <a:srgbClr val="4775E7"/>
       </a:accent4>
       <a:accent5>
-        <a:srgbClr val="4472C4"/>
+        <a:srgbClr val="8971E1"/>
       </a:accent5>
       <a:accent6>
-        <a:srgbClr val="70AD47"/>
+        <a:srgbClr val="D54773"/>
       </a:accent6>
       <a:hlink>
-        <a:srgbClr val="0563C1"/>
+        <a:srgbClr val="6B9F25"/>
       </a:hlink>
       <a:folHlink>
-        <a:srgbClr val="954F72"/>
+        <a:srgbClr val="8C8C8C"/>
       </a:folHlink>
     </a:clrScheme>
-    <a:fontScheme name="Office">
+    <a:fontScheme name="Profundidad">
       <a:majorFont>
-        <a:latin typeface="Calibri Light" panose="020F0302020204030204"/>
+        <a:latin typeface="Corbel" panose="020B0503020204020204"/>
         <a:ea typeface=""/>
         <a:cs typeface=""/>
-        <a:font script="Jpan" typeface="ＭＳ Ｐゴシック"/>
-        <a:font script="Hang" typeface="맑은 고딕"/>
-        <a:font script="Hans" typeface="宋体"/>
+        <a:font script="Jpan" typeface="メイリオ"/>
+        <a:font script="Hang" typeface="HY엽서L"/>
+        <a:font script="Hans" typeface="华文楷体"/>
         <a:font script="Hant" typeface="新細明體"/>
-        <a:font script="Arab" typeface="Times New Roman"/>
-        <a:font script="Hebr" typeface="Times New Roman"/>
-        <a:font script="Thai" typeface="Angsana New"/>
+        <a:font script="Arab" typeface="Tahoma"/>
+        <a:font script="Hebr" typeface="Miriam"/>
+        <a:font script="Thai" typeface="DilleniaUPC"/>
         <a:font script="Ethi" typeface="Nyala"/>
         <a:font script="Beng" typeface="Vrinda"/>
         <a:font script="Gujr" typeface="Shruti"/>
-        <a:font script="Khmr" typeface="MoolBoran"/>
+        <a:font script="Khmr" typeface="DaunPenh"/>
         <a:font script="Knda" typeface="Tunga"/>
         <a:font script="Guru" typeface="Raavi"/>
         <a:font script="Cans" typeface="Euphemia"/>
@@ -3855,21 +8069,21 @@
         <a:font script="Laoo" typeface="DokChampa"/>
         <a:font script="Sinh" typeface="Iskoola Pota"/>
         <a:font script="Mong" typeface="Mongolian Baiti"/>
-        <a:font script="Viet" typeface="Times New Roman"/>
+        <a:font script="Viet" typeface="Arial"/>
         <a:font script="Uigh" typeface="Microsoft Uighur"/>
         <a:font script="Geor" typeface="Sylfaen"/>
       </a:majorFont>
       <a:minorFont>
-        <a:latin typeface="Calibri" panose="020F0502020204030204"/>
+        <a:latin typeface="Corbel" panose="020B0503020204020204"/>
         <a:ea typeface=""/>
         <a:cs typeface=""/>
-        <a:font script="Jpan" typeface="ＭＳ Ｐゴシック"/>
-        <a:font script="Hang" typeface="맑은 고딕"/>
-        <a:font script="Hans" typeface="宋体"/>
+        <a:font script="Jpan" typeface="メイリオ"/>
+        <a:font script="Hang" typeface="HY엽서L"/>
+        <a:font script="Hans" typeface="华文楷体"/>
         <a:font script="Hant" typeface="新細明體"/>
-        <a:font script="Arab" typeface="Arial"/>
-        <a:font script="Hebr" typeface="Arial"/>
-        <a:font script="Thai" typeface="Cordia New"/>
+        <a:font script="Arab" typeface="Tahoma"/>
+        <a:font script="Hebr" typeface="Miriam"/>
+        <a:font script="Thai" typeface="DilleniaUPC"/>
         <a:font script="Ethi" typeface="Nyala"/>
         <a:font script="Beng" typeface="Vrinda"/>
         <a:font script="Gujr" typeface="Shruti"/>
@@ -3895,7 +8109,7 @@
         <a:font script="Geor" typeface="Sylfaen"/>
       </a:minorFont>
     </a:fontScheme>
-    <a:fmtScheme name="Office">
+    <a:fmtScheme name="Profundidad">
       <a:fillStyleLst>
         <a:solidFill>
           <a:schemeClr val="phClr"/>
@@ -4037,7 +8251,7 @@
   <a:extraClrSchemeLst/>
   <a:extLst>
     <a:ext uri="{05A4C25C-085E-4340-85A3-A5531E510DB2}">
-      <thm15:themeFamily xmlns:thm15="http://schemas.microsoft.com/office/thememl/2012/main" name="Office Theme" id="{62F939B6-93AF-4DB8-9C6B-D6C7DFDC589F}" vid="{4A3C46E8-61CC-4603-A589-7422A47A8E4A}"/>
+      <thm15:themeFamily xmlns:thm15="http://schemas.microsoft.com/office/thememl/2012/main" name="Depth" id="{7BEAFC2A-325C-49C4-AC08-2B765DA903F9}" vid="{3016C5A4-E631-4977-A608-ACFB47552625}"/>
     </a:ext>
   </a:extLst>
 </a:theme>
